--- a/flask/졸업작품(Python_Flask).pptx
+++ b/flask/졸업작품(Python_Flask).pptx
@@ -7,33 +7,26 @@
     <p:sldMasterId id="2147483653" r:id="rId3"/>
   </p:sldMasterIdLst>
   <p:notesMasterIdLst>
-    <p:notesMasterId r:id="rId25"/>
+    <p:notesMasterId r:id="rId18"/>
   </p:notesMasterIdLst>
   <p:handoutMasterIdLst>
-    <p:handoutMasterId r:id="rId26"/>
+    <p:handoutMasterId r:id="rId19"/>
   </p:handoutMasterIdLst>
   <p:sldIdLst>
     <p:sldId id="256" r:id="rId4"/>
-    <p:sldId id="261" r:id="rId5"/>
-    <p:sldId id="264" r:id="rId6"/>
-    <p:sldId id="300" r:id="rId7"/>
-    <p:sldId id="277" r:id="rId8"/>
-    <p:sldId id="299" r:id="rId9"/>
-    <p:sldId id="311" r:id="rId10"/>
-    <p:sldId id="303" r:id="rId11"/>
-    <p:sldId id="312" r:id="rId12"/>
-    <p:sldId id="313" r:id="rId13"/>
-    <p:sldId id="314" r:id="rId14"/>
-    <p:sldId id="331" r:id="rId15"/>
-    <p:sldId id="316" r:id="rId16"/>
-    <p:sldId id="319" r:id="rId17"/>
-    <p:sldId id="320" r:id="rId18"/>
-    <p:sldId id="301" r:id="rId19"/>
-    <p:sldId id="327" r:id="rId20"/>
-    <p:sldId id="328" r:id="rId21"/>
-    <p:sldId id="329" r:id="rId22"/>
-    <p:sldId id="330" r:id="rId23"/>
-    <p:sldId id="262" r:id="rId24"/>
+    <p:sldId id="264" r:id="rId5"/>
+    <p:sldId id="277" r:id="rId6"/>
+    <p:sldId id="299" r:id="rId7"/>
+    <p:sldId id="311" r:id="rId8"/>
+    <p:sldId id="303" r:id="rId9"/>
+    <p:sldId id="312" r:id="rId10"/>
+    <p:sldId id="313" r:id="rId11"/>
+    <p:sldId id="314" r:id="rId12"/>
+    <p:sldId id="331" r:id="rId13"/>
+    <p:sldId id="316" r:id="rId14"/>
+    <p:sldId id="319" r:id="rId15"/>
+    <p:sldId id="320" r:id="rId16"/>
+    <p:sldId id="262" r:id="rId17"/>
   </p:sldIdLst>
   <p:sldSz cx="9144000" cy="5143500" type="screen16x9"/>
   <p:notesSz cx="6858000" cy="9144000"/>
@@ -134,7 +127,7 @@
   </p:defaultTextStyle>
   <p:extLst>
     <p:ext uri="{EFAFB233-063F-42B5-8137-9DF3F51BA10A}">
-      <p15:sldGuideLst xmlns:p15="http://schemas.microsoft.com/office/powerpoint/2012/main" xmlns="">
+      <p15:sldGuideLst xmlns:p15="http://schemas.microsoft.com/office/powerpoint/2012/main">
         <p15:guide id="1" orient="horz" pos="1847">
           <p15:clr>
             <a:srgbClr val="A4A3A4"/>
@@ -148,7 +141,7 @@
       </p15:sldGuideLst>
     </p:ext>
     <p:ext uri="{2D200454-40CA-4A62-9FC3-DE9A4176ACB9}">
-      <p15:notesGuideLst xmlns:p15="http://schemas.microsoft.com/office/powerpoint/2012/main" xmlns=""/>
+      <p15:notesGuideLst xmlns:p15="http://schemas.microsoft.com/office/powerpoint/2012/main"/>
     </p:ext>
   </p:extLst>
 </p:presentation>
@@ -181,7 +174,7 @@
           <p:cNvPr id="2" name="머리글 개체 틀 1">
             <a:extLst>
               <a:ext uri="{FF2B5EF4-FFF2-40B4-BE49-F238E27FC236}">
-                <a16:creationId xmlns:a16="http://schemas.microsoft.com/office/drawing/2014/main" xmlns="" id="{63067592-1177-4A8F-8559-88EAFFFB7C5D}"/>
+                <a16:creationId xmlns:a16="http://schemas.microsoft.com/office/drawing/2014/main" id="{63067592-1177-4A8F-8559-88EAFFFB7C5D}"/>
               </a:ext>
             </a:extLst>
           </p:cNvPr>
@@ -218,7 +211,7 @@
           <p:cNvPr id="3" name="날짜 개체 틀 2">
             <a:extLst>
               <a:ext uri="{FF2B5EF4-FFF2-40B4-BE49-F238E27FC236}">
-                <a16:creationId xmlns:a16="http://schemas.microsoft.com/office/drawing/2014/main" xmlns="" id="{3C2CF451-70E9-424F-9484-D9CA0DA36ADD}"/>
+                <a16:creationId xmlns:a16="http://schemas.microsoft.com/office/drawing/2014/main" id="{3C2CF451-70E9-424F-9484-D9CA0DA36ADD}"/>
               </a:ext>
             </a:extLst>
           </p:cNvPr>
@@ -249,7 +242,7 @@
             <a:fld id="{D090F118-FDC5-4298-8605-509719EC5E22}" type="datetimeFigureOut">
               <a:rPr lang="ko-KR" altLang="en-US" smtClean="0"/>
               <a:pPr/>
-              <a:t>2020-06-17</a:t>
+              <a:t>2021-03-29</a:t>
             </a:fld>
             <a:endParaRPr lang="ko-KR" altLang="en-US"/>
           </a:p>
@@ -260,7 +253,7 @@
           <p:cNvPr id="4" name="바닥글 개체 틀 3">
             <a:extLst>
               <a:ext uri="{FF2B5EF4-FFF2-40B4-BE49-F238E27FC236}">
-                <a16:creationId xmlns:a16="http://schemas.microsoft.com/office/drawing/2014/main" xmlns="" id="{52C3267D-5B5A-47A4-8D84-21A44F0D7B53}"/>
+                <a16:creationId xmlns:a16="http://schemas.microsoft.com/office/drawing/2014/main" id="{52C3267D-5B5A-47A4-8D84-21A44F0D7B53}"/>
               </a:ext>
             </a:extLst>
           </p:cNvPr>
@@ -297,7 +290,7 @@
           <p:cNvPr id="5" name="슬라이드 번호 개체 틀 4">
             <a:extLst>
               <a:ext uri="{FF2B5EF4-FFF2-40B4-BE49-F238E27FC236}">
-                <a16:creationId xmlns:a16="http://schemas.microsoft.com/office/drawing/2014/main" xmlns="" id="{2F7C5F71-15FE-429B-AF61-61945D4F240D}"/>
+                <a16:creationId xmlns:a16="http://schemas.microsoft.com/office/drawing/2014/main" id="{2F7C5F71-15FE-429B-AF61-61945D4F240D}"/>
               </a:ext>
             </a:extLst>
           </p:cNvPr>
@@ -337,7 +330,7 @@
     </p:spTree>
     <p:extLst>
       <p:ext uri="{BB962C8B-B14F-4D97-AF65-F5344CB8AC3E}">
-        <p14:creationId xmlns:p14="http://schemas.microsoft.com/office/powerpoint/2010/main" xmlns="" val="507325080"/>
+        <p14:creationId xmlns:p14="http://schemas.microsoft.com/office/powerpoint/2010/main" val="507325080"/>
       </p:ext>
     </p:extLst>
   </p:cSld>
@@ -428,7 +421,7 @@
             <a:fld id="{7C8BDEB5-11C8-4FFD-966B-93DB62A96F3D}" type="datetimeFigureOut">
               <a:rPr lang="ko-KR" altLang="en-US" smtClean="0"/>
               <a:pPr/>
-              <a:t>2020-06-17</a:t>
+              <a:t>2021-03-29</a:t>
             </a:fld>
             <a:endParaRPr lang="ko-KR" altLang="en-US"/>
           </a:p>
@@ -597,7 +590,7 @@
     </p:spTree>
     <p:extLst>
       <p:ext uri="{BB962C8B-B14F-4D97-AF65-F5344CB8AC3E}">
-        <p14:creationId xmlns:p14="http://schemas.microsoft.com/office/powerpoint/2010/main" xmlns="" val="3608068416"/>
+        <p14:creationId xmlns:p14="http://schemas.microsoft.com/office/powerpoint/2010/main" val="3608068416"/>
       </p:ext>
     </p:extLst>
   </p:cSld>
@@ -697,340 +690,6 @@
 </p:notesMaster>
 </file>
 
-<file path=ppt/notesSlides/notesSlide1.xml><?xml version="1.0" encoding="utf-8"?>
-<p:notes xmlns:a="http://schemas.openxmlformats.org/drawingml/2006/main" xmlns:r="http://schemas.openxmlformats.org/officeDocument/2006/relationships" xmlns:p="http://schemas.openxmlformats.org/presentationml/2006/main">
-  <p:cSld>
-    <p:spTree>
-      <p:nvGrpSpPr>
-        <p:cNvPr id="1" name=""/>
-        <p:cNvGrpSpPr/>
-        <p:nvPr/>
-      </p:nvGrpSpPr>
-      <p:grpSpPr>
-        <a:xfrm>
-          <a:off x="0" y="0"/>
-          <a:ext cx="0" cy="0"/>
-          <a:chOff x="0" y="0"/>
-          <a:chExt cx="0" cy="0"/>
-        </a:xfrm>
-      </p:grpSpPr>
-      <p:sp>
-        <p:nvSpPr>
-          <p:cNvPr id="2" name="Slide Image Placeholder 1"/>
-          <p:cNvSpPr>
-            <a:spLocks noGrp="1" noRot="1" noChangeAspect="1"/>
-          </p:cNvSpPr>
-          <p:nvPr>
-            <p:ph type="sldImg"/>
-          </p:nvPr>
-        </p:nvSpPr>
-        <p:spPr/>
-      </p:sp>
-      <p:sp>
-        <p:nvSpPr>
-          <p:cNvPr id="3" name="Notes Placeholder 2"/>
-          <p:cNvSpPr>
-            <a:spLocks noGrp="1"/>
-          </p:cNvSpPr>
-          <p:nvPr>
-            <p:ph type="body" idx="1"/>
-          </p:nvPr>
-        </p:nvSpPr>
-        <p:spPr/>
-        <p:txBody>
-          <a:bodyPr/>
-          <a:lstStyle/>
-          <a:p>
-            <a:endParaRPr lang="ko-KR" altLang="en-US" dirty="0"/>
-          </a:p>
-        </p:txBody>
-      </p:sp>
-      <p:sp>
-        <p:nvSpPr>
-          <p:cNvPr id="4" name="Slide Number Placeholder 3"/>
-          <p:cNvSpPr>
-            <a:spLocks noGrp="1"/>
-          </p:cNvSpPr>
-          <p:nvPr>
-            <p:ph type="sldNum" sz="quarter" idx="10"/>
-          </p:nvPr>
-        </p:nvSpPr>
-        <p:spPr/>
-        <p:txBody>
-          <a:bodyPr/>
-          <a:lstStyle/>
-          <a:p>
-            <a:fld id="{4262991A-D88A-415F-AA3F-DF12C52C61BF}" type="slidenum">
-              <a:rPr lang="ko-KR" altLang="en-US" smtClean="0"/>
-              <a:pPr/>
-              <a:t>2</a:t>
-            </a:fld>
-            <a:endParaRPr lang="ko-KR" altLang="en-US"/>
-          </a:p>
-        </p:txBody>
-      </p:sp>
-    </p:spTree>
-    <p:extLst>
-      <p:ext uri="{BB962C8B-B14F-4D97-AF65-F5344CB8AC3E}">
-        <p14:creationId xmlns:p14="http://schemas.microsoft.com/office/powerpoint/2010/main" xmlns="" val="1108586041"/>
-      </p:ext>
-    </p:extLst>
-  </p:cSld>
-  <p:clrMapOvr>
-    <a:masterClrMapping/>
-  </p:clrMapOvr>
-</p:notes>
-</file>
-
-<file path=ppt/notesSlides/notesSlide2.xml><?xml version="1.0" encoding="utf-8"?>
-<p:notes xmlns:a="http://schemas.openxmlformats.org/drawingml/2006/main" xmlns:r="http://schemas.openxmlformats.org/officeDocument/2006/relationships" xmlns:p="http://schemas.openxmlformats.org/presentationml/2006/main">
-  <p:cSld>
-    <p:spTree>
-      <p:nvGrpSpPr>
-        <p:cNvPr id="1" name=""/>
-        <p:cNvGrpSpPr/>
-        <p:nvPr/>
-      </p:nvGrpSpPr>
-      <p:grpSpPr>
-        <a:xfrm>
-          <a:off x="0" y="0"/>
-          <a:ext cx="0" cy="0"/>
-          <a:chOff x="0" y="0"/>
-          <a:chExt cx="0" cy="0"/>
-        </a:xfrm>
-      </p:grpSpPr>
-      <p:sp>
-        <p:nvSpPr>
-          <p:cNvPr id="2" name="Slide Image Placeholder 1"/>
-          <p:cNvSpPr>
-            <a:spLocks noGrp="1" noRot="1" noChangeAspect="1"/>
-          </p:cNvSpPr>
-          <p:nvPr>
-            <p:ph type="sldImg"/>
-          </p:nvPr>
-        </p:nvSpPr>
-        <p:spPr/>
-      </p:sp>
-      <p:sp>
-        <p:nvSpPr>
-          <p:cNvPr id="3" name="Notes Placeholder 2"/>
-          <p:cNvSpPr>
-            <a:spLocks noGrp="1"/>
-          </p:cNvSpPr>
-          <p:nvPr>
-            <p:ph type="body" idx="1"/>
-          </p:nvPr>
-        </p:nvSpPr>
-        <p:spPr/>
-        <p:txBody>
-          <a:bodyPr/>
-          <a:lstStyle/>
-          <a:p>
-            <a:endParaRPr lang="ko-KR" altLang="en-US" dirty="0"/>
-          </a:p>
-        </p:txBody>
-      </p:sp>
-      <p:sp>
-        <p:nvSpPr>
-          <p:cNvPr id="4" name="Slide Number Placeholder 3"/>
-          <p:cNvSpPr>
-            <a:spLocks noGrp="1"/>
-          </p:cNvSpPr>
-          <p:nvPr>
-            <p:ph type="sldNum" sz="quarter" idx="10"/>
-          </p:nvPr>
-        </p:nvSpPr>
-        <p:spPr/>
-        <p:txBody>
-          <a:bodyPr/>
-          <a:lstStyle/>
-          <a:p>
-            <a:fld id="{4262991A-D88A-415F-AA3F-DF12C52C61BF}" type="slidenum">
-              <a:rPr lang="ko-KR" altLang="en-US" smtClean="0"/>
-              <a:pPr/>
-              <a:t>4</a:t>
-            </a:fld>
-            <a:endParaRPr lang="ko-KR" altLang="en-US"/>
-          </a:p>
-        </p:txBody>
-      </p:sp>
-    </p:spTree>
-    <p:extLst>
-      <p:ext uri="{BB962C8B-B14F-4D97-AF65-F5344CB8AC3E}">
-        <p14:creationId xmlns:p14="http://schemas.microsoft.com/office/powerpoint/2010/main" xmlns="" val="1108586041"/>
-      </p:ext>
-    </p:extLst>
-  </p:cSld>
-  <p:clrMapOvr>
-    <a:masterClrMapping/>
-  </p:clrMapOvr>
-</p:notes>
-</file>
-
-<file path=ppt/notesSlides/notesSlide3.xml><?xml version="1.0" encoding="utf-8"?>
-<p:notes xmlns:a="http://schemas.openxmlformats.org/drawingml/2006/main" xmlns:r="http://schemas.openxmlformats.org/officeDocument/2006/relationships" xmlns:p="http://schemas.openxmlformats.org/presentationml/2006/main">
-  <p:cSld>
-    <p:spTree>
-      <p:nvGrpSpPr>
-        <p:cNvPr id="1" name=""/>
-        <p:cNvGrpSpPr/>
-        <p:nvPr/>
-      </p:nvGrpSpPr>
-      <p:grpSpPr>
-        <a:xfrm>
-          <a:off x="0" y="0"/>
-          <a:ext cx="0" cy="0"/>
-          <a:chOff x="0" y="0"/>
-          <a:chExt cx="0" cy="0"/>
-        </a:xfrm>
-      </p:grpSpPr>
-      <p:sp>
-        <p:nvSpPr>
-          <p:cNvPr id="2" name="슬라이드 이미지 개체 틀 1"/>
-          <p:cNvSpPr>
-            <a:spLocks noGrp="1" noRot="1" noChangeAspect="1"/>
-          </p:cNvSpPr>
-          <p:nvPr>
-            <p:ph type="sldImg"/>
-          </p:nvPr>
-        </p:nvSpPr>
-        <p:spPr/>
-      </p:sp>
-      <p:sp>
-        <p:nvSpPr>
-          <p:cNvPr id="3" name="슬라이드 노트 개체 틀 2"/>
-          <p:cNvSpPr>
-            <a:spLocks noGrp="1"/>
-          </p:cNvSpPr>
-          <p:nvPr>
-            <p:ph type="body" idx="1"/>
-          </p:nvPr>
-        </p:nvSpPr>
-        <p:spPr/>
-        <p:txBody>
-          <a:bodyPr>
-            <a:normAutofit/>
-          </a:bodyPr>
-          <a:lstStyle/>
-          <a:p>
-            <a:endParaRPr lang="ko-KR" altLang="en-US" dirty="0"/>
-          </a:p>
-        </p:txBody>
-      </p:sp>
-      <p:sp>
-        <p:nvSpPr>
-          <p:cNvPr id="4" name="슬라이드 번호 개체 틀 3"/>
-          <p:cNvSpPr>
-            <a:spLocks noGrp="1"/>
-          </p:cNvSpPr>
-          <p:nvPr>
-            <p:ph type="sldNum" sz="quarter" idx="10"/>
-          </p:nvPr>
-        </p:nvSpPr>
-        <p:spPr/>
-        <p:txBody>
-          <a:bodyPr/>
-          <a:lstStyle/>
-          <a:p>
-            <a:fld id="{4262991A-D88A-415F-AA3F-DF12C52C61BF}" type="slidenum">
-              <a:rPr lang="ko-KR" altLang="en-US" smtClean="0"/>
-              <a:pPr/>
-              <a:t>17</a:t>
-            </a:fld>
-            <a:endParaRPr lang="ko-KR" altLang="en-US"/>
-          </a:p>
-        </p:txBody>
-      </p:sp>
-    </p:spTree>
-  </p:cSld>
-  <p:clrMapOvr>
-    <a:masterClrMapping/>
-  </p:clrMapOvr>
-</p:notes>
-</file>
-
-<file path=ppt/notesSlides/notesSlide4.xml><?xml version="1.0" encoding="utf-8"?>
-<p:notes xmlns:a="http://schemas.openxmlformats.org/drawingml/2006/main" xmlns:r="http://schemas.openxmlformats.org/officeDocument/2006/relationships" xmlns:p="http://schemas.openxmlformats.org/presentationml/2006/main">
-  <p:cSld>
-    <p:spTree>
-      <p:nvGrpSpPr>
-        <p:cNvPr id="1" name=""/>
-        <p:cNvGrpSpPr/>
-        <p:nvPr/>
-      </p:nvGrpSpPr>
-      <p:grpSpPr>
-        <a:xfrm>
-          <a:off x="0" y="0"/>
-          <a:ext cx="0" cy="0"/>
-          <a:chOff x="0" y="0"/>
-          <a:chExt cx="0" cy="0"/>
-        </a:xfrm>
-      </p:grpSpPr>
-      <p:sp>
-        <p:nvSpPr>
-          <p:cNvPr id="2" name="슬라이드 이미지 개체 틀 1"/>
-          <p:cNvSpPr>
-            <a:spLocks noGrp="1" noRot="1" noChangeAspect="1"/>
-          </p:cNvSpPr>
-          <p:nvPr>
-            <p:ph type="sldImg"/>
-          </p:nvPr>
-        </p:nvSpPr>
-        <p:spPr/>
-      </p:sp>
-      <p:sp>
-        <p:nvSpPr>
-          <p:cNvPr id="3" name="슬라이드 노트 개체 틀 2"/>
-          <p:cNvSpPr>
-            <a:spLocks noGrp="1"/>
-          </p:cNvSpPr>
-          <p:nvPr>
-            <p:ph type="body" idx="1"/>
-          </p:nvPr>
-        </p:nvSpPr>
-        <p:spPr/>
-        <p:txBody>
-          <a:bodyPr>
-            <a:normAutofit/>
-          </a:bodyPr>
-          <a:lstStyle/>
-          <a:p>
-            <a:endParaRPr lang="ko-KR" altLang="en-US" dirty="0"/>
-          </a:p>
-        </p:txBody>
-      </p:sp>
-      <p:sp>
-        <p:nvSpPr>
-          <p:cNvPr id="4" name="슬라이드 번호 개체 틀 3"/>
-          <p:cNvSpPr>
-            <a:spLocks noGrp="1"/>
-          </p:cNvSpPr>
-          <p:nvPr>
-            <p:ph type="sldNum" sz="quarter" idx="10"/>
-          </p:nvPr>
-        </p:nvSpPr>
-        <p:spPr/>
-        <p:txBody>
-          <a:bodyPr/>
-          <a:lstStyle/>
-          <a:p>
-            <a:fld id="{4262991A-D88A-415F-AA3F-DF12C52C61BF}" type="slidenum">
-              <a:rPr lang="ko-KR" altLang="en-US" smtClean="0"/>
-              <a:pPr/>
-              <a:t>19</a:t>
-            </a:fld>
-            <a:endParaRPr lang="ko-KR" altLang="en-US"/>
-          </a:p>
-        </p:txBody>
-      </p:sp>
-    </p:spTree>
-  </p:cSld>
-  <p:clrMapOvr>
-    <a:masterClrMapping/>
-  </p:clrMapOvr>
-</p:notes>
-</file>
-
 <file path=ppt/slideLayouts/slideLayout1.xml><?xml version="1.0" encoding="utf-8"?>
 <p:sldLayout xmlns:a="http://schemas.openxmlformats.org/drawingml/2006/main" xmlns:r="http://schemas.openxmlformats.org/officeDocument/2006/relationships" xmlns:p="http://schemas.openxmlformats.org/presentationml/2006/main" preserve="1" userDrawn="1">
   <p:cSld name="Cover Slide layout">
@@ -1175,7 +834,7 @@
     </p:spTree>
     <p:extLst>
       <p:ext uri="{BB962C8B-B14F-4D97-AF65-F5344CB8AC3E}">
-        <p14:creationId xmlns:p14="http://schemas.microsoft.com/office/powerpoint/2010/main" xmlns="" val="4162736505"/>
+        <p14:creationId xmlns:p14="http://schemas.microsoft.com/office/powerpoint/2010/main" val="4162736505"/>
       </p:ext>
     </p:extLst>
   </p:cSld>
@@ -1302,7 +961,7 @@
     </p:spTree>
     <p:extLst>
       <p:ext uri="{BB962C8B-B14F-4D97-AF65-F5344CB8AC3E}">
-        <p14:creationId xmlns:p14="http://schemas.microsoft.com/office/powerpoint/2010/main" xmlns="" val="3628954549"/>
+        <p14:creationId xmlns:p14="http://schemas.microsoft.com/office/powerpoint/2010/main" val="3628954549"/>
       </p:ext>
     </p:extLst>
   </p:cSld>
@@ -1513,7 +1172,7 @@
     </p:spTree>
     <p:extLst>
       <p:ext uri="{BB962C8B-B14F-4D97-AF65-F5344CB8AC3E}">
-        <p14:creationId xmlns:p14="http://schemas.microsoft.com/office/powerpoint/2010/main" xmlns="" val="4275545498"/>
+        <p14:creationId xmlns:p14="http://schemas.microsoft.com/office/powerpoint/2010/main" val="4275545498"/>
       </p:ext>
     </p:extLst>
   </p:cSld>
@@ -1754,7 +1413,7 @@
     </p:spTree>
     <p:extLst>
       <p:ext uri="{BB962C8B-B14F-4D97-AF65-F5344CB8AC3E}">
-        <p14:creationId xmlns:p14="http://schemas.microsoft.com/office/powerpoint/2010/main" xmlns="" val="1390518936"/>
+        <p14:creationId xmlns:p14="http://schemas.microsoft.com/office/powerpoint/2010/main" val="1390518936"/>
       </p:ext>
     </p:extLst>
   </p:cSld>
@@ -2095,7 +1754,7 @@
     </p:spTree>
     <p:extLst>
       <p:ext uri="{BB962C8B-B14F-4D97-AF65-F5344CB8AC3E}">
-        <p14:creationId xmlns:p14="http://schemas.microsoft.com/office/powerpoint/2010/main" xmlns="" val="3885251614"/>
+        <p14:creationId xmlns:p14="http://schemas.microsoft.com/office/powerpoint/2010/main" val="3885251614"/>
       </p:ext>
     </p:extLst>
   </p:cSld>
@@ -2397,7 +2056,7 @@
           <a:blip r:embed="rId3" cstate="print">
             <a:extLst>
               <a:ext uri="{28A0092B-C50C-407E-A947-70E740481C1C}">
-                <a14:useLocalDpi xmlns:a14="http://schemas.microsoft.com/office/drawing/2010/main" xmlns="" val="0"/>
+                <a14:useLocalDpi xmlns:a14="http://schemas.microsoft.com/office/drawing/2010/main" val="0"/>
               </a:ext>
             </a:extLst>
           </a:blip>
@@ -2417,7 +2076,7 @@
           <a:noFill/>
           <a:extLst>
             <a:ext uri="{909E8E84-426E-40DD-AFC4-6F175D3DCCD1}">
-              <a14:hiddenFill xmlns:a14="http://schemas.microsoft.com/office/drawing/2010/main" xmlns="">
+              <a14:hiddenFill xmlns:a14="http://schemas.microsoft.com/office/drawing/2010/main">
                 <a:solidFill>
                   <a:srgbClr val="FFFFFF"/>
                 </a:solidFill>
@@ -2511,7 +2170,7 @@
     </p:spTree>
     <p:extLst>
       <p:ext uri="{BB962C8B-B14F-4D97-AF65-F5344CB8AC3E}">
-        <p14:creationId xmlns:p14="http://schemas.microsoft.com/office/powerpoint/2010/main" xmlns="" val="216278380"/>
+        <p14:creationId xmlns:p14="http://schemas.microsoft.com/office/powerpoint/2010/main" val="216278380"/>
       </p:ext>
     </p:extLst>
   </p:cSld>
@@ -2649,7 +2308,7 @@
           <a:blip r:embed="rId3" cstate="print">
             <a:extLst>
               <a:ext uri="{28A0092B-C50C-407E-A947-70E740481C1C}">
-                <a14:useLocalDpi xmlns:a14="http://schemas.microsoft.com/office/drawing/2010/main" xmlns="" val="0"/>
+                <a14:useLocalDpi xmlns:a14="http://schemas.microsoft.com/office/drawing/2010/main" val="0"/>
               </a:ext>
             </a:extLst>
           </a:blip>
@@ -2669,7 +2328,7 @@
           <a:noFill/>
           <a:extLst>
             <a:ext uri="{909E8E84-426E-40DD-AFC4-6F175D3DCCD1}">
-              <a14:hiddenFill xmlns:a14="http://schemas.microsoft.com/office/drawing/2010/main" xmlns="">
+              <a14:hiddenFill xmlns:a14="http://schemas.microsoft.com/office/drawing/2010/main">
                 <a:solidFill>
                   <a:srgbClr val="FFFFFF"/>
                 </a:solidFill>
@@ -2763,7 +2422,7 @@
     </p:spTree>
     <p:extLst>
       <p:ext uri="{BB962C8B-B14F-4D97-AF65-F5344CB8AC3E}">
-        <p14:creationId xmlns:p14="http://schemas.microsoft.com/office/powerpoint/2010/main" xmlns="" val="1008902332"/>
+        <p14:creationId xmlns:p14="http://schemas.microsoft.com/office/powerpoint/2010/main" val="1008902332"/>
       </p:ext>
     </p:extLst>
   </p:cSld>
@@ -3054,7 +2713,7 @@
     </p:spTree>
     <p:extLst>
       <p:ext uri="{BB962C8B-B14F-4D97-AF65-F5344CB8AC3E}">
-        <p14:creationId xmlns:p14="http://schemas.microsoft.com/office/powerpoint/2010/main" xmlns="" val="215812269"/>
+        <p14:creationId xmlns:p14="http://schemas.microsoft.com/office/powerpoint/2010/main" val="215812269"/>
       </p:ext>
     </p:extLst>
   </p:cSld>
@@ -3284,7 +2943,7 @@
     </p:spTree>
     <p:extLst>
       <p:ext uri="{BB962C8B-B14F-4D97-AF65-F5344CB8AC3E}">
-        <p14:creationId xmlns:p14="http://schemas.microsoft.com/office/powerpoint/2010/main" xmlns="" val="738182204"/>
+        <p14:creationId xmlns:p14="http://schemas.microsoft.com/office/powerpoint/2010/main" val="738182204"/>
       </p:ext>
     </p:extLst>
   </p:cSld>
@@ -3413,7 +3072,7 @@
     </p:spTree>
     <p:extLst>
       <p:ext uri="{BB962C8B-B14F-4D97-AF65-F5344CB8AC3E}">
-        <p14:creationId xmlns:p14="http://schemas.microsoft.com/office/powerpoint/2010/main" xmlns="" val="1738235425"/>
+        <p14:creationId xmlns:p14="http://schemas.microsoft.com/office/powerpoint/2010/main" val="1738235425"/>
       </p:ext>
     </p:extLst>
   </p:cSld>
@@ -3426,7 +3085,7 @@
 
 <file path=ppt/slideLayouts/slideLayout19.xml><?xml version="1.0" encoding="utf-8"?>
 <p:sldLayout xmlns:a="http://schemas.openxmlformats.org/drawingml/2006/main" xmlns:r="http://schemas.openxmlformats.org/officeDocument/2006/relationships" xmlns:p="http://schemas.openxmlformats.org/presentationml/2006/main" userDrawn="1">
-  <p:cSld name="Agenda Layout">
+  <p:cSld name="1_Basic Layout">
     <p:bg>
       <p:bgPr>
         <a:blipFill dpi="0" rotWithShape="1">
@@ -3455,10 +3114,94 @@
           <a:chExt cx="0" cy="0"/>
         </a:xfrm>
       </p:grpSpPr>
+      <p:sp>
+        <p:nvSpPr>
+          <p:cNvPr id="10" name="Text Placeholder 9"/>
+          <p:cNvSpPr>
+            <a:spLocks noGrp="1"/>
+          </p:cNvSpPr>
+          <p:nvPr>
+            <p:ph type="body" sz="quarter" idx="10" hasCustomPrompt="1"/>
+          </p:nvPr>
+        </p:nvSpPr>
+        <p:spPr>
+          <a:xfrm>
+            <a:off x="1763688" y="123478"/>
+            <a:ext cx="7380312" cy="576064"/>
+          </a:xfrm>
+          <a:prstGeom prst="rect">
+            <a:avLst/>
+          </a:prstGeom>
+        </p:spPr>
+        <p:txBody>
+          <a:bodyPr anchor="ctr"/>
+          <a:lstStyle>
+            <a:lvl1pPr marL="0" indent="0" algn="l">
+              <a:buNone/>
+              <a:defRPr sz="3600" b="0" baseline="0">
+                <a:solidFill>
+                  <a:schemeClr val="accent3"/>
+                </a:solidFill>
+                <a:latin typeface="+mj-lt"/>
+                <a:cs typeface="Arial" pitchFamily="34" charset="0"/>
+              </a:defRPr>
+            </a:lvl1pPr>
+          </a:lstStyle>
+          <a:p>
+            <a:pPr lvl="0"/>
+            <a:r>
+              <a:rPr lang="en-US" altLang="ko-KR" dirty="0"/>
+              <a:t>BASIC LAYOUT</a:t>
+            </a:r>
+          </a:p>
+        </p:txBody>
+      </p:sp>
+      <p:sp>
+        <p:nvSpPr>
+          <p:cNvPr id="11" name="Text Placeholder 9"/>
+          <p:cNvSpPr>
+            <a:spLocks noGrp="1"/>
+          </p:cNvSpPr>
+          <p:nvPr>
+            <p:ph type="body" sz="quarter" idx="11" hasCustomPrompt="1"/>
+          </p:nvPr>
+        </p:nvSpPr>
+        <p:spPr>
+          <a:xfrm>
+            <a:off x="1763688" y="699542"/>
+            <a:ext cx="7380312" cy="288032"/>
+          </a:xfrm>
+          <a:prstGeom prst="rect">
+            <a:avLst/>
+          </a:prstGeom>
+        </p:spPr>
+        <p:txBody>
+          <a:bodyPr anchor="ctr"/>
+          <a:lstStyle>
+            <a:lvl1pPr marL="0" indent="0" algn="l">
+              <a:buNone/>
+              <a:defRPr sz="1400" b="0" baseline="0">
+                <a:solidFill>
+                  <a:schemeClr val="accent3"/>
+                </a:solidFill>
+                <a:latin typeface="+mn-lt"/>
+                <a:cs typeface="Arial" pitchFamily="34" charset="0"/>
+              </a:defRPr>
+            </a:lvl1pPr>
+          </a:lstStyle>
+          <a:p>
+            <a:pPr lvl="0"/>
+            <a:r>
+              <a:rPr lang="en-US" altLang="ko-KR" dirty="0"/>
+              <a:t>Insert the title of your subtitle Here</a:t>
+            </a:r>
+          </a:p>
+        </p:txBody>
+      </p:sp>
     </p:spTree>
     <p:extLst>
       <p:ext uri="{BB962C8B-B14F-4D97-AF65-F5344CB8AC3E}">
-        <p14:creationId xmlns:p14="http://schemas.microsoft.com/office/powerpoint/2010/main" xmlns="" val="875712077"/>
+        <p14:creationId xmlns:p14="http://schemas.microsoft.com/office/powerpoint/2010/main" val="4035151498"/>
       </p:ext>
     </p:extLst>
   </p:cSld>
@@ -3587,136 +3330,7 @@
     </p:spTree>
     <p:extLst>
       <p:ext uri="{BB962C8B-B14F-4D97-AF65-F5344CB8AC3E}">
-        <p14:creationId xmlns:p14="http://schemas.microsoft.com/office/powerpoint/2010/main" xmlns="" val="922477153"/>
-      </p:ext>
-    </p:extLst>
-  </p:cSld>
-  <p:clrMapOvr>
-    <a:masterClrMapping/>
-  </p:clrMapOvr>
-  <p:transition/>
-</p:sldLayout>
-</file>
-
-<file path=ppt/slideLayouts/slideLayout20.xml><?xml version="1.0" encoding="utf-8"?>
-<p:sldLayout xmlns:a="http://schemas.openxmlformats.org/drawingml/2006/main" xmlns:r="http://schemas.openxmlformats.org/officeDocument/2006/relationships" xmlns:p="http://schemas.openxmlformats.org/presentationml/2006/main" userDrawn="1">
-  <p:cSld name="1_Basic Layout">
-    <p:bg>
-      <p:bgPr>
-        <a:blipFill dpi="0" rotWithShape="1">
-          <a:blip r:embed="rId2" cstate="print">
-            <a:lum/>
-          </a:blip>
-          <a:srcRect/>
-          <a:stretch>
-            <a:fillRect/>
-          </a:stretch>
-        </a:blipFill>
-        <a:effectLst/>
-      </p:bgPr>
-    </p:bg>
-    <p:spTree>
-      <p:nvGrpSpPr>
-        <p:cNvPr id="1" name=""/>
-        <p:cNvGrpSpPr/>
-        <p:nvPr/>
-      </p:nvGrpSpPr>
-      <p:grpSpPr>
-        <a:xfrm>
-          <a:off x="0" y="0"/>
-          <a:ext cx="0" cy="0"/>
-          <a:chOff x="0" y="0"/>
-          <a:chExt cx="0" cy="0"/>
-        </a:xfrm>
-      </p:grpSpPr>
-      <p:sp>
-        <p:nvSpPr>
-          <p:cNvPr id="10" name="Text Placeholder 9"/>
-          <p:cNvSpPr>
-            <a:spLocks noGrp="1"/>
-          </p:cNvSpPr>
-          <p:nvPr>
-            <p:ph type="body" sz="quarter" idx="10" hasCustomPrompt="1"/>
-          </p:nvPr>
-        </p:nvSpPr>
-        <p:spPr>
-          <a:xfrm>
-            <a:off x="1763688" y="123478"/>
-            <a:ext cx="7380312" cy="576064"/>
-          </a:xfrm>
-          <a:prstGeom prst="rect">
-            <a:avLst/>
-          </a:prstGeom>
-        </p:spPr>
-        <p:txBody>
-          <a:bodyPr anchor="ctr"/>
-          <a:lstStyle>
-            <a:lvl1pPr marL="0" indent="0" algn="l">
-              <a:buNone/>
-              <a:defRPr sz="3600" b="0" baseline="0">
-                <a:solidFill>
-                  <a:schemeClr val="accent3"/>
-                </a:solidFill>
-                <a:latin typeface="+mj-lt"/>
-                <a:cs typeface="Arial" pitchFamily="34" charset="0"/>
-              </a:defRPr>
-            </a:lvl1pPr>
-          </a:lstStyle>
-          <a:p>
-            <a:pPr lvl="0"/>
-            <a:r>
-              <a:rPr lang="en-US" altLang="ko-KR" dirty="0"/>
-              <a:t>BASIC LAYOUT</a:t>
-            </a:r>
-          </a:p>
-        </p:txBody>
-      </p:sp>
-      <p:sp>
-        <p:nvSpPr>
-          <p:cNvPr id="11" name="Text Placeholder 9"/>
-          <p:cNvSpPr>
-            <a:spLocks noGrp="1"/>
-          </p:cNvSpPr>
-          <p:nvPr>
-            <p:ph type="body" sz="quarter" idx="11" hasCustomPrompt="1"/>
-          </p:nvPr>
-        </p:nvSpPr>
-        <p:spPr>
-          <a:xfrm>
-            <a:off x="1763688" y="699542"/>
-            <a:ext cx="7380312" cy="288032"/>
-          </a:xfrm>
-          <a:prstGeom prst="rect">
-            <a:avLst/>
-          </a:prstGeom>
-        </p:spPr>
-        <p:txBody>
-          <a:bodyPr anchor="ctr"/>
-          <a:lstStyle>
-            <a:lvl1pPr marL="0" indent="0" algn="l">
-              <a:buNone/>
-              <a:defRPr sz="1400" b="0" baseline="0">
-                <a:solidFill>
-                  <a:schemeClr val="accent3"/>
-                </a:solidFill>
-                <a:latin typeface="+mn-lt"/>
-                <a:cs typeface="Arial" pitchFamily="34" charset="0"/>
-              </a:defRPr>
-            </a:lvl1pPr>
-          </a:lstStyle>
-          <a:p>
-            <a:pPr lvl="0"/>
-            <a:r>
-              <a:rPr lang="en-US" altLang="ko-KR" dirty="0"/>
-              <a:t>Insert the title of your subtitle Here</a:t>
-            </a:r>
-          </a:p>
-        </p:txBody>
-      </p:sp>
-    </p:spTree>
-    <p:extLst>
-      <p:ext uri="{BB962C8B-B14F-4D97-AF65-F5344CB8AC3E}">
-        <p14:creationId xmlns:p14="http://schemas.microsoft.com/office/powerpoint/2010/main" xmlns="" val="4035151498"/>
+        <p14:creationId xmlns:p14="http://schemas.microsoft.com/office/powerpoint/2010/main" val="922477153"/>
       </p:ext>
     </p:extLst>
   </p:cSld>
@@ -3761,7 +3375,7 @@
     </p:spTree>
     <p:extLst>
       <p:ext uri="{BB962C8B-B14F-4D97-AF65-F5344CB8AC3E}">
-        <p14:creationId xmlns:p14="http://schemas.microsoft.com/office/powerpoint/2010/main" xmlns="" val="875712077"/>
+        <p14:creationId xmlns:p14="http://schemas.microsoft.com/office/powerpoint/2010/main" val="875712077"/>
       </p:ext>
     </p:extLst>
   </p:cSld>
@@ -3890,7 +3504,7 @@
     </p:spTree>
     <p:extLst>
       <p:ext uri="{BB962C8B-B14F-4D97-AF65-F5344CB8AC3E}">
-        <p14:creationId xmlns:p14="http://schemas.microsoft.com/office/powerpoint/2010/main" xmlns="" val="312904482"/>
+        <p14:creationId xmlns:p14="http://schemas.microsoft.com/office/powerpoint/2010/main" val="312904482"/>
       </p:ext>
     </p:extLst>
   </p:cSld>
@@ -4019,7 +3633,7 @@
     </p:spTree>
     <p:extLst>
       <p:ext uri="{BB962C8B-B14F-4D97-AF65-F5344CB8AC3E}">
-        <p14:creationId xmlns:p14="http://schemas.microsoft.com/office/powerpoint/2010/main" xmlns="" val="2181001546"/>
+        <p14:creationId xmlns:p14="http://schemas.microsoft.com/office/powerpoint/2010/main" val="2181001546"/>
       </p:ext>
     </p:extLst>
   </p:cSld>
@@ -4148,7 +3762,7 @@
     </p:spTree>
     <p:extLst>
       <p:ext uri="{BB962C8B-B14F-4D97-AF65-F5344CB8AC3E}">
-        <p14:creationId xmlns:p14="http://schemas.microsoft.com/office/powerpoint/2010/main" xmlns="" val="3547222993"/>
+        <p14:creationId xmlns:p14="http://schemas.microsoft.com/office/powerpoint/2010/main" val="3547222993"/>
       </p:ext>
     </p:extLst>
   </p:cSld>
@@ -4277,7 +3891,7 @@
     </p:spTree>
     <p:extLst>
       <p:ext uri="{BB962C8B-B14F-4D97-AF65-F5344CB8AC3E}">
-        <p14:creationId xmlns:p14="http://schemas.microsoft.com/office/powerpoint/2010/main" xmlns="" val="4035151498"/>
+        <p14:creationId xmlns:p14="http://schemas.microsoft.com/office/powerpoint/2010/main" val="4035151498"/>
       </p:ext>
     </p:extLst>
   </p:cSld>
@@ -4652,7 +4266,7 @@
     </p:spTree>
     <p:extLst>
       <p:ext uri="{BB962C8B-B14F-4D97-AF65-F5344CB8AC3E}">
-        <p14:creationId xmlns:p14="http://schemas.microsoft.com/office/powerpoint/2010/main" xmlns="" val="1615967038"/>
+        <p14:creationId xmlns:p14="http://schemas.microsoft.com/office/powerpoint/2010/main" val="1615967038"/>
       </p:ext>
     </p:extLst>
   </p:cSld>
@@ -4861,7 +4475,7 @@
     </p:spTree>
     <p:extLst>
       <p:ext uri="{BB962C8B-B14F-4D97-AF65-F5344CB8AC3E}">
-        <p14:creationId xmlns:p14="http://schemas.microsoft.com/office/powerpoint/2010/main" xmlns="" val="939915226"/>
+        <p14:creationId xmlns:p14="http://schemas.microsoft.com/office/powerpoint/2010/main" val="939915226"/>
       </p:ext>
     </p:extLst>
   </p:cSld>
@@ -4897,7 +4511,7 @@
     </p:spTree>
     <p:extLst>
       <p:ext uri="{BB962C8B-B14F-4D97-AF65-F5344CB8AC3E}">
-        <p14:creationId xmlns:p14="http://schemas.microsoft.com/office/powerpoint/2010/main" xmlns="" val="1736683050"/>
+        <p14:creationId xmlns:p14="http://schemas.microsoft.com/office/powerpoint/2010/main" val="1736683050"/>
       </p:ext>
     </p:extLst>
   </p:cSld>
@@ -5185,7 +4799,7 @@
     </p:spTree>
     <p:extLst>
       <p:ext uri="{BB962C8B-B14F-4D97-AF65-F5344CB8AC3E}">
-        <p14:creationId xmlns:p14="http://schemas.microsoft.com/office/powerpoint/2010/main" xmlns="" val="1737555548"/>
+        <p14:creationId xmlns:p14="http://schemas.microsoft.com/office/powerpoint/2010/main" val="1737555548"/>
       </p:ext>
     </p:extLst>
   </p:cSld>
@@ -5486,15 +5100,14 @@
     </p:spTree>
     <p:extLst>
       <p:ext uri="{BB962C8B-B14F-4D97-AF65-F5344CB8AC3E}">
-        <p14:creationId xmlns:p14="http://schemas.microsoft.com/office/powerpoint/2010/main" xmlns="" val="2754710703"/>
+        <p14:creationId xmlns:p14="http://schemas.microsoft.com/office/powerpoint/2010/main" val="2754710703"/>
       </p:ext>
     </p:extLst>
   </p:cSld>
   <p:clrMap bg1="lt1" tx1="dk1" bg2="lt2" tx2="dk2" accent1="accent1" accent2="accent2" accent3="accent3" accent4="accent4" accent5="accent5" accent6="accent6" hlink="hlink" folHlink="folHlink"/>
   <p:sldLayoutIdLst>
     <p:sldLayoutId id="2147483654" r:id="rId1"/>
-    <p:sldLayoutId id="2147483671" r:id="rId2"/>
-    <p:sldLayoutId id="2147483672" r:id="rId3"/>
+    <p:sldLayoutId id="2147483672" r:id="rId2"/>
   </p:sldLayoutIdLst>
   <p:transition/>
   <p:txStyles>
@@ -5946,7 +5559,7 @@
     </p:spTree>
     <p:extLst>
       <p:ext uri="{BB962C8B-B14F-4D97-AF65-F5344CB8AC3E}">
-        <p14:creationId xmlns:p14="http://schemas.microsoft.com/office/powerpoint/2010/main" xmlns="" val="2971841378"/>
+        <p14:creationId xmlns:p14="http://schemas.microsoft.com/office/powerpoint/2010/main" val="2971841378"/>
       </p:ext>
     </p:extLst>
   </p:cSld>
@@ -5965,704 +5578,6 @@
 </file>
 
 <file path=ppt/slides/slide10.xml><?xml version="1.0" encoding="utf-8"?>
-<p:sld xmlns:a="http://schemas.openxmlformats.org/drawingml/2006/main" xmlns:r="http://schemas.openxmlformats.org/officeDocument/2006/relationships" xmlns:p="http://schemas.openxmlformats.org/presentationml/2006/main">
-  <p:cSld>
-    <p:spTree>
-      <p:nvGrpSpPr>
-        <p:cNvPr id="1" name=""/>
-        <p:cNvGrpSpPr/>
-        <p:nvPr/>
-      </p:nvGrpSpPr>
-      <p:grpSpPr>
-        <a:xfrm>
-          <a:off x="0" y="0"/>
-          <a:ext cx="0" cy="0"/>
-          <a:chOff x="0" y="0"/>
-          <a:chExt cx="0" cy="0"/>
-        </a:xfrm>
-      </p:grpSpPr>
-      <p:sp>
-        <p:nvSpPr>
-          <p:cNvPr id="3" name="Title 2"/>
-          <p:cNvSpPr txBox="1">
-            <a:spLocks/>
-          </p:cNvSpPr>
-          <p:nvPr/>
-        </p:nvSpPr>
-        <p:spPr>
-          <a:xfrm>
-            <a:off x="0" y="483518"/>
-            <a:ext cx="9144000" cy="576064"/>
-          </a:xfrm>
-          <a:prstGeom prst="rect">
-            <a:avLst/>
-          </a:prstGeom>
-        </p:spPr>
-        <p:txBody>
-          <a:bodyPr anchor="ctr"/>
-          <a:lstStyle>
-            <a:lvl1pPr algn="ctr" defTabSz="914400" rtl="0" eaLnBrk="1" latinLnBrk="1" hangingPunct="1">
-              <a:spcBef>
-                <a:spcPct val="0"/>
-              </a:spcBef>
-              <a:buNone/>
-              <a:defRPr sz="4400" kern="1200">
-                <a:solidFill>
-                  <a:schemeClr val="tx1"/>
-                </a:solidFill>
-                <a:latin typeface="+mj-lt"/>
-                <a:ea typeface="+mj-ea"/>
-                <a:cs typeface="+mj-cs"/>
-              </a:defRPr>
-            </a:lvl1pPr>
-          </a:lstStyle>
-          <a:p>
-            <a:r>
-              <a:rPr lang="en-US" sz="3600" dirty="0">
-                <a:solidFill>
-                  <a:schemeClr val="bg1"/>
-                </a:solidFill>
-                <a:latin typeface="Arial" pitchFamily="34" charset="0"/>
-                <a:cs typeface="Arial" pitchFamily="34" charset="0"/>
-              </a:rPr>
-              <a:t>Agenda Style</a:t>
-            </a:r>
-          </a:p>
-        </p:txBody>
-      </p:sp>
-      <p:sp>
-        <p:nvSpPr>
-          <p:cNvPr id="5" name="Text Placeholder 1"/>
-          <p:cNvSpPr txBox="1">
-            <a:spLocks/>
-          </p:cNvSpPr>
-          <p:nvPr/>
-        </p:nvSpPr>
-        <p:spPr>
-          <a:xfrm rot="16200000">
-            <a:off x="-1822186" y="2109390"/>
-            <a:ext cx="5143501" cy="924722"/>
-          </a:xfrm>
-          <a:prstGeom prst="rect">
-            <a:avLst/>
-          </a:prstGeom>
-        </p:spPr>
-        <p:txBody>
-          <a:bodyPr anchor="ctr"/>
-          <a:lstStyle>
-            <a:lvl1pPr marL="342900" indent="-342900" algn="l" defTabSz="914400" rtl="0" eaLnBrk="1" latinLnBrk="1" hangingPunct="1">
-              <a:spcBef>
-                <a:spcPct val="20000"/>
-              </a:spcBef>
-              <a:buFont typeface="Arial" pitchFamily="34" charset="0"/>
-              <a:buChar char="•"/>
-              <a:defRPr sz="3200" kern="1200">
-                <a:solidFill>
-                  <a:schemeClr val="tx1"/>
-                </a:solidFill>
-                <a:latin typeface="+mn-lt"/>
-                <a:ea typeface="+mn-ea"/>
-                <a:cs typeface="+mn-cs"/>
-              </a:defRPr>
-            </a:lvl1pPr>
-            <a:lvl2pPr marL="742950" indent="-285750" algn="l" defTabSz="914400" rtl="0" eaLnBrk="1" latinLnBrk="1" hangingPunct="1">
-              <a:spcBef>
-                <a:spcPct val="20000"/>
-              </a:spcBef>
-              <a:buFont typeface="Arial" pitchFamily="34" charset="0"/>
-              <a:buChar char="–"/>
-              <a:defRPr sz="2800" kern="1200">
-                <a:solidFill>
-                  <a:schemeClr val="tx1"/>
-                </a:solidFill>
-                <a:latin typeface="+mn-lt"/>
-                <a:ea typeface="+mn-ea"/>
-                <a:cs typeface="+mn-cs"/>
-              </a:defRPr>
-            </a:lvl2pPr>
-            <a:lvl3pPr marL="1143000" indent="-228600" algn="l" defTabSz="914400" rtl="0" eaLnBrk="1" latinLnBrk="1" hangingPunct="1">
-              <a:spcBef>
-                <a:spcPct val="20000"/>
-              </a:spcBef>
-              <a:buFont typeface="Arial" pitchFamily="34" charset="0"/>
-              <a:buChar char="•"/>
-              <a:defRPr sz="2400" kern="1200">
-                <a:solidFill>
-                  <a:schemeClr val="tx1"/>
-                </a:solidFill>
-                <a:latin typeface="+mn-lt"/>
-                <a:ea typeface="+mn-ea"/>
-                <a:cs typeface="+mn-cs"/>
-              </a:defRPr>
-            </a:lvl3pPr>
-            <a:lvl4pPr marL="1600200" indent="-228600" algn="l" defTabSz="914400" rtl="0" eaLnBrk="1" latinLnBrk="1" hangingPunct="1">
-              <a:spcBef>
-                <a:spcPct val="20000"/>
-              </a:spcBef>
-              <a:buFont typeface="Arial" pitchFamily="34" charset="0"/>
-              <a:buChar char="–"/>
-              <a:defRPr sz="2000" kern="1200">
-                <a:solidFill>
-                  <a:schemeClr val="tx1"/>
-                </a:solidFill>
-                <a:latin typeface="+mn-lt"/>
-                <a:ea typeface="+mn-ea"/>
-                <a:cs typeface="+mn-cs"/>
-              </a:defRPr>
-            </a:lvl4pPr>
-            <a:lvl5pPr marL="2057400" indent="-228600" algn="l" defTabSz="914400" rtl="0" eaLnBrk="1" latinLnBrk="1" hangingPunct="1">
-              <a:spcBef>
-                <a:spcPct val="20000"/>
-              </a:spcBef>
-              <a:buFont typeface="Arial" pitchFamily="34" charset="0"/>
-              <a:buChar char="»"/>
-              <a:defRPr sz="2000" kern="1200">
-                <a:solidFill>
-                  <a:schemeClr val="tx1"/>
-                </a:solidFill>
-                <a:latin typeface="+mn-lt"/>
-                <a:ea typeface="+mn-ea"/>
-                <a:cs typeface="+mn-cs"/>
-              </a:defRPr>
-            </a:lvl5pPr>
-            <a:lvl6pPr marL="2514600" indent="-228600" algn="l" defTabSz="914400" rtl="0" eaLnBrk="1" latinLnBrk="1" hangingPunct="1">
-              <a:spcBef>
-                <a:spcPct val="20000"/>
-              </a:spcBef>
-              <a:buFont typeface="Arial" pitchFamily="34" charset="0"/>
-              <a:buChar char="•"/>
-              <a:defRPr sz="2000" kern="1200">
-                <a:solidFill>
-                  <a:schemeClr val="tx1"/>
-                </a:solidFill>
-                <a:latin typeface="+mn-lt"/>
-                <a:ea typeface="+mn-ea"/>
-                <a:cs typeface="+mn-cs"/>
-              </a:defRPr>
-            </a:lvl6pPr>
-            <a:lvl7pPr marL="2971800" indent="-228600" algn="l" defTabSz="914400" rtl="0" eaLnBrk="1" latinLnBrk="1" hangingPunct="1">
-              <a:spcBef>
-                <a:spcPct val="20000"/>
-              </a:spcBef>
-              <a:buFont typeface="Arial" pitchFamily="34" charset="0"/>
-              <a:buChar char="•"/>
-              <a:defRPr sz="2000" kern="1200">
-                <a:solidFill>
-                  <a:schemeClr val="tx1"/>
-                </a:solidFill>
-                <a:latin typeface="+mn-lt"/>
-                <a:ea typeface="+mn-ea"/>
-                <a:cs typeface="+mn-cs"/>
-              </a:defRPr>
-            </a:lvl7pPr>
-            <a:lvl8pPr marL="3429000" indent="-228600" algn="l" defTabSz="914400" rtl="0" eaLnBrk="1" latinLnBrk="1" hangingPunct="1">
-              <a:spcBef>
-                <a:spcPct val="20000"/>
-              </a:spcBef>
-              <a:buFont typeface="Arial" pitchFamily="34" charset="0"/>
-              <a:buChar char="•"/>
-              <a:defRPr sz="2000" kern="1200">
-                <a:solidFill>
-                  <a:schemeClr val="tx1"/>
-                </a:solidFill>
-                <a:latin typeface="+mn-lt"/>
-                <a:ea typeface="+mn-ea"/>
-                <a:cs typeface="+mn-cs"/>
-              </a:defRPr>
-            </a:lvl8pPr>
-            <a:lvl9pPr marL="3886200" indent="-228600" algn="l" defTabSz="914400" rtl="0" eaLnBrk="1" latinLnBrk="1" hangingPunct="1">
-              <a:spcBef>
-                <a:spcPct val="20000"/>
-              </a:spcBef>
-              <a:buFont typeface="Arial" pitchFamily="34" charset="0"/>
-              <a:buChar char="•"/>
-              <a:defRPr sz="2000" kern="1200">
-                <a:solidFill>
-                  <a:schemeClr val="tx1"/>
-                </a:solidFill>
-                <a:latin typeface="+mn-lt"/>
-                <a:ea typeface="+mn-ea"/>
-                <a:cs typeface="+mn-cs"/>
-              </a:defRPr>
-            </a:lvl9pPr>
-          </a:lstStyle>
-          <a:p>
-            <a:pPr marL="0" indent="0" algn="ctr">
-              <a:buNone/>
-            </a:pPr>
-            <a:r>
-              <a:rPr lang="en-US" altLang="ko-KR" sz="4400" b="1" dirty="0" smtClean="0">
-                <a:solidFill>
-                  <a:schemeClr val="bg1"/>
-                </a:solidFill>
-                <a:cs typeface="Arial" pitchFamily="34" charset="0"/>
-              </a:rPr>
-              <a:t>Web </a:t>
-            </a:r>
-            <a:r>
-              <a:rPr lang="en-US" altLang="ko-KR" sz="4400" b="1" dirty="0" err="1" smtClean="0">
-                <a:solidFill>
-                  <a:schemeClr val="bg1"/>
-                </a:solidFill>
-                <a:cs typeface="Arial" pitchFamily="34" charset="0"/>
-              </a:rPr>
-              <a:t>Programing</a:t>
-            </a:r>
-            <a:endParaRPr lang="ko-KR" altLang="en-US" sz="4400" b="1" dirty="0">
-              <a:solidFill>
-                <a:schemeClr val="bg1"/>
-              </a:solidFill>
-              <a:cs typeface="Arial" pitchFamily="34" charset="0"/>
-            </a:endParaRPr>
-          </a:p>
-        </p:txBody>
-      </p:sp>
-      <p:grpSp>
-        <p:nvGrpSpPr>
-          <p:cNvPr id="2" name="Group 7"/>
-          <p:cNvGrpSpPr/>
-          <p:nvPr/>
-        </p:nvGrpSpPr>
-        <p:grpSpPr>
-          <a:xfrm>
-            <a:off x="1907704" y="483518"/>
-            <a:ext cx="6652377" cy="867490"/>
-            <a:chOff x="3687661" y="1203598"/>
-            <a:chExt cx="2252491" cy="867490"/>
-          </a:xfrm>
-        </p:grpSpPr>
-        <p:sp>
-          <p:nvSpPr>
-            <p:cNvPr id="10" name="TextBox 9"/>
-            <p:cNvSpPr txBox="1"/>
-            <p:nvPr/>
-          </p:nvSpPr>
-          <p:spPr>
-            <a:xfrm>
-              <a:off x="3687661" y="1203598"/>
-              <a:ext cx="2252491" cy="461665"/>
-            </a:xfrm>
-            <a:prstGeom prst="rect">
-              <a:avLst/>
-            </a:prstGeom>
-            <a:noFill/>
-          </p:spPr>
-          <p:txBody>
-            <a:bodyPr wrap="square" rtlCol="0">
-              <a:spAutoFit/>
-            </a:bodyPr>
-            <a:lstStyle/>
-            <a:p>
-              <a:r>
-                <a:rPr lang="ko-KR" altLang="en-US" sz="2400" b="1" dirty="0" smtClean="0">
-                  <a:solidFill>
-                    <a:schemeClr val="accent3"/>
-                  </a:solidFill>
-                  <a:cs typeface="Arial" pitchFamily="34" charset="0"/>
-                </a:rPr>
-                <a:t>코드 설명</a:t>
-              </a:r>
-              <a:r>
-                <a:rPr lang="en-US" altLang="ko-KR" sz="2400" b="1" dirty="0" smtClean="0">
-                  <a:solidFill>
-                    <a:schemeClr val="accent3"/>
-                  </a:solidFill>
-                  <a:cs typeface="Arial" pitchFamily="34" charset="0"/>
-                </a:rPr>
-                <a:t> (Python)</a:t>
-              </a:r>
-              <a:endParaRPr lang="ko-KR" altLang="en-US" sz="2400" b="1" dirty="0">
-                <a:solidFill>
-                  <a:schemeClr val="accent3"/>
-                </a:solidFill>
-                <a:cs typeface="Arial" pitchFamily="34" charset="0"/>
-              </a:endParaRPr>
-            </a:p>
-          </p:txBody>
-        </p:sp>
-        <p:sp>
-          <p:nvSpPr>
-            <p:cNvPr id="14" name="TextBox 13"/>
-            <p:cNvSpPr txBox="1"/>
-            <p:nvPr/>
-          </p:nvSpPr>
-          <p:spPr>
-            <a:xfrm>
-              <a:off x="3687661" y="1763311"/>
-              <a:ext cx="2252491" cy="307777"/>
-            </a:xfrm>
-            <a:prstGeom prst="rect">
-              <a:avLst/>
-            </a:prstGeom>
-            <a:noFill/>
-          </p:spPr>
-          <p:txBody>
-            <a:bodyPr wrap="square" rtlCol="0">
-              <a:spAutoFit/>
-            </a:bodyPr>
-            <a:lstStyle/>
-            <a:p>
-              <a:r>
-                <a:rPr lang="en-US" altLang="ko-KR" sz="1400" b="1" dirty="0" smtClean="0">
-                  <a:solidFill>
-                    <a:schemeClr val="accent3"/>
-                  </a:solidFill>
-                  <a:cs typeface="Arial" pitchFamily="34" charset="0"/>
-                </a:rPr>
-                <a:t>Login</a:t>
-              </a:r>
-              <a:endParaRPr lang="ko-KR" altLang="en-US" sz="1400" b="1" dirty="0">
-                <a:solidFill>
-                  <a:schemeClr val="accent3"/>
-                </a:solidFill>
-                <a:cs typeface="Arial" pitchFamily="34" charset="0"/>
-              </a:endParaRPr>
-            </a:p>
-          </p:txBody>
-        </p:sp>
-      </p:grpSp>
-      <p:sp>
-        <p:nvSpPr>
-          <p:cNvPr id="11" name="Rectangle 10"/>
-          <p:cNvSpPr/>
-          <p:nvPr/>
-        </p:nvSpPr>
-        <p:spPr>
-          <a:xfrm>
-            <a:off x="1972081" y="945182"/>
-            <a:ext cx="2052000" cy="72000"/>
-          </a:xfrm>
-          <a:prstGeom prst="rect">
-            <a:avLst/>
-          </a:prstGeom>
-          <a:solidFill>
-            <a:schemeClr val="accent2"/>
-          </a:solidFill>
-          <a:ln>
-            <a:noFill/>
-          </a:ln>
-        </p:spPr>
-        <p:style>
-          <a:lnRef idx="2">
-            <a:schemeClr val="accent1">
-              <a:shade val="50000"/>
-            </a:schemeClr>
-          </a:lnRef>
-          <a:fillRef idx="1">
-            <a:schemeClr val="accent1"/>
-          </a:fillRef>
-          <a:effectRef idx="0">
-            <a:schemeClr val="accent1"/>
-          </a:effectRef>
-          <a:fontRef idx="minor">
-            <a:schemeClr val="lt1"/>
-          </a:fontRef>
-        </p:style>
-        <p:txBody>
-          <a:bodyPr rot="0" spcFirstLastPara="0" vertOverflow="overflow" horzOverflow="overflow" vert="horz" wrap="square" lIns="91440" tIns="45720" rIns="91440" bIns="45720" numCol="1" spcCol="0" rtlCol="0" fromWordArt="0" anchor="ctr" anchorCtr="0" forceAA="0" compatLnSpc="1">
-            <a:prstTxWarp prst="textNoShape">
-              <a:avLst/>
-            </a:prstTxWarp>
-            <a:noAutofit/>
-          </a:bodyPr>
-          <a:lstStyle/>
-          <a:p>
-            <a:pPr algn="ctr"/>
-            <a:endParaRPr lang="ko-KR" altLang="en-US"/>
-          </a:p>
-        </p:txBody>
-      </p:sp>
-      <p:sp>
-        <p:nvSpPr>
-          <p:cNvPr id="13" name="Rectangle 12"/>
-          <p:cNvSpPr/>
-          <p:nvPr/>
-        </p:nvSpPr>
-        <p:spPr>
-          <a:xfrm>
-            <a:off x="4024081" y="945183"/>
-            <a:ext cx="4536000" cy="72000"/>
-          </a:xfrm>
-          <a:prstGeom prst="rect">
-            <a:avLst/>
-          </a:prstGeom>
-          <a:solidFill>
-            <a:schemeClr val="accent2">
-              <a:alpha val="30000"/>
-            </a:schemeClr>
-          </a:solidFill>
-          <a:ln>
-            <a:noFill/>
-          </a:ln>
-        </p:spPr>
-        <p:style>
-          <a:lnRef idx="2">
-            <a:schemeClr val="accent1">
-              <a:shade val="50000"/>
-            </a:schemeClr>
-          </a:lnRef>
-          <a:fillRef idx="1">
-            <a:schemeClr val="accent1"/>
-          </a:fillRef>
-          <a:effectRef idx="0">
-            <a:schemeClr val="accent1"/>
-          </a:effectRef>
-          <a:fontRef idx="minor">
-            <a:schemeClr val="lt1"/>
-          </a:fontRef>
-        </p:style>
-        <p:txBody>
-          <a:bodyPr rot="0" spcFirstLastPara="0" vertOverflow="overflow" horzOverflow="overflow" vert="horz" wrap="square" lIns="91440" tIns="45720" rIns="91440" bIns="45720" numCol="1" spcCol="0" rtlCol="0" fromWordArt="0" anchor="ctr" anchorCtr="0" forceAA="0" compatLnSpc="1">
-            <a:prstTxWarp prst="textNoShape">
-              <a:avLst/>
-            </a:prstTxWarp>
-            <a:noAutofit/>
-          </a:bodyPr>
-          <a:lstStyle/>
-          <a:p>
-            <a:pPr algn="ctr"/>
-            <a:endParaRPr lang="ko-KR" altLang="en-US"/>
-          </a:p>
-        </p:txBody>
-      </p:sp>
-      <p:sp>
-        <p:nvSpPr>
-          <p:cNvPr id="12" name="TextBox 11"/>
-          <p:cNvSpPr txBox="1"/>
-          <p:nvPr/>
-        </p:nvSpPr>
-        <p:spPr>
-          <a:xfrm>
-            <a:off x="5580112" y="1043231"/>
-            <a:ext cx="2979969" cy="307777"/>
-          </a:xfrm>
-          <a:prstGeom prst="rect">
-            <a:avLst/>
-          </a:prstGeom>
-          <a:noFill/>
-        </p:spPr>
-        <p:txBody>
-          <a:bodyPr wrap="square" rtlCol="0">
-            <a:spAutoFit/>
-          </a:bodyPr>
-          <a:lstStyle/>
-          <a:p>
-            <a:pPr algn="r"/>
-            <a:r>
-              <a:rPr lang="en-US" altLang="ko-KR" sz="1400" b="1" dirty="0" smtClean="0">
-                <a:solidFill>
-                  <a:schemeClr val="accent3"/>
-                </a:solidFill>
-                <a:cs typeface="Arial" pitchFamily="34" charset="0"/>
-              </a:rPr>
-              <a:t>20151543 </a:t>
-            </a:r>
-            <a:r>
-              <a:rPr lang="ko-KR" altLang="en-US" sz="1400" b="1" dirty="0" smtClean="0">
-                <a:solidFill>
-                  <a:schemeClr val="accent3"/>
-                </a:solidFill>
-                <a:cs typeface="Arial" pitchFamily="34" charset="0"/>
-              </a:rPr>
-              <a:t>이승협</a:t>
-            </a:r>
-            <a:endParaRPr lang="ko-KR" altLang="en-US" sz="1400" b="1" dirty="0">
-              <a:solidFill>
-                <a:schemeClr val="accent3"/>
-              </a:solidFill>
-              <a:cs typeface="Arial" pitchFamily="34" charset="0"/>
-            </a:endParaRPr>
-          </a:p>
-        </p:txBody>
-      </p:sp>
-      <p:pic>
-        <p:nvPicPr>
-          <p:cNvPr id="5125" name="Picture 5" descr="C:\Users\lesh0\Desktop\project\img\login.png"/>
-          <p:cNvPicPr>
-            <a:picLocks noChangeAspect="1" noChangeArrowheads="1"/>
-          </p:cNvPicPr>
-          <p:nvPr/>
-        </p:nvPicPr>
-        <p:blipFill>
-          <a:blip r:embed="rId2" cstate="print"/>
-          <a:srcRect/>
-          <a:stretch>
-            <a:fillRect/>
-          </a:stretch>
-        </p:blipFill>
-        <p:spPr bwMode="auto">
-          <a:xfrm>
-            <a:off x="1547664" y="1491630"/>
-            <a:ext cx="7596336" cy="3528392"/>
-          </a:xfrm>
-          <a:prstGeom prst="rect">
-            <a:avLst/>
-          </a:prstGeom>
-          <a:noFill/>
-        </p:spPr>
-      </p:pic>
-      <p:sp>
-        <p:nvSpPr>
-          <p:cNvPr id="15" name="TextBox 14"/>
-          <p:cNvSpPr txBox="1"/>
-          <p:nvPr/>
-        </p:nvSpPr>
-        <p:spPr>
-          <a:xfrm>
-            <a:off x="7164288" y="627534"/>
-            <a:ext cx="792088" cy="307777"/>
-          </a:xfrm>
-          <a:prstGeom prst="rect">
-            <a:avLst/>
-          </a:prstGeom>
-          <a:noFill/>
-        </p:spPr>
-        <p:txBody>
-          <a:bodyPr wrap="square" rtlCol="0">
-            <a:spAutoFit/>
-          </a:bodyPr>
-          <a:lstStyle/>
-          <a:p>
-            <a:pPr algn="just"/>
-            <a:r>
-              <a:rPr lang="en-US" altLang="ko-KR" sz="1400" b="1" dirty="0" err="1" smtClean="0">
-                <a:solidFill>
-                  <a:schemeClr val="accent3"/>
-                </a:solidFill>
-                <a:cs typeface="Arial" pitchFamily="34" charset="0"/>
-              </a:rPr>
-              <a:t>Github</a:t>
-            </a:r>
-            <a:r>
-              <a:rPr lang="en-US" altLang="ko-KR" sz="1400" b="1" dirty="0" smtClean="0">
-                <a:solidFill>
-                  <a:schemeClr val="accent3"/>
-                </a:solidFill>
-                <a:cs typeface="Arial" pitchFamily="34" charset="0"/>
-              </a:rPr>
-              <a:t>: </a:t>
-            </a:r>
-            <a:endParaRPr lang="ko-KR" altLang="en-US" sz="1400" b="1" dirty="0">
-              <a:solidFill>
-                <a:schemeClr val="accent3"/>
-              </a:solidFill>
-              <a:cs typeface="Arial" pitchFamily="34" charset="0"/>
-            </a:endParaRPr>
-          </a:p>
-        </p:txBody>
-      </p:sp>
-      <p:pic>
-        <p:nvPicPr>
-          <p:cNvPr id="16" name="Picture 3" descr="C:\Users\lesh0\Desktop\project\img\github.png"/>
-          <p:cNvPicPr>
-            <a:picLocks noChangeAspect="1" noChangeArrowheads="1"/>
-          </p:cNvPicPr>
-          <p:nvPr/>
-        </p:nvPicPr>
-        <p:blipFill>
-          <a:blip r:embed="rId3" cstate="print"/>
-          <a:srcRect/>
-          <a:stretch>
-            <a:fillRect/>
-          </a:stretch>
-        </p:blipFill>
-        <p:spPr bwMode="auto">
-          <a:xfrm>
-            <a:off x="7956376" y="267494"/>
-            <a:ext cx="648072" cy="658573"/>
-          </a:xfrm>
-          <a:prstGeom prst="rect">
-            <a:avLst/>
-          </a:prstGeom>
-          <a:noFill/>
-        </p:spPr>
-      </p:pic>
-      <p:pic>
-        <p:nvPicPr>
-          <p:cNvPr id="3074" name="Picture 2"/>
-          <p:cNvPicPr>
-            <a:picLocks noChangeAspect="1" noChangeArrowheads="1"/>
-          </p:cNvPicPr>
-          <p:nvPr/>
-        </p:nvPicPr>
-        <p:blipFill>
-          <a:blip r:embed="rId4" cstate="print"/>
-          <a:srcRect/>
-          <a:stretch>
-            <a:fillRect/>
-          </a:stretch>
-        </p:blipFill>
-        <p:spPr bwMode="auto">
-          <a:xfrm>
-            <a:off x="6156176" y="3219822"/>
-            <a:ext cx="1981200" cy="219075"/>
-          </a:xfrm>
-          <a:prstGeom prst="rect">
-            <a:avLst/>
-          </a:prstGeom>
-          <a:noFill/>
-          <a:ln w="9525">
-            <a:noFill/>
-            <a:miter lim="800000"/>
-            <a:headEnd/>
-            <a:tailEnd/>
-          </a:ln>
-        </p:spPr>
-      </p:pic>
-      <p:pic>
-        <p:nvPicPr>
-          <p:cNvPr id="3075" name="Picture 3"/>
-          <p:cNvPicPr>
-            <a:picLocks noChangeAspect="1" noChangeArrowheads="1"/>
-          </p:cNvPicPr>
-          <p:nvPr/>
-        </p:nvPicPr>
-        <p:blipFill>
-          <a:blip r:embed="rId5" cstate="print"/>
-          <a:srcRect/>
-          <a:stretch>
-            <a:fillRect/>
-          </a:stretch>
-        </p:blipFill>
-        <p:spPr bwMode="auto">
-          <a:xfrm>
-            <a:off x="6156176" y="4011910"/>
-            <a:ext cx="2124075" cy="190500"/>
-          </a:xfrm>
-          <a:prstGeom prst="rect">
-            <a:avLst/>
-          </a:prstGeom>
-          <a:noFill/>
-          <a:ln w="9525">
-            <a:noFill/>
-            <a:miter lim="800000"/>
-            <a:headEnd/>
-            <a:tailEnd/>
-          </a:ln>
-        </p:spPr>
-      </p:pic>
-    </p:spTree>
-    <p:extLst>
-      <p:ext uri="{BB962C8B-B14F-4D97-AF65-F5344CB8AC3E}">
-        <p14:creationId xmlns:p14="http://schemas.microsoft.com/office/powerpoint/2010/main" xmlns="" val="1079078949"/>
-      </p:ext>
-    </p:extLst>
-  </p:cSld>
-  <p:clrMapOvr>
-    <a:masterClrMapping/>
-  </p:clrMapOvr>
-  <p:transition/>
-  <p:timing>
-    <p:tnLst>
-      <p:par>
-        <p:cTn id="1" dur="indefinite" restart="never" nodeType="tmRoot"/>
-      </p:par>
-    </p:tnLst>
-  </p:timing>
-</p:sld>
-</file>
-
-<file path=ppt/slides/slide11.xml><?xml version="1.0" encoding="utf-8"?>
 <p:sld xmlns:a="http://schemas.openxmlformats.org/drawingml/2006/main" xmlns:r="http://schemas.openxmlformats.org/officeDocument/2006/relationships" xmlns:p="http://schemas.openxmlformats.org/presentationml/2006/main">
   <p:cSld>
     <p:spTree>
@@ -7260,7 +6175,7 @@
       </p:pic>
       <p:pic>
         <p:nvPicPr>
-          <p:cNvPr id="7170" name="Picture 2" descr="C:\Users\lesh0\Desktop\project\img\follow_unfollow.png"/>
+          <p:cNvPr id="4098" name="Picture 2"/>
           <p:cNvPicPr>
             <a:picLocks noChangeAspect="1" noChangeArrowheads="1"/>
           </p:cNvPicPr>
@@ -7275,18 +6190,24 @@
         </p:blipFill>
         <p:spPr bwMode="auto">
           <a:xfrm>
-            <a:off x="1619672" y="1419622"/>
-            <a:ext cx="4244975" cy="3573463"/>
+            <a:off x="1547664" y="1419622"/>
+            <a:ext cx="3312368" cy="3528392"/>
           </a:xfrm>
           <a:prstGeom prst="rect">
             <a:avLst/>
           </a:prstGeom>
           <a:noFill/>
+          <a:ln w="9525">
+            <a:noFill/>
+            <a:miter lim="800000"/>
+            <a:headEnd/>
+            <a:tailEnd/>
+          </a:ln>
         </p:spPr>
       </p:pic>
       <p:pic>
         <p:nvPicPr>
-          <p:cNvPr id="17" name="Picture 2" descr="C:\Users\lesh0\Desktop\project\img\follow_status.png"/>
+          <p:cNvPr id="4101" name="Picture 5"/>
           <p:cNvPicPr>
             <a:picLocks noChangeAspect="1" noChangeArrowheads="1"/>
           </p:cNvPicPr>
@@ -7301,19 +6222,57 @@
         </p:blipFill>
         <p:spPr bwMode="auto">
           <a:xfrm>
-            <a:off x="1547665" y="1347614"/>
-            <a:ext cx="7596335" cy="3600400"/>
+            <a:off x="2771800" y="1635646"/>
+            <a:ext cx="2866061" cy="1296144"/>
           </a:xfrm>
           <a:prstGeom prst="rect">
             <a:avLst/>
           </a:prstGeom>
           <a:noFill/>
+          <a:ln w="9525">
+            <a:noFill/>
+            <a:miter lim="800000"/>
+            <a:headEnd/>
+            <a:tailEnd/>
+          </a:ln>
+        </p:spPr>
+      </p:pic>
+      <p:pic>
+        <p:nvPicPr>
+          <p:cNvPr id="4100" name="Picture 4"/>
+          <p:cNvPicPr>
+            <a:picLocks noChangeAspect="1" noChangeArrowheads="1"/>
+          </p:cNvPicPr>
+          <p:nvPr/>
+        </p:nvPicPr>
+        <p:blipFill>
+          <a:blip r:embed="rId5" cstate="print"/>
+          <a:srcRect/>
+          <a:stretch>
+            <a:fillRect/>
+          </a:stretch>
+        </p:blipFill>
+        <p:spPr bwMode="auto">
+          <a:xfrm>
+            <a:off x="5220072" y="1707654"/>
+            <a:ext cx="3581400" cy="2952328"/>
+          </a:xfrm>
+          <a:prstGeom prst="rect">
+            <a:avLst/>
+          </a:prstGeom>
+          <a:noFill/>
+          <a:ln w="9525">
+            <a:noFill/>
+            <a:miter lim="800000"/>
+            <a:headEnd/>
+            <a:tailEnd/>
+          </a:ln>
         </p:spPr>
       </p:pic>
     </p:spTree>
     <p:extLst>
       <p:ext uri="{BB962C8B-B14F-4D97-AF65-F5344CB8AC3E}">
-        <p14:creationId xmlns:p14="http://schemas.microsoft.com/office/powerpoint/2010/main" xmlns="" val="1079078949"/>
+        <p14:creationId xmlns:p14="http://schemas.microsoft.com/office/powerpoint/2010/main" val="1079078949"/>
       </p:ext>
     </p:extLst>
   </p:cSld>
@@ -7324,82 +6283,14 @@
   <p:timing>
     <p:tnLst>
       <p:par>
-        <p:cTn id="1" dur="indefinite" restart="never" nodeType="tmRoot">
-          <p:childTnLst>
-            <p:seq concurrent="1" nextAc="seek">
-              <p:cTn id="2" dur="indefinite" nodeType="mainSeq">
-                <p:childTnLst>
-                  <p:par>
-                    <p:cTn id="3" fill="hold">
-                      <p:stCondLst>
-                        <p:cond delay="indefinite"/>
-                      </p:stCondLst>
-                      <p:childTnLst>
-                        <p:par>
-                          <p:cTn id="4" fill="hold">
-                            <p:stCondLst>
-                              <p:cond delay="0"/>
-                            </p:stCondLst>
-                            <p:childTnLst>
-                              <p:par>
-                                <p:cTn id="5" presetID="1" presetClass="entr" presetSubtype="0" fill="hold" nodeType="clickEffect">
-                                  <p:stCondLst>
-                                    <p:cond delay="0"/>
-                                  </p:stCondLst>
-                                  <p:childTnLst>
-                                    <p:set>
-                                      <p:cBhvr>
-                                        <p:cTn id="6" dur="1" fill="hold">
-                                          <p:stCondLst>
-                                            <p:cond delay="0"/>
-                                          </p:stCondLst>
-                                        </p:cTn>
-                                        <p:tgtEl>
-                                          <p:spTgt spid="17"/>
-                                        </p:tgtEl>
-                                        <p:attrNameLst>
-                                          <p:attrName>style.visibility</p:attrName>
-                                        </p:attrNameLst>
-                                      </p:cBhvr>
-                                      <p:to>
-                                        <p:strVal val="visible"/>
-                                      </p:to>
-                                    </p:set>
-                                  </p:childTnLst>
-                                </p:cTn>
-                              </p:par>
-                            </p:childTnLst>
-                          </p:cTn>
-                        </p:par>
-                      </p:childTnLst>
-                    </p:cTn>
-                  </p:par>
-                </p:childTnLst>
-              </p:cTn>
-              <p:prevCondLst>
-                <p:cond evt="onPrev" delay="0">
-                  <p:tgtEl>
-                    <p:sldTgt/>
-                  </p:tgtEl>
-                </p:cond>
-              </p:prevCondLst>
-              <p:nextCondLst>
-                <p:cond evt="onNext" delay="0">
-                  <p:tgtEl>
-                    <p:sldTgt/>
-                  </p:tgtEl>
-                </p:cond>
-              </p:nextCondLst>
-            </p:seq>
-          </p:childTnLst>
-        </p:cTn>
+        <p:cTn id="1" dur="indefinite" restart="never" nodeType="tmRoot"/>
       </p:par>
     </p:tnLst>
   </p:timing>
 </p:sld>
 </file>
 
-<file path=ppt/slides/slide12.xml><?xml version="1.0" encoding="utf-8"?>
+<file path=ppt/slides/slide11.xml><?xml version="1.0" encoding="utf-8"?>
 <p:sld xmlns:a="http://schemas.openxmlformats.org/drawingml/2006/main" xmlns:r="http://schemas.openxmlformats.org/officeDocument/2006/relationships" xmlns:p="http://schemas.openxmlformats.org/presentationml/2006/main">
   <p:cSld>
     <p:spTree>
@@ -7744,16 +6635,7 @@
                   </a:solidFill>
                   <a:cs typeface="Arial" pitchFamily="34" charset="0"/>
                 </a:rPr>
-                <a:t>Follow &amp; </a:t>
-              </a:r>
-              <a:r>
-                <a:rPr lang="en-US" altLang="ko-KR" sz="1400" b="1" dirty="0" err="1" smtClean="0">
-                  <a:solidFill>
-                    <a:schemeClr val="accent3"/>
-                  </a:solidFill>
-                  <a:cs typeface="Arial" pitchFamily="34" charset="0"/>
-                </a:rPr>
-                <a:t>unfollow</a:t>
+                <a:t>Logout &amp; Message Processing</a:t>
               </a:r>
               <a:endParaRPr lang="ko-KR" altLang="en-US" sz="1400" b="1" dirty="0">
                 <a:solidFill>
@@ -7997,7 +6879,7 @@
       </p:pic>
       <p:pic>
         <p:nvPicPr>
-          <p:cNvPr id="4098" name="Picture 2"/>
+          <p:cNvPr id="9219" name="Picture 3" descr="C:\Users\lesh0\Desktop\project\img\logout_message_process.png"/>
           <p:cNvPicPr>
             <a:picLocks noChangeAspect="1" noChangeArrowheads="1"/>
           </p:cNvPicPr>
@@ -8012,89 +6894,19 @@
         </p:blipFill>
         <p:spPr bwMode="auto">
           <a:xfrm>
-            <a:off x="1547664" y="1419622"/>
-            <a:ext cx="3312368" cy="3528392"/>
+            <a:off x="1547664" y="1347614"/>
+            <a:ext cx="5544616" cy="3665510"/>
           </a:xfrm>
           <a:prstGeom prst="rect">
             <a:avLst/>
           </a:prstGeom>
           <a:noFill/>
-          <a:ln w="9525">
-            <a:noFill/>
-            <a:miter lim="800000"/>
-            <a:headEnd/>
-            <a:tailEnd/>
-          </a:ln>
-        </p:spPr>
-      </p:pic>
-      <p:pic>
-        <p:nvPicPr>
-          <p:cNvPr id="4101" name="Picture 5"/>
-          <p:cNvPicPr>
-            <a:picLocks noChangeAspect="1" noChangeArrowheads="1"/>
-          </p:cNvPicPr>
-          <p:nvPr/>
-        </p:nvPicPr>
-        <p:blipFill>
-          <a:blip r:embed="rId4" cstate="print"/>
-          <a:srcRect/>
-          <a:stretch>
-            <a:fillRect/>
-          </a:stretch>
-        </p:blipFill>
-        <p:spPr bwMode="auto">
-          <a:xfrm>
-            <a:off x="2771800" y="1635646"/>
-            <a:ext cx="2866061" cy="1296144"/>
-          </a:xfrm>
-          <a:prstGeom prst="rect">
-            <a:avLst/>
-          </a:prstGeom>
-          <a:noFill/>
-          <a:ln w="9525">
-            <a:noFill/>
-            <a:miter lim="800000"/>
-            <a:headEnd/>
-            <a:tailEnd/>
-          </a:ln>
-        </p:spPr>
-      </p:pic>
-      <p:pic>
-        <p:nvPicPr>
-          <p:cNvPr id="4100" name="Picture 4"/>
-          <p:cNvPicPr>
-            <a:picLocks noChangeAspect="1" noChangeArrowheads="1"/>
-          </p:cNvPicPr>
-          <p:nvPr/>
-        </p:nvPicPr>
-        <p:blipFill>
-          <a:blip r:embed="rId5" cstate="print"/>
-          <a:srcRect/>
-          <a:stretch>
-            <a:fillRect/>
-          </a:stretch>
-        </p:blipFill>
-        <p:spPr bwMode="auto">
-          <a:xfrm>
-            <a:off x="5220072" y="1707654"/>
-            <a:ext cx="3581400" cy="2952328"/>
-          </a:xfrm>
-          <a:prstGeom prst="rect">
-            <a:avLst/>
-          </a:prstGeom>
-          <a:noFill/>
-          <a:ln w="9525">
-            <a:noFill/>
-            <a:miter lim="800000"/>
-            <a:headEnd/>
-            <a:tailEnd/>
-          </a:ln>
         </p:spPr>
       </p:pic>
     </p:spTree>
     <p:extLst>
       <p:ext uri="{BB962C8B-B14F-4D97-AF65-F5344CB8AC3E}">
-        <p14:creationId xmlns:p14="http://schemas.microsoft.com/office/powerpoint/2010/main" xmlns="" val="1079078949"/>
+        <p14:creationId xmlns:p14="http://schemas.microsoft.com/office/powerpoint/2010/main" val="1079078949"/>
       </p:ext>
     </p:extLst>
   </p:cSld>
@@ -8112,641 +6924,7 @@
 </p:sld>
 </file>
 
-<file path=ppt/slides/slide13.xml><?xml version="1.0" encoding="utf-8"?>
-<p:sld xmlns:a="http://schemas.openxmlformats.org/drawingml/2006/main" xmlns:r="http://schemas.openxmlformats.org/officeDocument/2006/relationships" xmlns:p="http://schemas.openxmlformats.org/presentationml/2006/main">
-  <p:cSld>
-    <p:spTree>
-      <p:nvGrpSpPr>
-        <p:cNvPr id="1" name=""/>
-        <p:cNvGrpSpPr/>
-        <p:nvPr/>
-      </p:nvGrpSpPr>
-      <p:grpSpPr>
-        <a:xfrm>
-          <a:off x="0" y="0"/>
-          <a:ext cx="0" cy="0"/>
-          <a:chOff x="0" y="0"/>
-          <a:chExt cx="0" cy="0"/>
-        </a:xfrm>
-      </p:grpSpPr>
-      <p:sp>
-        <p:nvSpPr>
-          <p:cNvPr id="3" name="Title 2"/>
-          <p:cNvSpPr txBox="1">
-            <a:spLocks/>
-          </p:cNvSpPr>
-          <p:nvPr/>
-        </p:nvSpPr>
-        <p:spPr>
-          <a:xfrm>
-            <a:off x="0" y="483518"/>
-            <a:ext cx="9144000" cy="576064"/>
-          </a:xfrm>
-          <a:prstGeom prst="rect">
-            <a:avLst/>
-          </a:prstGeom>
-        </p:spPr>
-        <p:txBody>
-          <a:bodyPr anchor="ctr"/>
-          <a:lstStyle>
-            <a:lvl1pPr algn="ctr" defTabSz="914400" rtl="0" eaLnBrk="1" latinLnBrk="1" hangingPunct="1">
-              <a:spcBef>
-                <a:spcPct val="0"/>
-              </a:spcBef>
-              <a:buNone/>
-              <a:defRPr sz="4400" kern="1200">
-                <a:solidFill>
-                  <a:schemeClr val="tx1"/>
-                </a:solidFill>
-                <a:latin typeface="+mj-lt"/>
-                <a:ea typeface="+mj-ea"/>
-                <a:cs typeface="+mj-cs"/>
-              </a:defRPr>
-            </a:lvl1pPr>
-          </a:lstStyle>
-          <a:p>
-            <a:r>
-              <a:rPr lang="en-US" sz="3600" dirty="0">
-                <a:solidFill>
-                  <a:schemeClr val="bg1"/>
-                </a:solidFill>
-                <a:latin typeface="Arial" pitchFamily="34" charset="0"/>
-                <a:cs typeface="Arial" pitchFamily="34" charset="0"/>
-              </a:rPr>
-              <a:t>Agenda Style</a:t>
-            </a:r>
-          </a:p>
-        </p:txBody>
-      </p:sp>
-      <p:sp>
-        <p:nvSpPr>
-          <p:cNvPr id="5" name="Text Placeholder 1"/>
-          <p:cNvSpPr txBox="1">
-            <a:spLocks/>
-          </p:cNvSpPr>
-          <p:nvPr/>
-        </p:nvSpPr>
-        <p:spPr>
-          <a:xfrm rot="16200000">
-            <a:off x="-1822186" y="2109390"/>
-            <a:ext cx="5143501" cy="924722"/>
-          </a:xfrm>
-          <a:prstGeom prst="rect">
-            <a:avLst/>
-          </a:prstGeom>
-        </p:spPr>
-        <p:txBody>
-          <a:bodyPr anchor="ctr"/>
-          <a:lstStyle>
-            <a:lvl1pPr marL="342900" indent="-342900" algn="l" defTabSz="914400" rtl="0" eaLnBrk="1" latinLnBrk="1" hangingPunct="1">
-              <a:spcBef>
-                <a:spcPct val="20000"/>
-              </a:spcBef>
-              <a:buFont typeface="Arial" pitchFamily="34" charset="0"/>
-              <a:buChar char="•"/>
-              <a:defRPr sz="3200" kern="1200">
-                <a:solidFill>
-                  <a:schemeClr val="tx1"/>
-                </a:solidFill>
-                <a:latin typeface="+mn-lt"/>
-                <a:ea typeface="+mn-ea"/>
-                <a:cs typeface="+mn-cs"/>
-              </a:defRPr>
-            </a:lvl1pPr>
-            <a:lvl2pPr marL="742950" indent="-285750" algn="l" defTabSz="914400" rtl="0" eaLnBrk="1" latinLnBrk="1" hangingPunct="1">
-              <a:spcBef>
-                <a:spcPct val="20000"/>
-              </a:spcBef>
-              <a:buFont typeface="Arial" pitchFamily="34" charset="0"/>
-              <a:buChar char="–"/>
-              <a:defRPr sz="2800" kern="1200">
-                <a:solidFill>
-                  <a:schemeClr val="tx1"/>
-                </a:solidFill>
-                <a:latin typeface="+mn-lt"/>
-                <a:ea typeface="+mn-ea"/>
-                <a:cs typeface="+mn-cs"/>
-              </a:defRPr>
-            </a:lvl2pPr>
-            <a:lvl3pPr marL="1143000" indent="-228600" algn="l" defTabSz="914400" rtl="0" eaLnBrk="1" latinLnBrk="1" hangingPunct="1">
-              <a:spcBef>
-                <a:spcPct val="20000"/>
-              </a:spcBef>
-              <a:buFont typeface="Arial" pitchFamily="34" charset="0"/>
-              <a:buChar char="•"/>
-              <a:defRPr sz="2400" kern="1200">
-                <a:solidFill>
-                  <a:schemeClr val="tx1"/>
-                </a:solidFill>
-                <a:latin typeface="+mn-lt"/>
-                <a:ea typeface="+mn-ea"/>
-                <a:cs typeface="+mn-cs"/>
-              </a:defRPr>
-            </a:lvl3pPr>
-            <a:lvl4pPr marL="1600200" indent="-228600" algn="l" defTabSz="914400" rtl="0" eaLnBrk="1" latinLnBrk="1" hangingPunct="1">
-              <a:spcBef>
-                <a:spcPct val="20000"/>
-              </a:spcBef>
-              <a:buFont typeface="Arial" pitchFamily="34" charset="0"/>
-              <a:buChar char="–"/>
-              <a:defRPr sz="2000" kern="1200">
-                <a:solidFill>
-                  <a:schemeClr val="tx1"/>
-                </a:solidFill>
-                <a:latin typeface="+mn-lt"/>
-                <a:ea typeface="+mn-ea"/>
-                <a:cs typeface="+mn-cs"/>
-              </a:defRPr>
-            </a:lvl4pPr>
-            <a:lvl5pPr marL="2057400" indent="-228600" algn="l" defTabSz="914400" rtl="0" eaLnBrk="1" latinLnBrk="1" hangingPunct="1">
-              <a:spcBef>
-                <a:spcPct val="20000"/>
-              </a:spcBef>
-              <a:buFont typeface="Arial" pitchFamily="34" charset="0"/>
-              <a:buChar char="»"/>
-              <a:defRPr sz="2000" kern="1200">
-                <a:solidFill>
-                  <a:schemeClr val="tx1"/>
-                </a:solidFill>
-                <a:latin typeface="+mn-lt"/>
-                <a:ea typeface="+mn-ea"/>
-                <a:cs typeface="+mn-cs"/>
-              </a:defRPr>
-            </a:lvl5pPr>
-            <a:lvl6pPr marL="2514600" indent="-228600" algn="l" defTabSz="914400" rtl="0" eaLnBrk="1" latinLnBrk="1" hangingPunct="1">
-              <a:spcBef>
-                <a:spcPct val="20000"/>
-              </a:spcBef>
-              <a:buFont typeface="Arial" pitchFamily="34" charset="0"/>
-              <a:buChar char="•"/>
-              <a:defRPr sz="2000" kern="1200">
-                <a:solidFill>
-                  <a:schemeClr val="tx1"/>
-                </a:solidFill>
-                <a:latin typeface="+mn-lt"/>
-                <a:ea typeface="+mn-ea"/>
-                <a:cs typeface="+mn-cs"/>
-              </a:defRPr>
-            </a:lvl6pPr>
-            <a:lvl7pPr marL="2971800" indent="-228600" algn="l" defTabSz="914400" rtl="0" eaLnBrk="1" latinLnBrk="1" hangingPunct="1">
-              <a:spcBef>
-                <a:spcPct val="20000"/>
-              </a:spcBef>
-              <a:buFont typeface="Arial" pitchFamily="34" charset="0"/>
-              <a:buChar char="•"/>
-              <a:defRPr sz="2000" kern="1200">
-                <a:solidFill>
-                  <a:schemeClr val="tx1"/>
-                </a:solidFill>
-                <a:latin typeface="+mn-lt"/>
-                <a:ea typeface="+mn-ea"/>
-                <a:cs typeface="+mn-cs"/>
-              </a:defRPr>
-            </a:lvl7pPr>
-            <a:lvl8pPr marL="3429000" indent="-228600" algn="l" defTabSz="914400" rtl="0" eaLnBrk="1" latinLnBrk="1" hangingPunct="1">
-              <a:spcBef>
-                <a:spcPct val="20000"/>
-              </a:spcBef>
-              <a:buFont typeface="Arial" pitchFamily="34" charset="0"/>
-              <a:buChar char="•"/>
-              <a:defRPr sz="2000" kern="1200">
-                <a:solidFill>
-                  <a:schemeClr val="tx1"/>
-                </a:solidFill>
-                <a:latin typeface="+mn-lt"/>
-                <a:ea typeface="+mn-ea"/>
-                <a:cs typeface="+mn-cs"/>
-              </a:defRPr>
-            </a:lvl8pPr>
-            <a:lvl9pPr marL="3886200" indent="-228600" algn="l" defTabSz="914400" rtl="0" eaLnBrk="1" latinLnBrk="1" hangingPunct="1">
-              <a:spcBef>
-                <a:spcPct val="20000"/>
-              </a:spcBef>
-              <a:buFont typeface="Arial" pitchFamily="34" charset="0"/>
-              <a:buChar char="•"/>
-              <a:defRPr sz="2000" kern="1200">
-                <a:solidFill>
-                  <a:schemeClr val="tx1"/>
-                </a:solidFill>
-                <a:latin typeface="+mn-lt"/>
-                <a:ea typeface="+mn-ea"/>
-                <a:cs typeface="+mn-cs"/>
-              </a:defRPr>
-            </a:lvl9pPr>
-          </a:lstStyle>
-          <a:p>
-            <a:pPr marL="0" indent="0" algn="ctr">
-              <a:buNone/>
-            </a:pPr>
-            <a:r>
-              <a:rPr lang="en-US" altLang="ko-KR" sz="4400" b="1" dirty="0" smtClean="0">
-                <a:solidFill>
-                  <a:schemeClr val="bg1"/>
-                </a:solidFill>
-                <a:cs typeface="Arial" pitchFamily="34" charset="0"/>
-              </a:rPr>
-              <a:t>Web </a:t>
-            </a:r>
-            <a:r>
-              <a:rPr lang="en-US" altLang="ko-KR" sz="4400" b="1" dirty="0" err="1" smtClean="0">
-                <a:solidFill>
-                  <a:schemeClr val="bg1"/>
-                </a:solidFill>
-                <a:cs typeface="Arial" pitchFamily="34" charset="0"/>
-              </a:rPr>
-              <a:t>Programing</a:t>
-            </a:r>
-            <a:endParaRPr lang="ko-KR" altLang="en-US" sz="4400" b="1" dirty="0">
-              <a:solidFill>
-                <a:schemeClr val="bg1"/>
-              </a:solidFill>
-              <a:cs typeface="Arial" pitchFamily="34" charset="0"/>
-            </a:endParaRPr>
-          </a:p>
-        </p:txBody>
-      </p:sp>
-      <p:grpSp>
-        <p:nvGrpSpPr>
-          <p:cNvPr id="2" name="Group 7"/>
-          <p:cNvGrpSpPr/>
-          <p:nvPr/>
-        </p:nvGrpSpPr>
-        <p:grpSpPr>
-          <a:xfrm>
-            <a:off x="1907704" y="483518"/>
-            <a:ext cx="6652377" cy="867490"/>
-            <a:chOff x="3687661" y="1203598"/>
-            <a:chExt cx="2252491" cy="867490"/>
-          </a:xfrm>
-        </p:grpSpPr>
-        <p:sp>
-          <p:nvSpPr>
-            <p:cNvPr id="10" name="TextBox 9"/>
-            <p:cNvSpPr txBox="1"/>
-            <p:nvPr/>
-          </p:nvSpPr>
-          <p:spPr>
-            <a:xfrm>
-              <a:off x="3687661" y="1203598"/>
-              <a:ext cx="2252491" cy="461665"/>
-            </a:xfrm>
-            <a:prstGeom prst="rect">
-              <a:avLst/>
-            </a:prstGeom>
-            <a:noFill/>
-          </p:spPr>
-          <p:txBody>
-            <a:bodyPr wrap="square" rtlCol="0">
-              <a:spAutoFit/>
-            </a:bodyPr>
-            <a:lstStyle/>
-            <a:p>
-              <a:r>
-                <a:rPr lang="ko-KR" altLang="en-US" sz="2400" b="1" dirty="0" smtClean="0">
-                  <a:solidFill>
-                    <a:schemeClr val="accent3"/>
-                  </a:solidFill>
-                  <a:cs typeface="Arial" pitchFamily="34" charset="0"/>
-                </a:rPr>
-                <a:t>코드 설명</a:t>
-              </a:r>
-              <a:r>
-                <a:rPr lang="en-US" altLang="ko-KR" sz="2400" b="1" dirty="0" smtClean="0">
-                  <a:solidFill>
-                    <a:schemeClr val="accent3"/>
-                  </a:solidFill>
-                  <a:cs typeface="Arial" pitchFamily="34" charset="0"/>
-                </a:rPr>
-                <a:t> (Python)</a:t>
-              </a:r>
-              <a:endParaRPr lang="ko-KR" altLang="en-US" sz="2400" b="1" dirty="0">
-                <a:solidFill>
-                  <a:schemeClr val="accent3"/>
-                </a:solidFill>
-                <a:cs typeface="Arial" pitchFamily="34" charset="0"/>
-              </a:endParaRPr>
-            </a:p>
-          </p:txBody>
-        </p:sp>
-        <p:sp>
-          <p:nvSpPr>
-            <p:cNvPr id="14" name="TextBox 13"/>
-            <p:cNvSpPr txBox="1"/>
-            <p:nvPr/>
-          </p:nvSpPr>
-          <p:spPr>
-            <a:xfrm>
-              <a:off x="3687661" y="1763311"/>
-              <a:ext cx="2252491" cy="307777"/>
-            </a:xfrm>
-            <a:prstGeom prst="rect">
-              <a:avLst/>
-            </a:prstGeom>
-            <a:noFill/>
-          </p:spPr>
-          <p:txBody>
-            <a:bodyPr wrap="square" rtlCol="0">
-              <a:spAutoFit/>
-            </a:bodyPr>
-            <a:lstStyle/>
-            <a:p>
-              <a:r>
-                <a:rPr lang="en-US" altLang="ko-KR" sz="1400" b="1" dirty="0" smtClean="0">
-                  <a:solidFill>
-                    <a:schemeClr val="accent3"/>
-                  </a:solidFill>
-                  <a:cs typeface="Arial" pitchFamily="34" charset="0"/>
-                </a:rPr>
-                <a:t>Logout &amp; Message Processing</a:t>
-              </a:r>
-              <a:endParaRPr lang="ko-KR" altLang="en-US" sz="1400" b="1" dirty="0">
-                <a:solidFill>
-                  <a:schemeClr val="accent3"/>
-                </a:solidFill>
-                <a:cs typeface="Arial" pitchFamily="34" charset="0"/>
-              </a:endParaRPr>
-            </a:p>
-          </p:txBody>
-        </p:sp>
-      </p:grpSp>
-      <p:sp>
-        <p:nvSpPr>
-          <p:cNvPr id="11" name="Rectangle 10"/>
-          <p:cNvSpPr/>
-          <p:nvPr/>
-        </p:nvSpPr>
-        <p:spPr>
-          <a:xfrm>
-            <a:off x="1972081" y="945182"/>
-            <a:ext cx="2052000" cy="72000"/>
-          </a:xfrm>
-          <a:prstGeom prst="rect">
-            <a:avLst/>
-          </a:prstGeom>
-          <a:solidFill>
-            <a:schemeClr val="accent2"/>
-          </a:solidFill>
-          <a:ln>
-            <a:noFill/>
-          </a:ln>
-        </p:spPr>
-        <p:style>
-          <a:lnRef idx="2">
-            <a:schemeClr val="accent1">
-              <a:shade val="50000"/>
-            </a:schemeClr>
-          </a:lnRef>
-          <a:fillRef idx="1">
-            <a:schemeClr val="accent1"/>
-          </a:fillRef>
-          <a:effectRef idx="0">
-            <a:schemeClr val="accent1"/>
-          </a:effectRef>
-          <a:fontRef idx="minor">
-            <a:schemeClr val="lt1"/>
-          </a:fontRef>
-        </p:style>
-        <p:txBody>
-          <a:bodyPr rot="0" spcFirstLastPara="0" vertOverflow="overflow" horzOverflow="overflow" vert="horz" wrap="square" lIns="91440" tIns="45720" rIns="91440" bIns="45720" numCol="1" spcCol="0" rtlCol="0" fromWordArt="0" anchor="ctr" anchorCtr="0" forceAA="0" compatLnSpc="1">
-            <a:prstTxWarp prst="textNoShape">
-              <a:avLst/>
-            </a:prstTxWarp>
-            <a:noAutofit/>
-          </a:bodyPr>
-          <a:lstStyle/>
-          <a:p>
-            <a:pPr algn="ctr"/>
-            <a:endParaRPr lang="ko-KR" altLang="en-US"/>
-          </a:p>
-        </p:txBody>
-      </p:sp>
-      <p:sp>
-        <p:nvSpPr>
-          <p:cNvPr id="13" name="Rectangle 12"/>
-          <p:cNvSpPr/>
-          <p:nvPr/>
-        </p:nvSpPr>
-        <p:spPr>
-          <a:xfrm>
-            <a:off x="4024081" y="945183"/>
-            <a:ext cx="4536000" cy="72000"/>
-          </a:xfrm>
-          <a:prstGeom prst="rect">
-            <a:avLst/>
-          </a:prstGeom>
-          <a:solidFill>
-            <a:schemeClr val="accent2">
-              <a:alpha val="30000"/>
-            </a:schemeClr>
-          </a:solidFill>
-          <a:ln>
-            <a:noFill/>
-          </a:ln>
-        </p:spPr>
-        <p:style>
-          <a:lnRef idx="2">
-            <a:schemeClr val="accent1">
-              <a:shade val="50000"/>
-            </a:schemeClr>
-          </a:lnRef>
-          <a:fillRef idx="1">
-            <a:schemeClr val="accent1"/>
-          </a:fillRef>
-          <a:effectRef idx="0">
-            <a:schemeClr val="accent1"/>
-          </a:effectRef>
-          <a:fontRef idx="minor">
-            <a:schemeClr val="lt1"/>
-          </a:fontRef>
-        </p:style>
-        <p:txBody>
-          <a:bodyPr rot="0" spcFirstLastPara="0" vertOverflow="overflow" horzOverflow="overflow" vert="horz" wrap="square" lIns="91440" tIns="45720" rIns="91440" bIns="45720" numCol="1" spcCol="0" rtlCol="0" fromWordArt="0" anchor="ctr" anchorCtr="0" forceAA="0" compatLnSpc="1">
-            <a:prstTxWarp prst="textNoShape">
-              <a:avLst/>
-            </a:prstTxWarp>
-            <a:noAutofit/>
-          </a:bodyPr>
-          <a:lstStyle/>
-          <a:p>
-            <a:pPr algn="ctr"/>
-            <a:endParaRPr lang="ko-KR" altLang="en-US"/>
-          </a:p>
-        </p:txBody>
-      </p:sp>
-      <p:sp>
-        <p:nvSpPr>
-          <p:cNvPr id="12" name="TextBox 11"/>
-          <p:cNvSpPr txBox="1"/>
-          <p:nvPr/>
-        </p:nvSpPr>
-        <p:spPr>
-          <a:xfrm>
-            <a:off x="5580112" y="1043231"/>
-            <a:ext cx="2979969" cy="307777"/>
-          </a:xfrm>
-          <a:prstGeom prst="rect">
-            <a:avLst/>
-          </a:prstGeom>
-          <a:noFill/>
-        </p:spPr>
-        <p:txBody>
-          <a:bodyPr wrap="square" rtlCol="0">
-            <a:spAutoFit/>
-          </a:bodyPr>
-          <a:lstStyle/>
-          <a:p>
-            <a:pPr algn="r"/>
-            <a:r>
-              <a:rPr lang="en-US" altLang="ko-KR" sz="1400" b="1" dirty="0" smtClean="0">
-                <a:solidFill>
-                  <a:schemeClr val="accent3"/>
-                </a:solidFill>
-                <a:cs typeface="Arial" pitchFamily="34" charset="0"/>
-              </a:rPr>
-              <a:t>20151543 </a:t>
-            </a:r>
-            <a:r>
-              <a:rPr lang="ko-KR" altLang="en-US" sz="1400" b="1" dirty="0" smtClean="0">
-                <a:solidFill>
-                  <a:schemeClr val="accent3"/>
-                </a:solidFill>
-                <a:cs typeface="Arial" pitchFamily="34" charset="0"/>
-              </a:rPr>
-              <a:t>이승협</a:t>
-            </a:r>
-            <a:endParaRPr lang="ko-KR" altLang="en-US" sz="1400" b="1" dirty="0">
-              <a:solidFill>
-                <a:schemeClr val="accent3"/>
-              </a:solidFill>
-              <a:cs typeface="Arial" pitchFamily="34" charset="0"/>
-            </a:endParaRPr>
-          </a:p>
-        </p:txBody>
-      </p:sp>
-      <p:sp>
-        <p:nvSpPr>
-          <p:cNvPr id="15" name="TextBox 14"/>
-          <p:cNvSpPr txBox="1"/>
-          <p:nvPr/>
-        </p:nvSpPr>
-        <p:spPr>
-          <a:xfrm>
-            <a:off x="7164288" y="627534"/>
-            <a:ext cx="792088" cy="307777"/>
-          </a:xfrm>
-          <a:prstGeom prst="rect">
-            <a:avLst/>
-          </a:prstGeom>
-          <a:noFill/>
-        </p:spPr>
-        <p:txBody>
-          <a:bodyPr wrap="square" rtlCol="0">
-            <a:spAutoFit/>
-          </a:bodyPr>
-          <a:lstStyle/>
-          <a:p>
-            <a:pPr algn="just"/>
-            <a:r>
-              <a:rPr lang="en-US" altLang="ko-KR" sz="1400" b="1" dirty="0" err="1" smtClean="0">
-                <a:solidFill>
-                  <a:schemeClr val="accent3"/>
-                </a:solidFill>
-                <a:cs typeface="Arial" pitchFamily="34" charset="0"/>
-              </a:rPr>
-              <a:t>Github</a:t>
-            </a:r>
-            <a:r>
-              <a:rPr lang="en-US" altLang="ko-KR" sz="1400" b="1" dirty="0" smtClean="0">
-                <a:solidFill>
-                  <a:schemeClr val="accent3"/>
-                </a:solidFill>
-                <a:cs typeface="Arial" pitchFamily="34" charset="0"/>
-              </a:rPr>
-              <a:t>: </a:t>
-            </a:r>
-            <a:endParaRPr lang="ko-KR" altLang="en-US" sz="1400" b="1" dirty="0">
-              <a:solidFill>
-                <a:schemeClr val="accent3"/>
-              </a:solidFill>
-              <a:cs typeface="Arial" pitchFamily="34" charset="0"/>
-            </a:endParaRPr>
-          </a:p>
-        </p:txBody>
-      </p:sp>
-      <p:pic>
-        <p:nvPicPr>
-          <p:cNvPr id="16" name="Picture 3" descr="C:\Users\lesh0\Desktop\project\img\github.png"/>
-          <p:cNvPicPr>
-            <a:picLocks noChangeAspect="1" noChangeArrowheads="1"/>
-          </p:cNvPicPr>
-          <p:nvPr/>
-        </p:nvPicPr>
-        <p:blipFill>
-          <a:blip r:embed="rId2" cstate="print"/>
-          <a:srcRect/>
-          <a:stretch>
-            <a:fillRect/>
-          </a:stretch>
-        </p:blipFill>
-        <p:spPr bwMode="auto">
-          <a:xfrm>
-            <a:off x="7956376" y="267494"/>
-            <a:ext cx="648072" cy="658573"/>
-          </a:xfrm>
-          <a:prstGeom prst="rect">
-            <a:avLst/>
-          </a:prstGeom>
-          <a:noFill/>
-        </p:spPr>
-      </p:pic>
-      <p:pic>
-        <p:nvPicPr>
-          <p:cNvPr id="9219" name="Picture 3" descr="C:\Users\lesh0\Desktop\project\img\logout_message_process.png"/>
-          <p:cNvPicPr>
-            <a:picLocks noChangeAspect="1" noChangeArrowheads="1"/>
-          </p:cNvPicPr>
-          <p:nvPr/>
-        </p:nvPicPr>
-        <p:blipFill>
-          <a:blip r:embed="rId3" cstate="print"/>
-          <a:srcRect/>
-          <a:stretch>
-            <a:fillRect/>
-          </a:stretch>
-        </p:blipFill>
-        <p:spPr bwMode="auto">
-          <a:xfrm>
-            <a:off x="1547664" y="1347614"/>
-            <a:ext cx="5544616" cy="3665510"/>
-          </a:xfrm>
-          <a:prstGeom prst="rect">
-            <a:avLst/>
-          </a:prstGeom>
-          <a:noFill/>
-        </p:spPr>
-      </p:pic>
-    </p:spTree>
-    <p:extLst>
-      <p:ext uri="{BB962C8B-B14F-4D97-AF65-F5344CB8AC3E}">
-        <p14:creationId xmlns:p14="http://schemas.microsoft.com/office/powerpoint/2010/main" xmlns="" val="1079078949"/>
-      </p:ext>
-    </p:extLst>
-  </p:cSld>
-  <p:clrMapOvr>
-    <a:masterClrMapping/>
-  </p:clrMapOvr>
-  <p:transition/>
-  <p:timing>
-    <p:tnLst>
-      <p:par>
-        <p:cTn id="1" dur="indefinite" restart="never" nodeType="tmRoot"/>
-      </p:par>
-    </p:tnLst>
-  </p:timing>
-</p:sld>
-</file>
-
-<file path=ppt/slides/slide14.xml><?xml version="1.0" encoding="utf-8"?>
+<file path=ppt/slides/slide12.xml><?xml version="1.0" encoding="utf-8"?>
 <p:sld xmlns:a="http://schemas.openxmlformats.org/drawingml/2006/main" xmlns:r="http://schemas.openxmlformats.org/officeDocument/2006/relationships" xmlns:p="http://schemas.openxmlformats.org/presentationml/2006/main">
   <p:cSld>
     <p:spTree>
@@ -9507,7 +7685,7 @@
     </p:spTree>
     <p:extLst>
       <p:ext uri="{BB962C8B-B14F-4D97-AF65-F5344CB8AC3E}">
-        <p14:creationId xmlns:p14="http://schemas.microsoft.com/office/powerpoint/2010/main" xmlns="" val="1079078949"/>
+        <p14:creationId xmlns:p14="http://schemas.microsoft.com/office/powerpoint/2010/main" val="1079078949"/>
       </p:ext>
     </p:extLst>
   </p:cSld>
@@ -9737,7 +7915,7 @@
 </p:sld>
 </file>
 
-<file path=ppt/slides/slide15.xml><?xml version="1.0" encoding="utf-8"?>
+<file path=ppt/slides/slide13.xml><?xml version="1.0" encoding="utf-8"?>
 <p:sld xmlns:a="http://schemas.openxmlformats.org/drawingml/2006/main" xmlns:r="http://schemas.openxmlformats.org/officeDocument/2006/relationships" xmlns:p="http://schemas.openxmlformats.org/presentationml/2006/main">
   <p:cSld>
     <p:spTree>
@@ -10353,7 +8531,7 @@
     </p:spTree>
     <p:extLst>
       <p:ext uri="{BB962C8B-B14F-4D97-AF65-F5344CB8AC3E}">
-        <p14:creationId xmlns:p14="http://schemas.microsoft.com/office/powerpoint/2010/main" xmlns="" val="1079078949"/>
+        <p14:creationId xmlns:p14="http://schemas.microsoft.com/office/powerpoint/2010/main" val="1079078949"/>
       </p:ext>
     </p:extLst>
   </p:cSld>
@@ -10485,3772 +8663,7 @@
 </p:sld>
 </file>
 
-<file path=ppt/slides/slide16.xml><?xml version="1.0" encoding="utf-8"?>
-<p:sld xmlns:a="http://schemas.openxmlformats.org/drawingml/2006/main" xmlns:r="http://schemas.openxmlformats.org/officeDocument/2006/relationships" xmlns:p="http://schemas.openxmlformats.org/presentationml/2006/main">
-  <p:cSld>
-    <p:spTree>
-      <p:nvGrpSpPr>
-        <p:cNvPr id="1" name=""/>
-        <p:cNvGrpSpPr/>
-        <p:nvPr/>
-      </p:nvGrpSpPr>
-      <p:grpSpPr>
-        <a:xfrm>
-          <a:off x="0" y="0"/>
-          <a:ext cx="0" cy="0"/>
-          <a:chOff x="0" y="0"/>
-          <a:chExt cx="0" cy="0"/>
-        </a:xfrm>
-      </p:grpSpPr>
-      <p:sp>
-        <p:nvSpPr>
-          <p:cNvPr id="2" name="Text Placeholder 1"/>
-          <p:cNvSpPr>
-            <a:spLocks noGrp="1"/>
-          </p:cNvSpPr>
-          <p:nvPr>
-            <p:ph type="body" sz="quarter" idx="10"/>
-          </p:nvPr>
-        </p:nvSpPr>
-        <p:spPr/>
-        <p:txBody>
-          <a:bodyPr/>
-          <a:lstStyle/>
-          <a:p>
-            <a:r>
-              <a:rPr lang="en-US" altLang="ko-KR" dirty="0" smtClean="0"/>
-              <a:t>03. </a:t>
-            </a:r>
-            <a:r>
-              <a:rPr lang="ko-KR" altLang="en-US" dirty="0" smtClean="0"/>
-              <a:t>시연 영상</a:t>
-            </a:r>
-            <a:endParaRPr lang="ko-KR" altLang="en-US" dirty="0"/>
-          </a:p>
-        </p:txBody>
-      </p:sp>
-    </p:spTree>
-    <p:extLst>
-      <p:ext uri="{BB962C8B-B14F-4D97-AF65-F5344CB8AC3E}">
-        <p14:creationId xmlns:p14="http://schemas.microsoft.com/office/powerpoint/2010/main" xmlns="" val="3101234267"/>
-      </p:ext>
-    </p:extLst>
-  </p:cSld>
-  <p:clrMapOvr>
-    <a:masterClrMapping/>
-  </p:clrMapOvr>
-  <p:transition/>
-  <p:timing>
-    <p:tnLst>
-      <p:par>
-        <p:cTn id="1" dur="indefinite" restart="never" nodeType="tmRoot"/>
-      </p:par>
-    </p:tnLst>
-  </p:timing>
-</p:sld>
-</file>
-
-<file path=ppt/slides/slide17.xml><?xml version="1.0" encoding="utf-8"?>
-<p:sld xmlns:a="http://schemas.openxmlformats.org/drawingml/2006/main" xmlns:r="http://schemas.openxmlformats.org/officeDocument/2006/relationships" xmlns:p="http://schemas.openxmlformats.org/presentationml/2006/main">
-  <p:cSld>
-    <p:spTree>
-      <p:nvGrpSpPr>
-        <p:cNvPr id="1" name=""/>
-        <p:cNvGrpSpPr/>
-        <p:nvPr/>
-      </p:nvGrpSpPr>
-      <p:grpSpPr>
-        <a:xfrm>
-          <a:off x="0" y="0"/>
-          <a:ext cx="0" cy="0"/>
-          <a:chOff x="0" y="0"/>
-          <a:chExt cx="0" cy="0"/>
-        </a:xfrm>
-      </p:grpSpPr>
-      <p:sp>
-        <p:nvSpPr>
-          <p:cNvPr id="3" name="Title 2"/>
-          <p:cNvSpPr txBox="1">
-            <a:spLocks/>
-          </p:cNvSpPr>
-          <p:nvPr/>
-        </p:nvSpPr>
-        <p:spPr>
-          <a:xfrm>
-            <a:off x="0" y="483518"/>
-            <a:ext cx="9144000" cy="576064"/>
-          </a:xfrm>
-          <a:prstGeom prst="rect">
-            <a:avLst/>
-          </a:prstGeom>
-        </p:spPr>
-        <p:txBody>
-          <a:bodyPr anchor="ctr"/>
-          <a:lstStyle>
-            <a:lvl1pPr algn="ctr" defTabSz="914400" rtl="0" eaLnBrk="1" latinLnBrk="1" hangingPunct="1">
-              <a:spcBef>
-                <a:spcPct val="0"/>
-              </a:spcBef>
-              <a:buNone/>
-              <a:defRPr sz="4400" kern="1200">
-                <a:solidFill>
-                  <a:schemeClr val="tx1"/>
-                </a:solidFill>
-                <a:latin typeface="+mj-lt"/>
-                <a:ea typeface="+mj-ea"/>
-                <a:cs typeface="+mj-cs"/>
-              </a:defRPr>
-            </a:lvl1pPr>
-          </a:lstStyle>
-          <a:p>
-            <a:endParaRPr lang="en-US" sz="3600" dirty="0">
-              <a:solidFill>
-                <a:schemeClr val="bg1"/>
-              </a:solidFill>
-              <a:latin typeface="Arial" pitchFamily="34" charset="0"/>
-              <a:cs typeface="Arial" pitchFamily="34" charset="0"/>
-            </a:endParaRPr>
-          </a:p>
-        </p:txBody>
-      </p:sp>
-      <p:grpSp>
-        <p:nvGrpSpPr>
-          <p:cNvPr id="2" name="Group 7"/>
-          <p:cNvGrpSpPr/>
-          <p:nvPr/>
-        </p:nvGrpSpPr>
-        <p:grpSpPr>
-          <a:xfrm>
-            <a:off x="1907704" y="483518"/>
-            <a:ext cx="6652377" cy="1125193"/>
-            <a:chOff x="3687661" y="1203598"/>
-            <a:chExt cx="2252491" cy="1125193"/>
-          </a:xfrm>
-        </p:grpSpPr>
-        <p:sp>
-          <p:nvSpPr>
-            <p:cNvPr id="9" name="TextBox 8"/>
-            <p:cNvSpPr txBox="1"/>
-            <p:nvPr/>
-          </p:nvSpPr>
-          <p:spPr>
-            <a:xfrm>
-              <a:off x="3687661" y="2051792"/>
-              <a:ext cx="2252491" cy="276999"/>
-            </a:xfrm>
-            <a:prstGeom prst="rect">
-              <a:avLst/>
-            </a:prstGeom>
-            <a:noFill/>
-          </p:spPr>
-          <p:txBody>
-            <a:bodyPr wrap="square" rtlCol="0">
-              <a:spAutoFit/>
-            </a:bodyPr>
-            <a:lstStyle/>
-            <a:p>
-              <a:endParaRPr lang="en-US" altLang="ko-KR" sz="1200" dirty="0">
-                <a:solidFill>
-                  <a:schemeClr val="tx1">
-                    <a:lumMod val="75000"/>
-                    <a:lumOff val="25000"/>
-                  </a:schemeClr>
-                </a:solidFill>
-                <a:cs typeface="Arial" pitchFamily="34" charset="0"/>
-              </a:endParaRPr>
-            </a:p>
-          </p:txBody>
-        </p:sp>
-        <p:sp>
-          <p:nvSpPr>
-            <p:cNvPr id="10" name="TextBox 9"/>
-            <p:cNvSpPr txBox="1"/>
-            <p:nvPr/>
-          </p:nvSpPr>
-          <p:spPr>
-            <a:xfrm>
-              <a:off x="3687661" y="1203598"/>
-              <a:ext cx="2252491" cy="461665"/>
-            </a:xfrm>
-            <a:prstGeom prst="rect">
-              <a:avLst/>
-            </a:prstGeom>
-            <a:noFill/>
-          </p:spPr>
-          <p:txBody>
-            <a:bodyPr wrap="square" rtlCol="0">
-              <a:spAutoFit/>
-            </a:bodyPr>
-            <a:lstStyle/>
-            <a:p>
-              <a:r>
-                <a:rPr lang="ko-KR" altLang="en-US" sz="2400" b="1" dirty="0" smtClean="0">
-                  <a:solidFill>
-                    <a:schemeClr val="accent3"/>
-                  </a:solidFill>
-                  <a:cs typeface="Arial" pitchFamily="34" charset="0"/>
-                </a:rPr>
-                <a:t>시연 영상</a:t>
-              </a:r>
-              <a:endParaRPr lang="ko-KR" altLang="en-US" sz="2400" b="1" dirty="0">
-                <a:solidFill>
-                  <a:schemeClr val="accent3"/>
-                </a:solidFill>
-                <a:cs typeface="Arial" pitchFamily="34" charset="0"/>
-              </a:endParaRPr>
-            </a:p>
-          </p:txBody>
-        </p:sp>
-      </p:grpSp>
-      <p:sp>
-        <p:nvSpPr>
-          <p:cNvPr id="11" name="Rectangle 10"/>
-          <p:cNvSpPr/>
-          <p:nvPr/>
-        </p:nvSpPr>
-        <p:spPr>
-          <a:xfrm>
-            <a:off x="1972081" y="945182"/>
-            <a:ext cx="2052000" cy="72000"/>
-          </a:xfrm>
-          <a:prstGeom prst="rect">
-            <a:avLst/>
-          </a:prstGeom>
-          <a:solidFill>
-            <a:schemeClr val="accent2"/>
-          </a:solidFill>
-          <a:ln>
-            <a:noFill/>
-          </a:ln>
-        </p:spPr>
-        <p:style>
-          <a:lnRef idx="2">
-            <a:schemeClr val="accent1">
-              <a:shade val="50000"/>
-            </a:schemeClr>
-          </a:lnRef>
-          <a:fillRef idx="1">
-            <a:schemeClr val="accent1"/>
-          </a:fillRef>
-          <a:effectRef idx="0">
-            <a:schemeClr val="accent1"/>
-          </a:effectRef>
-          <a:fontRef idx="minor">
-            <a:schemeClr val="lt1"/>
-          </a:fontRef>
-        </p:style>
-        <p:txBody>
-          <a:bodyPr rot="0" spcFirstLastPara="0" vertOverflow="overflow" horzOverflow="overflow" vert="horz" wrap="square" lIns="91440" tIns="45720" rIns="91440" bIns="45720" numCol="1" spcCol="0" rtlCol="0" fromWordArt="0" anchor="ctr" anchorCtr="0" forceAA="0" compatLnSpc="1">
-            <a:prstTxWarp prst="textNoShape">
-              <a:avLst/>
-            </a:prstTxWarp>
-            <a:noAutofit/>
-          </a:bodyPr>
-          <a:lstStyle/>
-          <a:p>
-            <a:pPr algn="ctr"/>
-            <a:endParaRPr lang="ko-KR" altLang="en-US"/>
-          </a:p>
-        </p:txBody>
-      </p:sp>
-      <p:sp>
-        <p:nvSpPr>
-          <p:cNvPr id="13" name="Rectangle 12"/>
-          <p:cNvSpPr/>
-          <p:nvPr/>
-        </p:nvSpPr>
-        <p:spPr>
-          <a:xfrm>
-            <a:off x="4024081" y="945183"/>
-            <a:ext cx="4536000" cy="72000"/>
-          </a:xfrm>
-          <a:prstGeom prst="rect">
-            <a:avLst/>
-          </a:prstGeom>
-          <a:solidFill>
-            <a:schemeClr val="accent2">
-              <a:alpha val="30000"/>
-            </a:schemeClr>
-          </a:solidFill>
-          <a:ln>
-            <a:noFill/>
-          </a:ln>
-        </p:spPr>
-        <p:style>
-          <a:lnRef idx="2">
-            <a:schemeClr val="accent1">
-              <a:shade val="50000"/>
-            </a:schemeClr>
-          </a:lnRef>
-          <a:fillRef idx="1">
-            <a:schemeClr val="accent1"/>
-          </a:fillRef>
-          <a:effectRef idx="0">
-            <a:schemeClr val="accent1"/>
-          </a:effectRef>
-          <a:fontRef idx="minor">
-            <a:schemeClr val="lt1"/>
-          </a:fontRef>
-        </p:style>
-        <p:txBody>
-          <a:bodyPr rot="0" spcFirstLastPara="0" vertOverflow="overflow" horzOverflow="overflow" vert="horz" wrap="square" lIns="91440" tIns="45720" rIns="91440" bIns="45720" numCol="1" spcCol="0" rtlCol="0" fromWordArt="0" anchor="ctr" anchorCtr="0" forceAA="0" compatLnSpc="1">
-            <a:prstTxWarp prst="textNoShape">
-              <a:avLst/>
-            </a:prstTxWarp>
-            <a:noAutofit/>
-          </a:bodyPr>
-          <a:lstStyle/>
-          <a:p>
-            <a:pPr algn="ctr"/>
-            <a:endParaRPr lang="ko-KR" altLang="en-US"/>
-          </a:p>
-        </p:txBody>
-      </p:sp>
-      <p:sp>
-        <p:nvSpPr>
-          <p:cNvPr id="17" name="Text Placeholder 1"/>
-          <p:cNvSpPr txBox="1">
-            <a:spLocks/>
-          </p:cNvSpPr>
-          <p:nvPr/>
-        </p:nvSpPr>
-        <p:spPr>
-          <a:xfrm rot="16200000">
-            <a:off x="-1822186" y="2109390"/>
-            <a:ext cx="5143501" cy="924722"/>
-          </a:xfrm>
-          <a:prstGeom prst="rect">
-            <a:avLst/>
-          </a:prstGeom>
-        </p:spPr>
-        <p:txBody>
-          <a:bodyPr anchor="ctr"/>
-          <a:lstStyle>
-            <a:lvl1pPr marL="342900" indent="-342900" algn="l" defTabSz="914400" rtl="0" eaLnBrk="1" latinLnBrk="1" hangingPunct="1">
-              <a:spcBef>
-                <a:spcPct val="20000"/>
-              </a:spcBef>
-              <a:buFont typeface="Arial" pitchFamily="34" charset="0"/>
-              <a:buChar char="•"/>
-              <a:defRPr sz="3200" kern="1200">
-                <a:solidFill>
-                  <a:schemeClr val="tx1"/>
-                </a:solidFill>
-                <a:latin typeface="+mn-lt"/>
-                <a:ea typeface="+mn-ea"/>
-                <a:cs typeface="+mn-cs"/>
-              </a:defRPr>
-            </a:lvl1pPr>
-            <a:lvl2pPr marL="742950" indent="-285750" algn="l" defTabSz="914400" rtl="0" eaLnBrk="1" latinLnBrk="1" hangingPunct="1">
-              <a:spcBef>
-                <a:spcPct val="20000"/>
-              </a:spcBef>
-              <a:buFont typeface="Arial" pitchFamily="34" charset="0"/>
-              <a:buChar char="–"/>
-              <a:defRPr sz="2800" kern="1200">
-                <a:solidFill>
-                  <a:schemeClr val="tx1"/>
-                </a:solidFill>
-                <a:latin typeface="+mn-lt"/>
-                <a:ea typeface="+mn-ea"/>
-                <a:cs typeface="+mn-cs"/>
-              </a:defRPr>
-            </a:lvl2pPr>
-            <a:lvl3pPr marL="1143000" indent="-228600" algn="l" defTabSz="914400" rtl="0" eaLnBrk="1" latinLnBrk="1" hangingPunct="1">
-              <a:spcBef>
-                <a:spcPct val="20000"/>
-              </a:spcBef>
-              <a:buFont typeface="Arial" pitchFamily="34" charset="0"/>
-              <a:buChar char="•"/>
-              <a:defRPr sz="2400" kern="1200">
-                <a:solidFill>
-                  <a:schemeClr val="tx1"/>
-                </a:solidFill>
-                <a:latin typeface="+mn-lt"/>
-                <a:ea typeface="+mn-ea"/>
-                <a:cs typeface="+mn-cs"/>
-              </a:defRPr>
-            </a:lvl3pPr>
-            <a:lvl4pPr marL="1600200" indent="-228600" algn="l" defTabSz="914400" rtl="0" eaLnBrk="1" latinLnBrk="1" hangingPunct="1">
-              <a:spcBef>
-                <a:spcPct val="20000"/>
-              </a:spcBef>
-              <a:buFont typeface="Arial" pitchFamily="34" charset="0"/>
-              <a:buChar char="–"/>
-              <a:defRPr sz="2000" kern="1200">
-                <a:solidFill>
-                  <a:schemeClr val="tx1"/>
-                </a:solidFill>
-                <a:latin typeface="+mn-lt"/>
-                <a:ea typeface="+mn-ea"/>
-                <a:cs typeface="+mn-cs"/>
-              </a:defRPr>
-            </a:lvl4pPr>
-            <a:lvl5pPr marL="2057400" indent="-228600" algn="l" defTabSz="914400" rtl="0" eaLnBrk="1" latinLnBrk="1" hangingPunct="1">
-              <a:spcBef>
-                <a:spcPct val="20000"/>
-              </a:spcBef>
-              <a:buFont typeface="Arial" pitchFamily="34" charset="0"/>
-              <a:buChar char="»"/>
-              <a:defRPr sz="2000" kern="1200">
-                <a:solidFill>
-                  <a:schemeClr val="tx1"/>
-                </a:solidFill>
-                <a:latin typeface="+mn-lt"/>
-                <a:ea typeface="+mn-ea"/>
-                <a:cs typeface="+mn-cs"/>
-              </a:defRPr>
-            </a:lvl5pPr>
-            <a:lvl6pPr marL="2514600" indent="-228600" algn="l" defTabSz="914400" rtl="0" eaLnBrk="1" latinLnBrk="1" hangingPunct="1">
-              <a:spcBef>
-                <a:spcPct val="20000"/>
-              </a:spcBef>
-              <a:buFont typeface="Arial" pitchFamily="34" charset="0"/>
-              <a:buChar char="•"/>
-              <a:defRPr sz="2000" kern="1200">
-                <a:solidFill>
-                  <a:schemeClr val="tx1"/>
-                </a:solidFill>
-                <a:latin typeface="+mn-lt"/>
-                <a:ea typeface="+mn-ea"/>
-                <a:cs typeface="+mn-cs"/>
-              </a:defRPr>
-            </a:lvl6pPr>
-            <a:lvl7pPr marL="2971800" indent="-228600" algn="l" defTabSz="914400" rtl="0" eaLnBrk="1" latinLnBrk="1" hangingPunct="1">
-              <a:spcBef>
-                <a:spcPct val="20000"/>
-              </a:spcBef>
-              <a:buFont typeface="Arial" pitchFamily="34" charset="0"/>
-              <a:buChar char="•"/>
-              <a:defRPr sz="2000" kern="1200">
-                <a:solidFill>
-                  <a:schemeClr val="tx1"/>
-                </a:solidFill>
-                <a:latin typeface="+mn-lt"/>
-                <a:ea typeface="+mn-ea"/>
-                <a:cs typeface="+mn-cs"/>
-              </a:defRPr>
-            </a:lvl7pPr>
-            <a:lvl8pPr marL="3429000" indent="-228600" algn="l" defTabSz="914400" rtl="0" eaLnBrk="1" latinLnBrk="1" hangingPunct="1">
-              <a:spcBef>
-                <a:spcPct val="20000"/>
-              </a:spcBef>
-              <a:buFont typeface="Arial" pitchFamily="34" charset="0"/>
-              <a:buChar char="•"/>
-              <a:defRPr sz="2000" kern="1200">
-                <a:solidFill>
-                  <a:schemeClr val="tx1"/>
-                </a:solidFill>
-                <a:latin typeface="+mn-lt"/>
-                <a:ea typeface="+mn-ea"/>
-                <a:cs typeface="+mn-cs"/>
-              </a:defRPr>
-            </a:lvl8pPr>
-            <a:lvl9pPr marL="3886200" indent="-228600" algn="l" defTabSz="914400" rtl="0" eaLnBrk="1" latinLnBrk="1" hangingPunct="1">
-              <a:spcBef>
-                <a:spcPct val="20000"/>
-              </a:spcBef>
-              <a:buFont typeface="Arial" pitchFamily="34" charset="0"/>
-              <a:buChar char="•"/>
-              <a:defRPr sz="2000" kern="1200">
-                <a:solidFill>
-                  <a:schemeClr val="tx1"/>
-                </a:solidFill>
-                <a:latin typeface="+mn-lt"/>
-                <a:ea typeface="+mn-ea"/>
-                <a:cs typeface="+mn-cs"/>
-              </a:defRPr>
-            </a:lvl9pPr>
-          </a:lstStyle>
-          <a:p>
-            <a:pPr marL="0" indent="0" algn="ctr">
-              <a:buNone/>
-            </a:pPr>
-            <a:endParaRPr lang="ko-KR" altLang="en-US" sz="4400" b="1" dirty="0">
-              <a:solidFill>
-                <a:schemeClr val="bg1"/>
-              </a:solidFill>
-              <a:latin typeface="+mj-lt"/>
-              <a:cs typeface="Arial" pitchFamily="34" charset="0"/>
-            </a:endParaRPr>
-          </a:p>
-        </p:txBody>
-      </p:sp>
-      <p:sp>
-        <p:nvSpPr>
-          <p:cNvPr id="15" name="Text Placeholder 1"/>
-          <p:cNvSpPr txBox="1">
-            <a:spLocks/>
-          </p:cNvSpPr>
-          <p:nvPr/>
-        </p:nvSpPr>
-        <p:spPr>
-          <a:xfrm rot="16200000">
-            <a:off x="-1669786" y="2261790"/>
-            <a:ext cx="5143501" cy="924722"/>
-          </a:xfrm>
-          <a:prstGeom prst="rect">
-            <a:avLst/>
-          </a:prstGeom>
-        </p:spPr>
-        <p:txBody>
-          <a:bodyPr anchor="ctr"/>
-          <a:lstStyle>
-            <a:lvl1pPr marL="342900" indent="-342900" algn="l" defTabSz="914400" rtl="0" eaLnBrk="1" latinLnBrk="1" hangingPunct="1">
-              <a:spcBef>
-                <a:spcPct val="20000"/>
-              </a:spcBef>
-              <a:buFont typeface="Arial" pitchFamily="34" charset="0"/>
-              <a:buChar char="•"/>
-              <a:defRPr sz="3200" kern="1200">
-                <a:solidFill>
-                  <a:schemeClr val="tx1"/>
-                </a:solidFill>
-                <a:latin typeface="+mn-lt"/>
-                <a:ea typeface="+mn-ea"/>
-                <a:cs typeface="+mn-cs"/>
-              </a:defRPr>
-            </a:lvl1pPr>
-            <a:lvl2pPr marL="742950" indent="-285750" algn="l" defTabSz="914400" rtl="0" eaLnBrk="1" latinLnBrk="1" hangingPunct="1">
-              <a:spcBef>
-                <a:spcPct val="20000"/>
-              </a:spcBef>
-              <a:buFont typeface="Arial" pitchFamily="34" charset="0"/>
-              <a:buChar char="–"/>
-              <a:defRPr sz="2800" kern="1200">
-                <a:solidFill>
-                  <a:schemeClr val="tx1"/>
-                </a:solidFill>
-                <a:latin typeface="+mn-lt"/>
-                <a:ea typeface="+mn-ea"/>
-                <a:cs typeface="+mn-cs"/>
-              </a:defRPr>
-            </a:lvl2pPr>
-            <a:lvl3pPr marL="1143000" indent="-228600" algn="l" defTabSz="914400" rtl="0" eaLnBrk="1" latinLnBrk="1" hangingPunct="1">
-              <a:spcBef>
-                <a:spcPct val="20000"/>
-              </a:spcBef>
-              <a:buFont typeface="Arial" pitchFamily="34" charset="0"/>
-              <a:buChar char="•"/>
-              <a:defRPr sz="2400" kern="1200">
-                <a:solidFill>
-                  <a:schemeClr val="tx1"/>
-                </a:solidFill>
-                <a:latin typeface="+mn-lt"/>
-                <a:ea typeface="+mn-ea"/>
-                <a:cs typeface="+mn-cs"/>
-              </a:defRPr>
-            </a:lvl3pPr>
-            <a:lvl4pPr marL="1600200" indent="-228600" algn="l" defTabSz="914400" rtl="0" eaLnBrk="1" latinLnBrk="1" hangingPunct="1">
-              <a:spcBef>
-                <a:spcPct val="20000"/>
-              </a:spcBef>
-              <a:buFont typeface="Arial" pitchFamily="34" charset="0"/>
-              <a:buChar char="–"/>
-              <a:defRPr sz="2000" kern="1200">
-                <a:solidFill>
-                  <a:schemeClr val="tx1"/>
-                </a:solidFill>
-                <a:latin typeface="+mn-lt"/>
-                <a:ea typeface="+mn-ea"/>
-                <a:cs typeface="+mn-cs"/>
-              </a:defRPr>
-            </a:lvl4pPr>
-            <a:lvl5pPr marL="2057400" indent="-228600" algn="l" defTabSz="914400" rtl="0" eaLnBrk="1" latinLnBrk="1" hangingPunct="1">
-              <a:spcBef>
-                <a:spcPct val="20000"/>
-              </a:spcBef>
-              <a:buFont typeface="Arial" pitchFamily="34" charset="0"/>
-              <a:buChar char="»"/>
-              <a:defRPr sz="2000" kern="1200">
-                <a:solidFill>
-                  <a:schemeClr val="tx1"/>
-                </a:solidFill>
-                <a:latin typeface="+mn-lt"/>
-                <a:ea typeface="+mn-ea"/>
-                <a:cs typeface="+mn-cs"/>
-              </a:defRPr>
-            </a:lvl5pPr>
-            <a:lvl6pPr marL="2514600" indent="-228600" algn="l" defTabSz="914400" rtl="0" eaLnBrk="1" latinLnBrk="1" hangingPunct="1">
-              <a:spcBef>
-                <a:spcPct val="20000"/>
-              </a:spcBef>
-              <a:buFont typeface="Arial" pitchFamily="34" charset="0"/>
-              <a:buChar char="•"/>
-              <a:defRPr sz="2000" kern="1200">
-                <a:solidFill>
-                  <a:schemeClr val="tx1"/>
-                </a:solidFill>
-                <a:latin typeface="+mn-lt"/>
-                <a:ea typeface="+mn-ea"/>
-                <a:cs typeface="+mn-cs"/>
-              </a:defRPr>
-            </a:lvl6pPr>
-            <a:lvl7pPr marL="2971800" indent="-228600" algn="l" defTabSz="914400" rtl="0" eaLnBrk="1" latinLnBrk="1" hangingPunct="1">
-              <a:spcBef>
-                <a:spcPct val="20000"/>
-              </a:spcBef>
-              <a:buFont typeface="Arial" pitchFamily="34" charset="0"/>
-              <a:buChar char="•"/>
-              <a:defRPr sz="2000" kern="1200">
-                <a:solidFill>
-                  <a:schemeClr val="tx1"/>
-                </a:solidFill>
-                <a:latin typeface="+mn-lt"/>
-                <a:ea typeface="+mn-ea"/>
-                <a:cs typeface="+mn-cs"/>
-              </a:defRPr>
-            </a:lvl7pPr>
-            <a:lvl8pPr marL="3429000" indent="-228600" algn="l" defTabSz="914400" rtl="0" eaLnBrk="1" latinLnBrk="1" hangingPunct="1">
-              <a:spcBef>
-                <a:spcPct val="20000"/>
-              </a:spcBef>
-              <a:buFont typeface="Arial" pitchFamily="34" charset="0"/>
-              <a:buChar char="•"/>
-              <a:defRPr sz="2000" kern="1200">
-                <a:solidFill>
-                  <a:schemeClr val="tx1"/>
-                </a:solidFill>
-                <a:latin typeface="+mn-lt"/>
-                <a:ea typeface="+mn-ea"/>
-                <a:cs typeface="+mn-cs"/>
-              </a:defRPr>
-            </a:lvl8pPr>
-            <a:lvl9pPr marL="3886200" indent="-228600" algn="l" defTabSz="914400" rtl="0" eaLnBrk="1" latinLnBrk="1" hangingPunct="1">
-              <a:spcBef>
-                <a:spcPct val="20000"/>
-              </a:spcBef>
-              <a:buFont typeface="Arial" pitchFamily="34" charset="0"/>
-              <a:buChar char="•"/>
-              <a:defRPr sz="2000" kern="1200">
-                <a:solidFill>
-                  <a:schemeClr val="tx1"/>
-                </a:solidFill>
-                <a:latin typeface="+mn-lt"/>
-                <a:ea typeface="+mn-ea"/>
-                <a:cs typeface="+mn-cs"/>
-              </a:defRPr>
-            </a:lvl9pPr>
-          </a:lstStyle>
-          <a:p>
-            <a:pPr marL="0" indent="0" algn="ctr">
-              <a:buNone/>
-            </a:pPr>
-            <a:r>
-              <a:rPr lang="en-US" altLang="ko-KR" sz="4400" b="1" dirty="0" smtClean="0">
-                <a:solidFill>
-                  <a:schemeClr val="bg1"/>
-                </a:solidFill>
-                <a:latin typeface="+mj-lt"/>
-                <a:cs typeface="Arial" pitchFamily="34" charset="0"/>
-              </a:rPr>
-              <a:t>Web </a:t>
-            </a:r>
-            <a:r>
-              <a:rPr lang="en-US" altLang="ko-KR" sz="4400" b="1" dirty="0" err="1" smtClean="0">
-                <a:solidFill>
-                  <a:schemeClr val="bg1"/>
-                </a:solidFill>
-                <a:latin typeface="+mj-lt"/>
-                <a:cs typeface="Arial" pitchFamily="34" charset="0"/>
-              </a:rPr>
-              <a:t>Programing</a:t>
-            </a:r>
-            <a:endParaRPr lang="ko-KR" altLang="en-US" sz="4400" b="1" dirty="0">
-              <a:solidFill>
-                <a:schemeClr val="bg1"/>
-              </a:solidFill>
-              <a:latin typeface="+mj-lt"/>
-              <a:cs typeface="Arial" pitchFamily="34" charset="0"/>
-            </a:endParaRPr>
-          </a:p>
-        </p:txBody>
-      </p:sp>
-      <p:sp>
-        <p:nvSpPr>
-          <p:cNvPr id="16" name="TextBox 15"/>
-          <p:cNvSpPr txBox="1"/>
-          <p:nvPr/>
-        </p:nvSpPr>
-        <p:spPr>
-          <a:xfrm>
-            <a:off x="5580112" y="1043231"/>
-            <a:ext cx="2979969" cy="307777"/>
-          </a:xfrm>
-          <a:prstGeom prst="rect">
-            <a:avLst/>
-          </a:prstGeom>
-          <a:noFill/>
-        </p:spPr>
-        <p:txBody>
-          <a:bodyPr wrap="square" rtlCol="0">
-            <a:spAutoFit/>
-          </a:bodyPr>
-          <a:lstStyle/>
-          <a:p>
-            <a:pPr algn="r"/>
-            <a:r>
-              <a:rPr lang="en-US" altLang="ko-KR" sz="1400" b="1" dirty="0" smtClean="0">
-                <a:solidFill>
-                  <a:schemeClr val="accent3"/>
-                </a:solidFill>
-                <a:cs typeface="Arial" pitchFamily="34" charset="0"/>
-              </a:rPr>
-              <a:t>20151543 </a:t>
-            </a:r>
-            <a:r>
-              <a:rPr lang="ko-KR" altLang="en-US" sz="1400" b="1" dirty="0" smtClean="0">
-                <a:solidFill>
-                  <a:schemeClr val="accent3"/>
-                </a:solidFill>
-                <a:cs typeface="Arial" pitchFamily="34" charset="0"/>
-              </a:rPr>
-              <a:t>이승협</a:t>
-            </a:r>
-            <a:endParaRPr lang="ko-KR" altLang="en-US" sz="1400" b="1" dirty="0">
-              <a:solidFill>
-                <a:schemeClr val="accent3"/>
-              </a:solidFill>
-              <a:cs typeface="Arial" pitchFamily="34" charset="0"/>
-            </a:endParaRPr>
-          </a:p>
-        </p:txBody>
-      </p:sp>
-      <p:sp>
-        <p:nvSpPr>
-          <p:cNvPr id="18" name="TextBox 17"/>
-          <p:cNvSpPr txBox="1"/>
-          <p:nvPr/>
-        </p:nvSpPr>
-        <p:spPr>
-          <a:xfrm>
-            <a:off x="7164288" y="627534"/>
-            <a:ext cx="792088" cy="307777"/>
-          </a:xfrm>
-          <a:prstGeom prst="rect">
-            <a:avLst/>
-          </a:prstGeom>
-          <a:noFill/>
-        </p:spPr>
-        <p:txBody>
-          <a:bodyPr wrap="square" rtlCol="0">
-            <a:spAutoFit/>
-          </a:bodyPr>
-          <a:lstStyle/>
-          <a:p>
-            <a:pPr algn="just"/>
-            <a:r>
-              <a:rPr lang="en-US" altLang="ko-KR" sz="1400" b="1" dirty="0" err="1" smtClean="0">
-                <a:solidFill>
-                  <a:schemeClr val="accent3"/>
-                </a:solidFill>
-                <a:cs typeface="Arial" pitchFamily="34" charset="0"/>
-              </a:rPr>
-              <a:t>Github</a:t>
-            </a:r>
-            <a:r>
-              <a:rPr lang="en-US" altLang="ko-KR" sz="1400" b="1" dirty="0" smtClean="0">
-                <a:solidFill>
-                  <a:schemeClr val="accent3"/>
-                </a:solidFill>
-                <a:cs typeface="Arial" pitchFamily="34" charset="0"/>
-              </a:rPr>
-              <a:t>: </a:t>
-            </a:r>
-            <a:endParaRPr lang="ko-KR" altLang="en-US" sz="1400" b="1" dirty="0">
-              <a:solidFill>
-                <a:schemeClr val="accent3"/>
-              </a:solidFill>
-              <a:cs typeface="Arial" pitchFamily="34" charset="0"/>
-            </a:endParaRPr>
-          </a:p>
-        </p:txBody>
-      </p:sp>
-      <p:pic>
-        <p:nvPicPr>
-          <p:cNvPr id="6147" name="Picture 3" descr="C:\Users\lesh0\Desktop\project\img\github.png"/>
-          <p:cNvPicPr>
-            <a:picLocks noChangeAspect="1" noChangeArrowheads="1"/>
-          </p:cNvPicPr>
-          <p:nvPr/>
-        </p:nvPicPr>
-        <p:blipFill>
-          <a:blip r:embed="rId4" cstate="print"/>
-          <a:srcRect/>
-          <a:stretch>
-            <a:fillRect/>
-          </a:stretch>
-        </p:blipFill>
-        <p:spPr bwMode="auto">
-          <a:xfrm>
-            <a:off x="7956376" y="267494"/>
-            <a:ext cx="648072" cy="658573"/>
-          </a:xfrm>
-          <a:prstGeom prst="rect">
-            <a:avLst/>
-          </a:prstGeom>
-          <a:noFill/>
-        </p:spPr>
-      </p:pic>
-      <p:pic>
-        <p:nvPicPr>
-          <p:cNvPr id="19" name="final_pj.html - Chrome 2020-06-14 22-34-10.mp4">
-            <a:hlinkClick r:id="" action="ppaction://media"/>
-          </p:cNvPr>
-          <p:cNvPicPr>
-            <a:picLocks noRot="1" noChangeAspect="1"/>
-          </p:cNvPicPr>
-          <p:nvPr>
-            <a:videoFile r:link="rId1"/>
-          </p:nvPr>
-        </p:nvPicPr>
-        <p:blipFill>
-          <a:blip r:embed="rId5" cstate="print"/>
-          <a:stretch>
-            <a:fillRect/>
-          </a:stretch>
-        </p:blipFill>
-        <p:spPr>
-          <a:xfrm>
-            <a:off x="1" y="0"/>
-            <a:ext cx="9144000" cy="5143500"/>
-          </a:xfrm>
-          <a:prstGeom prst="rect">
-            <a:avLst/>
-          </a:prstGeom>
-        </p:spPr>
-      </p:pic>
-    </p:spTree>
-    <p:extLst>
-      <p:ext uri="{BB962C8B-B14F-4D97-AF65-F5344CB8AC3E}">
-        <p14:creationId xmlns:p14="http://schemas.microsoft.com/office/powerpoint/2010/main" xmlns="" val="1079078949"/>
-      </p:ext>
-    </p:extLst>
-  </p:cSld>
-  <p:clrMapOvr>
-    <a:masterClrMapping/>
-  </p:clrMapOvr>
-  <p:transition/>
-  <p:timing>
-    <p:tnLst>
-      <p:par>
-        <p:cTn id="1" dur="indefinite" restart="never" nodeType="tmRoot">
-          <p:childTnLst>
-            <p:seq concurrent="1" nextAc="seek">
-              <p:cTn id="2" restart="whenNotActive" fill="hold" evtFilter="cancelBubble" nodeType="interactiveSeq">
-                <p:stCondLst>
-                  <p:cond evt="onClick" delay="0">
-                    <p:tgtEl>
-                      <p:spTgt spid="19"/>
-                    </p:tgtEl>
-                  </p:cond>
-                </p:stCondLst>
-                <p:endSync evt="end" delay="0">
-                  <p:rtn val="all"/>
-                </p:endSync>
-                <p:childTnLst>
-                  <p:par>
-                    <p:cTn id="3" fill="hold">
-                      <p:stCondLst>
-                        <p:cond delay="0"/>
-                      </p:stCondLst>
-                      <p:childTnLst>
-                        <p:par>
-                          <p:cTn id="4" fill="hold">
-                            <p:stCondLst>
-                              <p:cond delay="0"/>
-                            </p:stCondLst>
-                            <p:childTnLst>
-                              <p:par>
-                                <p:cTn id="5" presetID="2" presetClass="mediacall" presetSubtype="0" fill="hold" nodeType="clickEffect">
-                                  <p:stCondLst>
-                                    <p:cond delay="0"/>
-                                  </p:stCondLst>
-                                  <p:childTnLst>
-                                    <p:cmd type="call" cmd="togglePause">
-                                      <p:cBhvr>
-                                        <p:cTn id="6" dur="1" fill="hold"/>
-                                        <p:tgtEl>
-                                          <p:spTgt spid="19"/>
-                                        </p:tgtEl>
-                                      </p:cBhvr>
-                                    </p:cmd>
-                                  </p:childTnLst>
-                                </p:cTn>
-                              </p:par>
-                            </p:childTnLst>
-                          </p:cTn>
-                        </p:par>
-                      </p:childTnLst>
-                    </p:cTn>
-                  </p:par>
-                </p:childTnLst>
-              </p:cTn>
-              <p:nextCondLst>
-                <p:cond evt="onClick" delay="0">
-                  <p:tgtEl>
-                    <p:spTgt spid="19"/>
-                  </p:tgtEl>
-                </p:cond>
-              </p:nextCondLst>
-            </p:seq>
-            <p:video>
-              <p:cMediaNode>
-                <p:cTn id="7" fill="hold" display="0">
-                  <p:stCondLst>
-                    <p:cond delay="indefinite"/>
-                  </p:stCondLst>
-                  <p:endCondLst>
-                    <p:cond evt="onNext" delay="0">
-                      <p:tgtEl>
-                        <p:sldTgt/>
-                      </p:tgtEl>
-                    </p:cond>
-                    <p:cond evt="onPrev" delay="0">
-                      <p:tgtEl>
-                        <p:sldTgt/>
-                      </p:tgtEl>
-                    </p:cond>
-                  </p:endCondLst>
-                </p:cTn>
-                <p:tgtEl>
-                  <p:spTgt spid="19"/>
-                </p:tgtEl>
-              </p:cMediaNode>
-            </p:video>
-          </p:childTnLst>
-        </p:cTn>
-      </p:par>
-    </p:tnLst>
-  </p:timing>
-</p:sld>
-</file>
-
-<file path=ppt/slides/slide18.xml><?xml version="1.0" encoding="utf-8"?>
-<p:sld xmlns:a="http://schemas.openxmlformats.org/drawingml/2006/main" xmlns:r="http://schemas.openxmlformats.org/officeDocument/2006/relationships" xmlns:p="http://schemas.openxmlformats.org/presentationml/2006/main">
-  <p:cSld>
-    <p:spTree>
-      <p:nvGrpSpPr>
-        <p:cNvPr id="1" name=""/>
-        <p:cNvGrpSpPr/>
-        <p:nvPr/>
-      </p:nvGrpSpPr>
-      <p:grpSpPr>
-        <a:xfrm>
-          <a:off x="0" y="0"/>
-          <a:ext cx="0" cy="0"/>
-          <a:chOff x="0" y="0"/>
-          <a:chExt cx="0" cy="0"/>
-        </a:xfrm>
-      </p:grpSpPr>
-      <p:sp>
-        <p:nvSpPr>
-          <p:cNvPr id="2" name="Text Placeholder 1"/>
-          <p:cNvSpPr>
-            <a:spLocks noGrp="1"/>
-          </p:cNvSpPr>
-          <p:nvPr>
-            <p:ph type="body" sz="quarter" idx="10"/>
-          </p:nvPr>
-        </p:nvSpPr>
-        <p:spPr>
-          <a:xfrm>
-            <a:off x="3563888" y="2571750"/>
-            <a:ext cx="5580112" cy="576064"/>
-          </a:xfrm>
-        </p:spPr>
-        <p:txBody>
-          <a:bodyPr/>
-          <a:lstStyle/>
-          <a:p>
-            <a:r>
-              <a:rPr lang="en-US" altLang="ko-KR" dirty="0" smtClean="0"/>
-              <a:t>04. </a:t>
-            </a:r>
-            <a:r>
-              <a:rPr lang="ko-KR" altLang="en-US" dirty="0" smtClean="0"/>
-              <a:t>개선사항</a:t>
-            </a:r>
-            <a:r>
-              <a:rPr lang="en-US" altLang="ko-KR" dirty="0" smtClean="0"/>
-              <a:t> </a:t>
-            </a:r>
-            <a:r>
-              <a:rPr lang="ko-KR" altLang="en-US" dirty="0" smtClean="0"/>
-              <a:t>및 </a:t>
-            </a:r>
-            <a:r>
-              <a:rPr lang="ko-KR" altLang="en-US" dirty="0" err="1" smtClean="0"/>
-              <a:t>향후과제</a:t>
-            </a:r>
-            <a:endParaRPr lang="ko-KR" altLang="en-US" dirty="0"/>
-          </a:p>
-        </p:txBody>
-      </p:sp>
-    </p:spTree>
-    <p:extLst>
-      <p:ext uri="{BB962C8B-B14F-4D97-AF65-F5344CB8AC3E}">
-        <p14:creationId xmlns:p14="http://schemas.microsoft.com/office/powerpoint/2010/main" xmlns="" val="3101234267"/>
-      </p:ext>
-    </p:extLst>
-  </p:cSld>
-  <p:clrMapOvr>
-    <a:masterClrMapping/>
-  </p:clrMapOvr>
-  <p:transition/>
-  <p:timing>
-    <p:tnLst>
-      <p:par>
-        <p:cTn id="1" dur="indefinite" restart="never" nodeType="tmRoot"/>
-      </p:par>
-    </p:tnLst>
-  </p:timing>
-</p:sld>
-</file>
-
-<file path=ppt/slides/slide19.xml><?xml version="1.0" encoding="utf-8"?>
-<p:sld xmlns:a="http://schemas.openxmlformats.org/drawingml/2006/main" xmlns:r="http://schemas.openxmlformats.org/officeDocument/2006/relationships" xmlns:p="http://schemas.openxmlformats.org/presentationml/2006/main">
-  <p:cSld>
-    <p:spTree>
-      <p:nvGrpSpPr>
-        <p:cNvPr id="1" name=""/>
-        <p:cNvGrpSpPr/>
-        <p:nvPr/>
-      </p:nvGrpSpPr>
-      <p:grpSpPr>
-        <a:xfrm>
-          <a:off x="0" y="0"/>
-          <a:ext cx="0" cy="0"/>
-          <a:chOff x="0" y="0"/>
-          <a:chExt cx="0" cy="0"/>
-        </a:xfrm>
-      </p:grpSpPr>
-      <p:sp>
-        <p:nvSpPr>
-          <p:cNvPr id="3" name="Title 2"/>
-          <p:cNvSpPr txBox="1">
-            <a:spLocks/>
-          </p:cNvSpPr>
-          <p:nvPr/>
-        </p:nvSpPr>
-        <p:spPr>
-          <a:xfrm>
-            <a:off x="0" y="483518"/>
-            <a:ext cx="9144000" cy="576064"/>
-          </a:xfrm>
-          <a:prstGeom prst="rect">
-            <a:avLst/>
-          </a:prstGeom>
-        </p:spPr>
-        <p:txBody>
-          <a:bodyPr anchor="ctr"/>
-          <a:lstStyle>
-            <a:lvl1pPr algn="ctr" defTabSz="914400" rtl="0" eaLnBrk="1" latinLnBrk="1" hangingPunct="1">
-              <a:spcBef>
-                <a:spcPct val="0"/>
-              </a:spcBef>
-              <a:buNone/>
-              <a:defRPr sz="4400" kern="1200">
-                <a:solidFill>
-                  <a:schemeClr val="tx1"/>
-                </a:solidFill>
-                <a:latin typeface="+mj-lt"/>
-                <a:ea typeface="+mj-ea"/>
-                <a:cs typeface="+mj-cs"/>
-              </a:defRPr>
-            </a:lvl1pPr>
-          </a:lstStyle>
-          <a:p>
-            <a:endParaRPr lang="en-US" sz="3600" dirty="0">
-              <a:solidFill>
-                <a:schemeClr val="bg1"/>
-              </a:solidFill>
-              <a:latin typeface="Arial" pitchFamily="34" charset="0"/>
-              <a:cs typeface="Arial" pitchFamily="34" charset="0"/>
-            </a:endParaRPr>
-          </a:p>
-        </p:txBody>
-      </p:sp>
-      <p:grpSp>
-        <p:nvGrpSpPr>
-          <p:cNvPr id="2" name="Group 7"/>
-          <p:cNvGrpSpPr/>
-          <p:nvPr/>
-        </p:nvGrpSpPr>
-        <p:grpSpPr>
-          <a:xfrm>
-            <a:off x="1907704" y="483518"/>
-            <a:ext cx="6652377" cy="1125193"/>
-            <a:chOff x="3687661" y="1203598"/>
-            <a:chExt cx="2252491" cy="1125193"/>
-          </a:xfrm>
-        </p:grpSpPr>
-        <p:sp>
-          <p:nvSpPr>
-            <p:cNvPr id="9" name="TextBox 8"/>
-            <p:cNvSpPr txBox="1"/>
-            <p:nvPr/>
-          </p:nvSpPr>
-          <p:spPr>
-            <a:xfrm>
-              <a:off x="3687661" y="2051792"/>
-              <a:ext cx="2252491" cy="276999"/>
-            </a:xfrm>
-            <a:prstGeom prst="rect">
-              <a:avLst/>
-            </a:prstGeom>
-            <a:noFill/>
-          </p:spPr>
-          <p:txBody>
-            <a:bodyPr wrap="square" rtlCol="0">
-              <a:spAutoFit/>
-            </a:bodyPr>
-            <a:lstStyle/>
-            <a:p>
-              <a:endParaRPr lang="en-US" altLang="ko-KR" sz="1200" dirty="0">
-                <a:solidFill>
-                  <a:schemeClr val="tx1">
-                    <a:lumMod val="75000"/>
-                    <a:lumOff val="25000"/>
-                  </a:schemeClr>
-                </a:solidFill>
-                <a:cs typeface="Arial" pitchFamily="34" charset="0"/>
-              </a:endParaRPr>
-            </a:p>
-          </p:txBody>
-        </p:sp>
-        <p:sp>
-          <p:nvSpPr>
-            <p:cNvPr id="10" name="TextBox 9"/>
-            <p:cNvSpPr txBox="1"/>
-            <p:nvPr/>
-          </p:nvSpPr>
-          <p:spPr>
-            <a:xfrm>
-              <a:off x="3687661" y="1203598"/>
-              <a:ext cx="2252491" cy="461665"/>
-            </a:xfrm>
-            <a:prstGeom prst="rect">
-              <a:avLst/>
-            </a:prstGeom>
-            <a:noFill/>
-          </p:spPr>
-          <p:txBody>
-            <a:bodyPr wrap="square" rtlCol="0">
-              <a:spAutoFit/>
-            </a:bodyPr>
-            <a:lstStyle/>
-            <a:p>
-              <a:r>
-                <a:rPr lang="ko-KR" altLang="en-US" sz="2400" b="1" dirty="0" smtClean="0">
-                  <a:solidFill>
-                    <a:schemeClr val="accent3"/>
-                  </a:solidFill>
-                  <a:cs typeface="Arial" pitchFamily="34" charset="0"/>
-                </a:rPr>
-                <a:t>개선 사항 및 </a:t>
-              </a:r>
-              <a:r>
-                <a:rPr lang="ko-KR" altLang="en-US" sz="2400" b="1" dirty="0" err="1" smtClean="0">
-                  <a:solidFill>
-                    <a:schemeClr val="accent3"/>
-                  </a:solidFill>
-                  <a:cs typeface="Arial" pitchFamily="34" charset="0"/>
-                </a:rPr>
-                <a:t>향후과제</a:t>
-              </a:r>
-              <a:endParaRPr lang="ko-KR" altLang="en-US" sz="2400" b="1" dirty="0">
-                <a:solidFill>
-                  <a:schemeClr val="accent3"/>
-                </a:solidFill>
-                <a:cs typeface="Arial" pitchFamily="34" charset="0"/>
-              </a:endParaRPr>
-            </a:p>
-          </p:txBody>
-        </p:sp>
-      </p:grpSp>
-      <p:sp>
-        <p:nvSpPr>
-          <p:cNvPr id="11" name="Rectangle 10"/>
-          <p:cNvSpPr/>
-          <p:nvPr/>
-        </p:nvSpPr>
-        <p:spPr>
-          <a:xfrm>
-            <a:off x="1972081" y="945182"/>
-            <a:ext cx="2052000" cy="72000"/>
-          </a:xfrm>
-          <a:prstGeom prst="rect">
-            <a:avLst/>
-          </a:prstGeom>
-          <a:solidFill>
-            <a:schemeClr val="accent2"/>
-          </a:solidFill>
-          <a:ln>
-            <a:noFill/>
-          </a:ln>
-        </p:spPr>
-        <p:style>
-          <a:lnRef idx="2">
-            <a:schemeClr val="accent1">
-              <a:shade val="50000"/>
-            </a:schemeClr>
-          </a:lnRef>
-          <a:fillRef idx="1">
-            <a:schemeClr val="accent1"/>
-          </a:fillRef>
-          <a:effectRef idx="0">
-            <a:schemeClr val="accent1"/>
-          </a:effectRef>
-          <a:fontRef idx="minor">
-            <a:schemeClr val="lt1"/>
-          </a:fontRef>
-        </p:style>
-        <p:txBody>
-          <a:bodyPr rot="0" spcFirstLastPara="0" vertOverflow="overflow" horzOverflow="overflow" vert="horz" wrap="square" lIns="91440" tIns="45720" rIns="91440" bIns="45720" numCol="1" spcCol="0" rtlCol="0" fromWordArt="0" anchor="ctr" anchorCtr="0" forceAA="0" compatLnSpc="1">
-            <a:prstTxWarp prst="textNoShape">
-              <a:avLst/>
-            </a:prstTxWarp>
-            <a:noAutofit/>
-          </a:bodyPr>
-          <a:lstStyle/>
-          <a:p>
-            <a:pPr algn="ctr"/>
-            <a:endParaRPr lang="ko-KR" altLang="en-US"/>
-          </a:p>
-        </p:txBody>
-      </p:sp>
-      <p:sp>
-        <p:nvSpPr>
-          <p:cNvPr id="13" name="Rectangle 12"/>
-          <p:cNvSpPr/>
-          <p:nvPr/>
-        </p:nvSpPr>
-        <p:spPr>
-          <a:xfrm>
-            <a:off x="4024081" y="945183"/>
-            <a:ext cx="4536000" cy="72000"/>
-          </a:xfrm>
-          <a:prstGeom prst="rect">
-            <a:avLst/>
-          </a:prstGeom>
-          <a:solidFill>
-            <a:schemeClr val="accent2">
-              <a:alpha val="30000"/>
-            </a:schemeClr>
-          </a:solidFill>
-          <a:ln>
-            <a:noFill/>
-          </a:ln>
-        </p:spPr>
-        <p:style>
-          <a:lnRef idx="2">
-            <a:schemeClr val="accent1">
-              <a:shade val="50000"/>
-            </a:schemeClr>
-          </a:lnRef>
-          <a:fillRef idx="1">
-            <a:schemeClr val="accent1"/>
-          </a:fillRef>
-          <a:effectRef idx="0">
-            <a:schemeClr val="accent1"/>
-          </a:effectRef>
-          <a:fontRef idx="minor">
-            <a:schemeClr val="lt1"/>
-          </a:fontRef>
-        </p:style>
-        <p:txBody>
-          <a:bodyPr rot="0" spcFirstLastPara="0" vertOverflow="overflow" horzOverflow="overflow" vert="horz" wrap="square" lIns="91440" tIns="45720" rIns="91440" bIns="45720" numCol="1" spcCol="0" rtlCol="0" fromWordArt="0" anchor="ctr" anchorCtr="0" forceAA="0" compatLnSpc="1">
-            <a:prstTxWarp prst="textNoShape">
-              <a:avLst/>
-            </a:prstTxWarp>
-            <a:noAutofit/>
-          </a:bodyPr>
-          <a:lstStyle/>
-          <a:p>
-            <a:pPr algn="ctr"/>
-            <a:endParaRPr lang="ko-KR" altLang="en-US"/>
-          </a:p>
-        </p:txBody>
-      </p:sp>
-      <p:sp>
-        <p:nvSpPr>
-          <p:cNvPr id="17" name="Text Placeholder 1"/>
-          <p:cNvSpPr txBox="1">
-            <a:spLocks/>
-          </p:cNvSpPr>
-          <p:nvPr/>
-        </p:nvSpPr>
-        <p:spPr>
-          <a:xfrm rot="16200000">
-            <a:off x="-1822186" y="2109390"/>
-            <a:ext cx="5143501" cy="924722"/>
-          </a:xfrm>
-          <a:prstGeom prst="rect">
-            <a:avLst/>
-          </a:prstGeom>
-        </p:spPr>
-        <p:txBody>
-          <a:bodyPr anchor="ctr"/>
-          <a:lstStyle>
-            <a:lvl1pPr marL="342900" indent="-342900" algn="l" defTabSz="914400" rtl="0" eaLnBrk="1" latinLnBrk="1" hangingPunct="1">
-              <a:spcBef>
-                <a:spcPct val="20000"/>
-              </a:spcBef>
-              <a:buFont typeface="Arial" pitchFamily="34" charset="0"/>
-              <a:buChar char="•"/>
-              <a:defRPr sz="3200" kern="1200">
-                <a:solidFill>
-                  <a:schemeClr val="tx1"/>
-                </a:solidFill>
-                <a:latin typeface="+mn-lt"/>
-                <a:ea typeface="+mn-ea"/>
-                <a:cs typeface="+mn-cs"/>
-              </a:defRPr>
-            </a:lvl1pPr>
-            <a:lvl2pPr marL="742950" indent="-285750" algn="l" defTabSz="914400" rtl="0" eaLnBrk="1" latinLnBrk="1" hangingPunct="1">
-              <a:spcBef>
-                <a:spcPct val="20000"/>
-              </a:spcBef>
-              <a:buFont typeface="Arial" pitchFamily="34" charset="0"/>
-              <a:buChar char="–"/>
-              <a:defRPr sz="2800" kern="1200">
-                <a:solidFill>
-                  <a:schemeClr val="tx1"/>
-                </a:solidFill>
-                <a:latin typeface="+mn-lt"/>
-                <a:ea typeface="+mn-ea"/>
-                <a:cs typeface="+mn-cs"/>
-              </a:defRPr>
-            </a:lvl2pPr>
-            <a:lvl3pPr marL="1143000" indent="-228600" algn="l" defTabSz="914400" rtl="0" eaLnBrk="1" latinLnBrk="1" hangingPunct="1">
-              <a:spcBef>
-                <a:spcPct val="20000"/>
-              </a:spcBef>
-              <a:buFont typeface="Arial" pitchFamily="34" charset="0"/>
-              <a:buChar char="•"/>
-              <a:defRPr sz="2400" kern="1200">
-                <a:solidFill>
-                  <a:schemeClr val="tx1"/>
-                </a:solidFill>
-                <a:latin typeface="+mn-lt"/>
-                <a:ea typeface="+mn-ea"/>
-                <a:cs typeface="+mn-cs"/>
-              </a:defRPr>
-            </a:lvl3pPr>
-            <a:lvl4pPr marL="1600200" indent="-228600" algn="l" defTabSz="914400" rtl="0" eaLnBrk="1" latinLnBrk="1" hangingPunct="1">
-              <a:spcBef>
-                <a:spcPct val="20000"/>
-              </a:spcBef>
-              <a:buFont typeface="Arial" pitchFamily="34" charset="0"/>
-              <a:buChar char="–"/>
-              <a:defRPr sz="2000" kern="1200">
-                <a:solidFill>
-                  <a:schemeClr val="tx1"/>
-                </a:solidFill>
-                <a:latin typeface="+mn-lt"/>
-                <a:ea typeface="+mn-ea"/>
-                <a:cs typeface="+mn-cs"/>
-              </a:defRPr>
-            </a:lvl4pPr>
-            <a:lvl5pPr marL="2057400" indent="-228600" algn="l" defTabSz="914400" rtl="0" eaLnBrk="1" latinLnBrk="1" hangingPunct="1">
-              <a:spcBef>
-                <a:spcPct val="20000"/>
-              </a:spcBef>
-              <a:buFont typeface="Arial" pitchFamily="34" charset="0"/>
-              <a:buChar char="»"/>
-              <a:defRPr sz="2000" kern="1200">
-                <a:solidFill>
-                  <a:schemeClr val="tx1"/>
-                </a:solidFill>
-                <a:latin typeface="+mn-lt"/>
-                <a:ea typeface="+mn-ea"/>
-                <a:cs typeface="+mn-cs"/>
-              </a:defRPr>
-            </a:lvl5pPr>
-            <a:lvl6pPr marL="2514600" indent="-228600" algn="l" defTabSz="914400" rtl="0" eaLnBrk="1" latinLnBrk="1" hangingPunct="1">
-              <a:spcBef>
-                <a:spcPct val="20000"/>
-              </a:spcBef>
-              <a:buFont typeface="Arial" pitchFamily="34" charset="0"/>
-              <a:buChar char="•"/>
-              <a:defRPr sz="2000" kern="1200">
-                <a:solidFill>
-                  <a:schemeClr val="tx1"/>
-                </a:solidFill>
-                <a:latin typeface="+mn-lt"/>
-                <a:ea typeface="+mn-ea"/>
-                <a:cs typeface="+mn-cs"/>
-              </a:defRPr>
-            </a:lvl6pPr>
-            <a:lvl7pPr marL="2971800" indent="-228600" algn="l" defTabSz="914400" rtl="0" eaLnBrk="1" latinLnBrk="1" hangingPunct="1">
-              <a:spcBef>
-                <a:spcPct val="20000"/>
-              </a:spcBef>
-              <a:buFont typeface="Arial" pitchFamily="34" charset="0"/>
-              <a:buChar char="•"/>
-              <a:defRPr sz="2000" kern="1200">
-                <a:solidFill>
-                  <a:schemeClr val="tx1"/>
-                </a:solidFill>
-                <a:latin typeface="+mn-lt"/>
-                <a:ea typeface="+mn-ea"/>
-                <a:cs typeface="+mn-cs"/>
-              </a:defRPr>
-            </a:lvl7pPr>
-            <a:lvl8pPr marL="3429000" indent="-228600" algn="l" defTabSz="914400" rtl="0" eaLnBrk="1" latinLnBrk="1" hangingPunct="1">
-              <a:spcBef>
-                <a:spcPct val="20000"/>
-              </a:spcBef>
-              <a:buFont typeface="Arial" pitchFamily="34" charset="0"/>
-              <a:buChar char="•"/>
-              <a:defRPr sz="2000" kern="1200">
-                <a:solidFill>
-                  <a:schemeClr val="tx1"/>
-                </a:solidFill>
-                <a:latin typeface="+mn-lt"/>
-                <a:ea typeface="+mn-ea"/>
-                <a:cs typeface="+mn-cs"/>
-              </a:defRPr>
-            </a:lvl8pPr>
-            <a:lvl9pPr marL="3886200" indent="-228600" algn="l" defTabSz="914400" rtl="0" eaLnBrk="1" latinLnBrk="1" hangingPunct="1">
-              <a:spcBef>
-                <a:spcPct val="20000"/>
-              </a:spcBef>
-              <a:buFont typeface="Arial" pitchFamily="34" charset="0"/>
-              <a:buChar char="•"/>
-              <a:defRPr sz="2000" kern="1200">
-                <a:solidFill>
-                  <a:schemeClr val="tx1"/>
-                </a:solidFill>
-                <a:latin typeface="+mn-lt"/>
-                <a:ea typeface="+mn-ea"/>
-                <a:cs typeface="+mn-cs"/>
-              </a:defRPr>
-            </a:lvl9pPr>
-          </a:lstStyle>
-          <a:p>
-            <a:pPr marL="0" indent="0" algn="ctr">
-              <a:buNone/>
-            </a:pPr>
-            <a:endParaRPr lang="ko-KR" altLang="en-US" sz="4400" b="1" dirty="0">
-              <a:solidFill>
-                <a:schemeClr val="bg1"/>
-              </a:solidFill>
-              <a:latin typeface="+mj-lt"/>
-              <a:cs typeface="Arial" pitchFamily="34" charset="0"/>
-            </a:endParaRPr>
-          </a:p>
-        </p:txBody>
-      </p:sp>
-      <p:sp>
-        <p:nvSpPr>
-          <p:cNvPr id="15" name="Text Placeholder 1"/>
-          <p:cNvSpPr txBox="1">
-            <a:spLocks/>
-          </p:cNvSpPr>
-          <p:nvPr/>
-        </p:nvSpPr>
-        <p:spPr>
-          <a:xfrm rot="16200000">
-            <a:off x="-1669786" y="2261790"/>
-            <a:ext cx="5143501" cy="924722"/>
-          </a:xfrm>
-          <a:prstGeom prst="rect">
-            <a:avLst/>
-          </a:prstGeom>
-        </p:spPr>
-        <p:txBody>
-          <a:bodyPr anchor="ctr"/>
-          <a:lstStyle>
-            <a:lvl1pPr marL="342900" indent="-342900" algn="l" defTabSz="914400" rtl="0" eaLnBrk="1" latinLnBrk="1" hangingPunct="1">
-              <a:spcBef>
-                <a:spcPct val="20000"/>
-              </a:spcBef>
-              <a:buFont typeface="Arial" pitchFamily="34" charset="0"/>
-              <a:buChar char="•"/>
-              <a:defRPr sz="3200" kern="1200">
-                <a:solidFill>
-                  <a:schemeClr val="tx1"/>
-                </a:solidFill>
-                <a:latin typeface="+mn-lt"/>
-                <a:ea typeface="+mn-ea"/>
-                <a:cs typeface="+mn-cs"/>
-              </a:defRPr>
-            </a:lvl1pPr>
-            <a:lvl2pPr marL="742950" indent="-285750" algn="l" defTabSz="914400" rtl="0" eaLnBrk="1" latinLnBrk="1" hangingPunct="1">
-              <a:spcBef>
-                <a:spcPct val="20000"/>
-              </a:spcBef>
-              <a:buFont typeface="Arial" pitchFamily="34" charset="0"/>
-              <a:buChar char="–"/>
-              <a:defRPr sz="2800" kern="1200">
-                <a:solidFill>
-                  <a:schemeClr val="tx1"/>
-                </a:solidFill>
-                <a:latin typeface="+mn-lt"/>
-                <a:ea typeface="+mn-ea"/>
-                <a:cs typeface="+mn-cs"/>
-              </a:defRPr>
-            </a:lvl2pPr>
-            <a:lvl3pPr marL="1143000" indent="-228600" algn="l" defTabSz="914400" rtl="0" eaLnBrk="1" latinLnBrk="1" hangingPunct="1">
-              <a:spcBef>
-                <a:spcPct val="20000"/>
-              </a:spcBef>
-              <a:buFont typeface="Arial" pitchFamily="34" charset="0"/>
-              <a:buChar char="•"/>
-              <a:defRPr sz="2400" kern="1200">
-                <a:solidFill>
-                  <a:schemeClr val="tx1"/>
-                </a:solidFill>
-                <a:latin typeface="+mn-lt"/>
-                <a:ea typeface="+mn-ea"/>
-                <a:cs typeface="+mn-cs"/>
-              </a:defRPr>
-            </a:lvl3pPr>
-            <a:lvl4pPr marL="1600200" indent="-228600" algn="l" defTabSz="914400" rtl="0" eaLnBrk="1" latinLnBrk="1" hangingPunct="1">
-              <a:spcBef>
-                <a:spcPct val="20000"/>
-              </a:spcBef>
-              <a:buFont typeface="Arial" pitchFamily="34" charset="0"/>
-              <a:buChar char="–"/>
-              <a:defRPr sz="2000" kern="1200">
-                <a:solidFill>
-                  <a:schemeClr val="tx1"/>
-                </a:solidFill>
-                <a:latin typeface="+mn-lt"/>
-                <a:ea typeface="+mn-ea"/>
-                <a:cs typeface="+mn-cs"/>
-              </a:defRPr>
-            </a:lvl4pPr>
-            <a:lvl5pPr marL="2057400" indent="-228600" algn="l" defTabSz="914400" rtl="0" eaLnBrk="1" latinLnBrk="1" hangingPunct="1">
-              <a:spcBef>
-                <a:spcPct val="20000"/>
-              </a:spcBef>
-              <a:buFont typeface="Arial" pitchFamily="34" charset="0"/>
-              <a:buChar char="»"/>
-              <a:defRPr sz="2000" kern="1200">
-                <a:solidFill>
-                  <a:schemeClr val="tx1"/>
-                </a:solidFill>
-                <a:latin typeface="+mn-lt"/>
-                <a:ea typeface="+mn-ea"/>
-                <a:cs typeface="+mn-cs"/>
-              </a:defRPr>
-            </a:lvl5pPr>
-            <a:lvl6pPr marL="2514600" indent="-228600" algn="l" defTabSz="914400" rtl="0" eaLnBrk="1" latinLnBrk="1" hangingPunct="1">
-              <a:spcBef>
-                <a:spcPct val="20000"/>
-              </a:spcBef>
-              <a:buFont typeface="Arial" pitchFamily="34" charset="0"/>
-              <a:buChar char="•"/>
-              <a:defRPr sz="2000" kern="1200">
-                <a:solidFill>
-                  <a:schemeClr val="tx1"/>
-                </a:solidFill>
-                <a:latin typeface="+mn-lt"/>
-                <a:ea typeface="+mn-ea"/>
-                <a:cs typeface="+mn-cs"/>
-              </a:defRPr>
-            </a:lvl6pPr>
-            <a:lvl7pPr marL="2971800" indent="-228600" algn="l" defTabSz="914400" rtl="0" eaLnBrk="1" latinLnBrk="1" hangingPunct="1">
-              <a:spcBef>
-                <a:spcPct val="20000"/>
-              </a:spcBef>
-              <a:buFont typeface="Arial" pitchFamily="34" charset="0"/>
-              <a:buChar char="•"/>
-              <a:defRPr sz="2000" kern="1200">
-                <a:solidFill>
-                  <a:schemeClr val="tx1"/>
-                </a:solidFill>
-                <a:latin typeface="+mn-lt"/>
-                <a:ea typeface="+mn-ea"/>
-                <a:cs typeface="+mn-cs"/>
-              </a:defRPr>
-            </a:lvl7pPr>
-            <a:lvl8pPr marL="3429000" indent="-228600" algn="l" defTabSz="914400" rtl="0" eaLnBrk="1" latinLnBrk="1" hangingPunct="1">
-              <a:spcBef>
-                <a:spcPct val="20000"/>
-              </a:spcBef>
-              <a:buFont typeface="Arial" pitchFamily="34" charset="0"/>
-              <a:buChar char="•"/>
-              <a:defRPr sz="2000" kern="1200">
-                <a:solidFill>
-                  <a:schemeClr val="tx1"/>
-                </a:solidFill>
-                <a:latin typeface="+mn-lt"/>
-                <a:ea typeface="+mn-ea"/>
-                <a:cs typeface="+mn-cs"/>
-              </a:defRPr>
-            </a:lvl8pPr>
-            <a:lvl9pPr marL="3886200" indent="-228600" algn="l" defTabSz="914400" rtl="0" eaLnBrk="1" latinLnBrk="1" hangingPunct="1">
-              <a:spcBef>
-                <a:spcPct val="20000"/>
-              </a:spcBef>
-              <a:buFont typeface="Arial" pitchFamily="34" charset="0"/>
-              <a:buChar char="•"/>
-              <a:defRPr sz="2000" kern="1200">
-                <a:solidFill>
-                  <a:schemeClr val="tx1"/>
-                </a:solidFill>
-                <a:latin typeface="+mn-lt"/>
-                <a:ea typeface="+mn-ea"/>
-                <a:cs typeface="+mn-cs"/>
-              </a:defRPr>
-            </a:lvl9pPr>
-          </a:lstStyle>
-          <a:p>
-            <a:pPr marL="0" indent="0" algn="ctr">
-              <a:buNone/>
-            </a:pPr>
-            <a:r>
-              <a:rPr lang="en-US" altLang="ko-KR" sz="4400" b="1" dirty="0" smtClean="0">
-                <a:solidFill>
-                  <a:schemeClr val="bg1"/>
-                </a:solidFill>
-                <a:latin typeface="+mj-lt"/>
-                <a:cs typeface="Arial" pitchFamily="34" charset="0"/>
-              </a:rPr>
-              <a:t>Web </a:t>
-            </a:r>
-            <a:r>
-              <a:rPr lang="en-US" altLang="ko-KR" sz="4400" b="1" dirty="0" err="1" smtClean="0">
-                <a:solidFill>
-                  <a:schemeClr val="bg1"/>
-                </a:solidFill>
-                <a:latin typeface="+mj-lt"/>
-                <a:cs typeface="Arial" pitchFamily="34" charset="0"/>
-              </a:rPr>
-              <a:t>Programing</a:t>
-            </a:r>
-            <a:endParaRPr lang="ko-KR" altLang="en-US" sz="4400" b="1" dirty="0">
-              <a:solidFill>
-                <a:schemeClr val="bg1"/>
-              </a:solidFill>
-              <a:latin typeface="+mj-lt"/>
-              <a:cs typeface="Arial" pitchFamily="34" charset="0"/>
-            </a:endParaRPr>
-          </a:p>
-        </p:txBody>
-      </p:sp>
-      <p:sp>
-        <p:nvSpPr>
-          <p:cNvPr id="16" name="TextBox 15"/>
-          <p:cNvSpPr txBox="1"/>
-          <p:nvPr/>
-        </p:nvSpPr>
-        <p:spPr>
-          <a:xfrm>
-            <a:off x="5580112" y="1043231"/>
-            <a:ext cx="2979969" cy="307777"/>
-          </a:xfrm>
-          <a:prstGeom prst="rect">
-            <a:avLst/>
-          </a:prstGeom>
-          <a:noFill/>
-        </p:spPr>
-        <p:txBody>
-          <a:bodyPr wrap="square" rtlCol="0">
-            <a:spAutoFit/>
-          </a:bodyPr>
-          <a:lstStyle/>
-          <a:p>
-            <a:pPr algn="r"/>
-            <a:r>
-              <a:rPr lang="en-US" altLang="ko-KR" sz="1400" b="1" dirty="0" smtClean="0">
-                <a:solidFill>
-                  <a:schemeClr val="accent3"/>
-                </a:solidFill>
-                <a:cs typeface="Arial" pitchFamily="34" charset="0"/>
-              </a:rPr>
-              <a:t>20151543 </a:t>
-            </a:r>
-            <a:r>
-              <a:rPr lang="ko-KR" altLang="en-US" sz="1400" b="1" dirty="0" smtClean="0">
-                <a:solidFill>
-                  <a:schemeClr val="accent3"/>
-                </a:solidFill>
-                <a:cs typeface="Arial" pitchFamily="34" charset="0"/>
-              </a:rPr>
-              <a:t>이승협</a:t>
-            </a:r>
-            <a:endParaRPr lang="ko-KR" altLang="en-US" sz="1400" b="1" dirty="0">
-              <a:solidFill>
-                <a:schemeClr val="accent3"/>
-              </a:solidFill>
-              <a:cs typeface="Arial" pitchFamily="34" charset="0"/>
-            </a:endParaRPr>
-          </a:p>
-        </p:txBody>
-      </p:sp>
-      <p:sp>
-        <p:nvSpPr>
-          <p:cNvPr id="18" name="TextBox 17"/>
-          <p:cNvSpPr txBox="1"/>
-          <p:nvPr/>
-        </p:nvSpPr>
-        <p:spPr>
-          <a:xfrm>
-            <a:off x="7164288" y="627534"/>
-            <a:ext cx="792088" cy="307777"/>
-          </a:xfrm>
-          <a:prstGeom prst="rect">
-            <a:avLst/>
-          </a:prstGeom>
-          <a:noFill/>
-        </p:spPr>
-        <p:txBody>
-          <a:bodyPr wrap="square" rtlCol="0">
-            <a:spAutoFit/>
-          </a:bodyPr>
-          <a:lstStyle/>
-          <a:p>
-            <a:pPr algn="just"/>
-            <a:r>
-              <a:rPr lang="en-US" altLang="ko-KR" sz="1400" b="1" dirty="0" err="1" smtClean="0">
-                <a:solidFill>
-                  <a:schemeClr val="accent3"/>
-                </a:solidFill>
-                <a:cs typeface="Arial" pitchFamily="34" charset="0"/>
-              </a:rPr>
-              <a:t>Github</a:t>
-            </a:r>
-            <a:r>
-              <a:rPr lang="en-US" altLang="ko-KR" sz="1400" b="1" dirty="0" smtClean="0">
-                <a:solidFill>
-                  <a:schemeClr val="accent3"/>
-                </a:solidFill>
-                <a:cs typeface="Arial" pitchFamily="34" charset="0"/>
-              </a:rPr>
-              <a:t>: </a:t>
-            </a:r>
-            <a:endParaRPr lang="ko-KR" altLang="en-US" sz="1400" b="1" dirty="0">
-              <a:solidFill>
-                <a:schemeClr val="accent3"/>
-              </a:solidFill>
-              <a:cs typeface="Arial" pitchFamily="34" charset="0"/>
-            </a:endParaRPr>
-          </a:p>
-        </p:txBody>
-      </p:sp>
-      <p:pic>
-        <p:nvPicPr>
-          <p:cNvPr id="6147" name="Picture 3" descr="C:\Users\lesh0\Desktop\project\img\github.png"/>
-          <p:cNvPicPr>
-            <a:picLocks noChangeAspect="1" noChangeArrowheads="1"/>
-          </p:cNvPicPr>
-          <p:nvPr/>
-        </p:nvPicPr>
-        <p:blipFill>
-          <a:blip r:embed="rId3" cstate="print"/>
-          <a:srcRect/>
-          <a:stretch>
-            <a:fillRect/>
-          </a:stretch>
-        </p:blipFill>
-        <p:spPr bwMode="auto">
-          <a:xfrm>
-            <a:off x="7956376" y="267494"/>
-            <a:ext cx="648072" cy="658573"/>
-          </a:xfrm>
-          <a:prstGeom prst="rect">
-            <a:avLst/>
-          </a:prstGeom>
-          <a:noFill/>
-        </p:spPr>
-      </p:pic>
-      <p:sp>
-        <p:nvSpPr>
-          <p:cNvPr id="62" name="TextBox 61"/>
-          <p:cNvSpPr txBox="1"/>
-          <p:nvPr/>
-        </p:nvSpPr>
-        <p:spPr>
-          <a:xfrm>
-            <a:off x="1835696" y="1563638"/>
-            <a:ext cx="6912768" cy="2400657"/>
-          </a:xfrm>
-          <a:prstGeom prst="rect">
-            <a:avLst/>
-          </a:prstGeom>
-          <a:noFill/>
-        </p:spPr>
-        <p:txBody>
-          <a:bodyPr wrap="square" rtlCol="0">
-            <a:spAutoFit/>
-          </a:bodyPr>
-          <a:lstStyle/>
-          <a:p>
-            <a:pPr marL="514350" indent="-514350">
-              <a:buAutoNum type="arabicPeriod"/>
-            </a:pPr>
-            <a:r>
-              <a:rPr lang="ko-KR" altLang="en-US" sz="3000" b="1" dirty="0" smtClean="0">
-                <a:solidFill>
-                  <a:schemeClr val="accent6">
-                    <a:lumMod val="50000"/>
-                  </a:schemeClr>
-                </a:solidFill>
-                <a:cs typeface="Arial" pitchFamily="34" charset="0"/>
-              </a:rPr>
-              <a:t>페이지를 정적이 아닌 동적으로 변환</a:t>
-            </a:r>
-            <a:endParaRPr lang="en-US" altLang="ko-KR" sz="3000" b="1" dirty="0" smtClean="0">
-              <a:solidFill>
-                <a:schemeClr val="accent6">
-                  <a:lumMod val="50000"/>
-                </a:schemeClr>
-              </a:solidFill>
-              <a:cs typeface="Arial" pitchFamily="34" charset="0"/>
-            </a:endParaRPr>
-          </a:p>
-          <a:p>
-            <a:pPr marL="514350" indent="-514350">
-              <a:buAutoNum type="arabicPeriod"/>
-            </a:pPr>
-            <a:endParaRPr lang="en-US" altLang="ko-KR" sz="3000" b="1" dirty="0" smtClean="0">
-              <a:solidFill>
-                <a:schemeClr val="accent6">
-                  <a:lumMod val="50000"/>
-                </a:schemeClr>
-              </a:solidFill>
-              <a:cs typeface="Arial" pitchFamily="34" charset="0"/>
-            </a:endParaRPr>
-          </a:p>
-          <a:p>
-            <a:pPr marL="514350" indent="-514350">
-              <a:buAutoNum type="arabicPeriod"/>
-            </a:pPr>
-            <a:r>
-              <a:rPr lang="ko-KR" altLang="en-US" sz="3000" b="1" dirty="0" smtClean="0">
-                <a:solidFill>
-                  <a:schemeClr val="accent6">
-                    <a:lumMod val="50000"/>
-                  </a:schemeClr>
-                </a:solidFill>
-                <a:cs typeface="Arial" pitchFamily="34" charset="0"/>
-              </a:rPr>
-              <a:t>작성한 글을 수정할 수 있도록 설정</a:t>
-            </a:r>
-            <a:endParaRPr lang="en-US" altLang="ko-KR" sz="3000" b="1" dirty="0" smtClean="0">
-              <a:solidFill>
-                <a:schemeClr val="accent6">
-                  <a:lumMod val="50000"/>
-                </a:schemeClr>
-              </a:solidFill>
-              <a:cs typeface="Arial" pitchFamily="34" charset="0"/>
-            </a:endParaRPr>
-          </a:p>
-          <a:p>
-            <a:pPr marL="514350" indent="-514350">
-              <a:buAutoNum type="arabicPeriod"/>
-            </a:pPr>
-            <a:endParaRPr lang="en-US" altLang="ko-KR" sz="3000" b="1" dirty="0" smtClean="0">
-              <a:solidFill>
-                <a:schemeClr val="accent6">
-                  <a:lumMod val="50000"/>
-                </a:schemeClr>
-              </a:solidFill>
-              <a:cs typeface="Arial" pitchFamily="34" charset="0"/>
-            </a:endParaRPr>
-          </a:p>
-          <a:p>
-            <a:pPr marL="514350" indent="-514350">
-              <a:buAutoNum type="arabicPeriod"/>
-            </a:pPr>
-            <a:r>
-              <a:rPr lang="ko-KR" altLang="en-US" sz="3000" b="1" dirty="0" smtClean="0">
-                <a:solidFill>
-                  <a:schemeClr val="accent6">
-                    <a:lumMod val="50000"/>
-                  </a:schemeClr>
-                </a:solidFill>
-                <a:cs typeface="Arial" pitchFamily="34" charset="0"/>
-              </a:rPr>
-              <a:t>코드 개선</a:t>
-            </a:r>
-            <a:r>
-              <a:rPr lang="en-US" altLang="ko-KR" sz="3000" b="1" dirty="0" smtClean="0">
-                <a:solidFill>
-                  <a:schemeClr val="accent6">
-                    <a:lumMod val="50000"/>
-                  </a:schemeClr>
-                </a:solidFill>
-                <a:cs typeface="Arial" pitchFamily="34" charset="0"/>
-              </a:rPr>
-              <a:t>[SQL , Style, Python]</a:t>
-            </a:r>
-            <a:r>
-              <a:rPr lang="ko-KR" altLang="en-US" sz="3000" b="1" dirty="0" smtClean="0">
-                <a:solidFill>
-                  <a:schemeClr val="accent6">
-                    <a:lumMod val="50000"/>
-                  </a:schemeClr>
-                </a:solidFill>
-                <a:cs typeface="Arial" pitchFamily="34" charset="0"/>
-              </a:rPr>
-              <a:t> </a:t>
-            </a:r>
-            <a:endParaRPr lang="en-US" altLang="ko-KR" sz="3000" b="1" dirty="0" smtClean="0">
-              <a:solidFill>
-                <a:schemeClr val="accent6">
-                  <a:lumMod val="50000"/>
-                </a:schemeClr>
-              </a:solidFill>
-              <a:cs typeface="Arial" pitchFamily="34" charset="0"/>
-            </a:endParaRPr>
-          </a:p>
-        </p:txBody>
-      </p:sp>
-    </p:spTree>
-    <p:extLst>
-      <p:ext uri="{BB962C8B-B14F-4D97-AF65-F5344CB8AC3E}">
-        <p14:creationId xmlns:p14="http://schemas.microsoft.com/office/powerpoint/2010/main" xmlns="" val="1079078949"/>
-      </p:ext>
-    </p:extLst>
-  </p:cSld>
-  <p:clrMapOvr>
-    <a:masterClrMapping/>
-  </p:clrMapOvr>
-  <p:transition/>
-  <p:timing>
-    <p:tnLst>
-      <p:par>
-        <p:cTn id="1" dur="indefinite" restart="never" nodeType="tmRoot"/>
-      </p:par>
-    </p:tnLst>
-  </p:timing>
-</p:sld>
-</file>
-
-<file path=ppt/slides/slide2.xml><?xml version="1.0" encoding="utf-8"?>
-<p:sld xmlns:a="http://schemas.openxmlformats.org/drawingml/2006/main" xmlns:r="http://schemas.openxmlformats.org/officeDocument/2006/relationships" xmlns:p="http://schemas.openxmlformats.org/presentationml/2006/main">
-  <p:cSld>
-    <p:spTree>
-      <p:nvGrpSpPr>
-        <p:cNvPr id="1" name=""/>
-        <p:cNvGrpSpPr/>
-        <p:nvPr/>
-      </p:nvGrpSpPr>
-      <p:grpSpPr>
-        <a:xfrm>
-          <a:off x="0" y="0"/>
-          <a:ext cx="0" cy="0"/>
-          <a:chOff x="0" y="0"/>
-          <a:chExt cx="0" cy="0"/>
-        </a:xfrm>
-      </p:grpSpPr>
-      <p:sp>
-        <p:nvSpPr>
-          <p:cNvPr id="23" name="Right Arrow 8"/>
-          <p:cNvSpPr/>
-          <p:nvPr/>
-        </p:nvSpPr>
-        <p:spPr>
-          <a:xfrm rot="1060536" flipH="1">
-            <a:off x="5852137" y="4484996"/>
-            <a:ext cx="1383499" cy="1058306"/>
-          </a:xfrm>
-          <a:prstGeom prst="rightArrow">
-            <a:avLst/>
-          </a:prstGeom>
-          <a:solidFill>
-            <a:schemeClr val="bg1"/>
-          </a:solidFill>
-          <a:ln>
-            <a:noFill/>
-          </a:ln>
-        </p:spPr>
-        <p:style>
-          <a:lnRef idx="2">
-            <a:schemeClr val="accent1">
-              <a:shade val="50000"/>
-            </a:schemeClr>
-          </a:lnRef>
-          <a:fillRef idx="1">
-            <a:schemeClr val="accent1"/>
-          </a:fillRef>
-          <a:effectRef idx="0">
-            <a:schemeClr val="accent1"/>
-          </a:effectRef>
-          <a:fontRef idx="minor">
-            <a:schemeClr val="lt1"/>
-          </a:fontRef>
-        </p:style>
-        <p:txBody>
-          <a:bodyPr rtlCol="0" anchor="ctr"/>
-          <a:lstStyle/>
-          <a:p>
-            <a:pPr algn="ctr"/>
-            <a:endParaRPr lang="ko-KR" altLang="en-US"/>
-          </a:p>
-        </p:txBody>
-      </p:sp>
-      <p:sp>
-        <p:nvSpPr>
-          <p:cNvPr id="3" name="Title 2"/>
-          <p:cNvSpPr txBox="1">
-            <a:spLocks/>
-          </p:cNvSpPr>
-          <p:nvPr/>
-        </p:nvSpPr>
-        <p:spPr>
-          <a:xfrm>
-            <a:off x="395536" y="536274"/>
-            <a:ext cx="2160240" cy="1171380"/>
-          </a:xfrm>
-          <a:prstGeom prst="rect">
-            <a:avLst/>
-          </a:prstGeom>
-        </p:spPr>
-        <p:txBody>
-          <a:bodyPr anchor="ctr"/>
-          <a:lstStyle>
-            <a:lvl1pPr algn="ctr" defTabSz="914400" rtl="0" eaLnBrk="1" latinLnBrk="1" hangingPunct="1">
-              <a:spcBef>
-                <a:spcPct val="0"/>
-              </a:spcBef>
-              <a:buNone/>
-              <a:defRPr sz="4400" kern="1200">
-                <a:solidFill>
-                  <a:schemeClr val="tx1"/>
-                </a:solidFill>
-                <a:latin typeface="+mj-lt"/>
-                <a:ea typeface="+mj-ea"/>
-                <a:cs typeface="+mj-cs"/>
-              </a:defRPr>
-            </a:lvl1pPr>
-          </a:lstStyle>
-          <a:p>
-            <a:pPr algn="l"/>
-            <a:r>
-              <a:rPr lang="ko-KR" altLang="en-US" sz="3600" b="1" dirty="0" smtClean="0">
-                <a:solidFill>
-                  <a:schemeClr val="accent6">
-                    <a:lumMod val="50000"/>
-                  </a:schemeClr>
-                </a:solidFill>
-                <a:cs typeface="Arial" pitchFamily="34" charset="0"/>
-              </a:rPr>
-              <a:t>작품 소개</a:t>
-            </a:r>
-            <a:endParaRPr lang="en-US" sz="3600" b="1" dirty="0">
-              <a:solidFill>
-                <a:schemeClr val="accent6">
-                  <a:lumMod val="50000"/>
-                </a:schemeClr>
-              </a:solidFill>
-              <a:cs typeface="Arial" pitchFamily="34" charset="0"/>
-            </a:endParaRPr>
-          </a:p>
-        </p:txBody>
-      </p:sp>
-      <p:sp>
-        <p:nvSpPr>
-          <p:cNvPr id="2" name="Rectangle 1"/>
-          <p:cNvSpPr/>
-          <p:nvPr/>
-        </p:nvSpPr>
-        <p:spPr>
-          <a:xfrm>
-            <a:off x="7236296" y="0"/>
-            <a:ext cx="1907704" cy="5143500"/>
-          </a:xfrm>
-          <a:prstGeom prst="rect">
-            <a:avLst/>
-          </a:prstGeom>
-          <a:solidFill>
-            <a:schemeClr val="bg1"/>
-          </a:solidFill>
-          <a:ln>
-            <a:noFill/>
-          </a:ln>
-        </p:spPr>
-        <p:style>
-          <a:lnRef idx="2">
-            <a:schemeClr val="accent1">
-              <a:shade val="50000"/>
-            </a:schemeClr>
-          </a:lnRef>
-          <a:fillRef idx="1">
-            <a:schemeClr val="accent1"/>
-          </a:fillRef>
-          <a:effectRef idx="0">
-            <a:schemeClr val="accent1"/>
-          </a:effectRef>
-          <a:fontRef idx="minor">
-            <a:schemeClr val="lt1"/>
-          </a:fontRef>
-        </p:style>
-        <p:txBody>
-          <a:bodyPr rtlCol="0" anchor="ctr"/>
-          <a:lstStyle/>
-          <a:p>
-            <a:pPr algn="ctr"/>
-            <a:endParaRPr lang="ko-KR" altLang="en-US"/>
-          </a:p>
-        </p:txBody>
-      </p:sp>
-      <p:sp>
-        <p:nvSpPr>
-          <p:cNvPr id="4" name="Right Arrow 3"/>
-          <p:cNvSpPr/>
-          <p:nvPr/>
-        </p:nvSpPr>
-        <p:spPr>
-          <a:xfrm rot="20539464">
-            <a:off x="7124472" y="733085"/>
-            <a:ext cx="1334134" cy="1058306"/>
-          </a:xfrm>
-          <a:custGeom>
-            <a:avLst/>
-            <a:gdLst/>
-            <a:ahLst/>
-            <a:cxnLst/>
-            <a:rect l="l" t="t" r="r" b="b"/>
-            <a:pathLst>
-              <a:path w="1334134" h="1058306">
-                <a:moveTo>
-                  <a:pt x="804981" y="0"/>
-                </a:moveTo>
-                <a:lnTo>
-                  <a:pt x="1334134" y="529153"/>
-                </a:lnTo>
-                <a:lnTo>
-                  <a:pt x="804981" y="1058306"/>
-                </a:lnTo>
-                <a:lnTo>
-                  <a:pt x="804981" y="793730"/>
-                </a:lnTo>
-                <a:lnTo>
-                  <a:pt x="0" y="793730"/>
-                </a:lnTo>
-                <a:lnTo>
-                  <a:pt x="168626" y="264577"/>
-                </a:lnTo>
-                <a:lnTo>
-                  <a:pt x="804981" y="264577"/>
-                </a:lnTo>
-                <a:close/>
-              </a:path>
-            </a:pathLst>
-          </a:custGeom>
-          <a:solidFill>
-            <a:schemeClr val="accent2"/>
-          </a:solidFill>
-          <a:ln>
-            <a:noFill/>
-          </a:ln>
-        </p:spPr>
-        <p:style>
-          <a:lnRef idx="2">
-            <a:schemeClr val="accent1">
-              <a:shade val="50000"/>
-            </a:schemeClr>
-          </a:lnRef>
-          <a:fillRef idx="1">
-            <a:schemeClr val="accent1"/>
-          </a:fillRef>
-          <a:effectRef idx="0">
-            <a:schemeClr val="accent1"/>
-          </a:effectRef>
-          <a:fontRef idx="minor">
-            <a:schemeClr val="lt1"/>
-          </a:fontRef>
-        </p:style>
-        <p:txBody>
-          <a:bodyPr rtlCol="0" anchor="ctr"/>
-          <a:lstStyle/>
-          <a:p>
-            <a:pPr algn="ctr"/>
-            <a:endParaRPr lang="ko-KR" altLang="en-US"/>
-          </a:p>
-        </p:txBody>
-      </p:sp>
-      <p:sp>
-        <p:nvSpPr>
-          <p:cNvPr id="5" name="Right Arrow 4"/>
-          <p:cNvSpPr/>
-          <p:nvPr/>
-        </p:nvSpPr>
-        <p:spPr>
-          <a:xfrm rot="20539464">
-            <a:off x="7124472" y="1813205"/>
-            <a:ext cx="1334134" cy="1058306"/>
-          </a:xfrm>
-          <a:custGeom>
-            <a:avLst/>
-            <a:gdLst/>
-            <a:ahLst/>
-            <a:cxnLst/>
-            <a:rect l="l" t="t" r="r" b="b"/>
-            <a:pathLst>
-              <a:path w="1334134" h="1058306">
-                <a:moveTo>
-                  <a:pt x="804981" y="0"/>
-                </a:moveTo>
-                <a:lnTo>
-                  <a:pt x="1334134" y="529153"/>
-                </a:lnTo>
-                <a:lnTo>
-                  <a:pt x="804981" y="1058306"/>
-                </a:lnTo>
-                <a:lnTo>
-                  <a:pt x="804981" y="793730"/>
-                </a:lnTo>
-                <a:lnTo>
-                  <a:pt x="0" y="793730"/>
-                </a:lnTo>
-                <a:lnTo>
-                  <a:pt x="168626" y="264577"/>
-                </a:lnTo>
-                <a:lnTo>
-                  <a:pt x="804981" y="264577"/>
-                </a:lnTo>
-                <a:close/>
-              </a:path>
-            </a:pathLst>
-          </a:custGeom>
-          <a:solidFill>
-            <a:schemeClr val="accent2"/>
-          </a:solidFill>
-          <a:ln>
-            <a:noFill/>
-          </a:ln>
-        </p:spPr>
-        <p:style>
-          <a:lnRef idx="2">
-            <a:schemeClr val="accent1">
-              <a:shade val="50000"/>
-            </a:schemeClr>
-          </a:lnRef>
-          <a:fillRef idx="1">
-            <a:schemeClr val="accent1"/>
-          </a:fillRef>
-          <a:effectRef idx="0">
-            <a:schemeClr val="accent1"/>
-          </a:effectRef>
-          <a:fontRef idx="minor">
-            <a:schemeClr val="lt1"/>
-          </a:fontRef>
-        </p:style>
-        <p:txBody>
-          <a:bodyPr rtlCol="0" anchor="ctr"/>
-          <a:lstStyle/>
-          <a:p>
-            <a:pPr algn="ctr"/>
-            <a:endParaRPr lang="ko-KR" altLang="en-US"/>
-          </a:p>
-        </p:txBody>
-      </p:sp>
-      <p:sp>
-        <p:nvSpPr>
-          <p:cNvPr id="6" name="Right Arrow 5"/>
-          <p:cNvSpPr/>
-          <p:nvPr/>
-        </p:nvSpPr>
-        <p:spPr>
-          <a:xfrm rot="20539464">
-            <a:off x="7124472" y="2893325"/>
-            <a:ext cx="1334134" cy="1058306"/>
-          </a:xfrm>
-          <a:custGeom>
-            <a:avLst/>
-            <a:gdLst/>
-            <a:ahLst/>
-            <a:cxnLst/>
-            <a:rect l="l" t="t" r="r" b="b"/>
-            <a:pathLst>
-              <a:path w="1334134" h="1058306">
-                <a:moveTo>
-                  <a:pt x="804981" y="0"/>
-                </a:moveTo>
-                <a:lnTo>
-                  <a:pt x="1334134" y="529153"/>
-                </a:lnTo>
-                <a:lnTo>
-                  <a:pt x="804981" y="1058306"/>
-                </a:lnTo>
-                <a:lnTo>
-                  <a:pt x="804981" y="793730"/>
-                </a:lnTo>
-                <a:lnTo>
-                  <a:pt x="0" y="793730"/>
-                </a:lnTo>
-                <a:lnTo>
-                  <a:pt x="168626" y="264577"/>
-                </a:lnTo>
-                <a:lnTo>
-                  <a:pt x="804981" y="264577"/>
-                </a:lnTo>
-                <a:close/>
-              </a:path>
-            </a:pathLst>
-          </a:custGeom>
-          <a:solidFill>
-            <a:schemeClr val="accent2"/>
-          </a:solidFill>
-          <a:ln>
-            <a:noFill/>
-          </a:ln>
-        </p:spPr>
-        <p:style>
-          <a:lnRef idx="2">
-            <a:schemeClr val="accent1">
-              <a:shade val="50000"/>
-            </a:schemeClr>
-          </a:lnRef>
-          <a:fillRef idx="1">
-            <a:schemeClr val="accent1"/>
-          </a:fillRef>
-          <a:effectRef idx="0">
-            <a:schemeClr val="accent1"/>
-          </a:effectRef>
-          <a:fontRef idx="minor">
-            <a:schemeClr val="lt1"/>
-          </a:fontRef>
-        </p:style>
-        <p:txBody>
-          <a:bodyPr rtlCol="0" anchor="ctr"/>
-          <a:lstStyle/>
-          <a:p>
-            <a:pPr algn="ctr"/>
-            <a:endParaRPr lang="ko-KR" altLang="en-US"/>
-          </a:p>
-        </p:txBody>
-      </p:sp>
-      <p:sp>
-        <p:nvSpPr>
-          <p:cNvPr id="7" name="Right Arrow 6"/>
-          <p:cNvSpPr/>
-          <p:nvPr/>
-        </p:nvSpPr>
-        <p:spPr>
-          <a:xfrm rot="1060536" flipH="1">
-            <a:off x="5964349" y="1244636"/>
-            <a:ext cx="1383499" cy="1058306"/>
-          </a:xfrm>
-          <a:prstGeom prst="rightArrow">
-            <a:avLst/>
-          </a:prstGeom>
-          <a:solidFill>
-            <a:schemeClr val="bg1"/>
-          </a:solidFill>
-          <a:ln>
-            <a:noFill/>
-          </a:ln>
-        </p:spPr>
-        <p:style>
-          <a:lnRef idx="2">
-            <a:schemeClr val="accent1">
-              <a:shade val="50000"/>
-            </a:schemeClr>
-          </a:lnRef>
-          <a:fillRef idx="1">
-            <a:schemeClr val="accent1"/>
-          </a:fillRef>
-          <a:effectRef idx="0">
-            <a:schemeClr val="accent1"/>
-          </a:effectRef>
-          <a:fontRef idx="minor">
-            <a:schemeClr val="lt1"/>
-          </a:fontRef>
-        </p:style>
-        <p:txBody>
-          <a:bodyPr rtlCol="0" anchor="ctr"/>
-          <a:lstStyle/>
-          <a:p>
-            <a:pPr algn="ctr"/>
-            <a:endParaRPr lang="ko-KR" altLang="en-US"/>
-          </a:p>
-        </p:txBody>
-      </p:sp>
-      <p:sp>
-        <p:nvSpPr>
-          <p:cNvPr id="8" name="Right Arrow 7"/>
-          <p:cNvSpPr/>
-          <p:nvPr/>
-        </p:nvSpPr>
-        <p:spPr>
-          <a:xfrm rot="1060536" flipH="1">
-            <a:off x="5964349" y="2324756"/>
-            <a:ext cx="1383499" cy="1058306"/>
-          </a:xfrm>
-          <a:prstGeom prst="rightArrow">
-            <a:avLst/>
-          </a:prstGeom>
-          <a:solidFill>
-            <a:schemeClr val="bg1"/>
-          </a:solidFill>
-          <a:ln>
-            <a:noFill/>
-          </a:ln>
-        </p:spPr>
-        <p:style>
-          <a:lnRef idx="2">
-            <a:schemeClr val="accent1">
-              <a:shade val="50000"/>
-            </a:schemeClr>
-          </a:lnRef>
-          <a:fillRef idx="1">
-            <a:schemeClr val="accent1"/>
-          </a:fillRef>
-          <a:effectRef idx="0">
-            <a:schemeClr val="accent1"/>
-          </a:effectRef>
-          <a:fontRef idx="minor">
-            <a:schemeClr val="lt1"/>
-          </a:fontRef>
-        </p:style>
-        <p:txBody>
-          <a:bodyPr rtlCol="0" anchor="ctr"/>
-          <a:lstStyle/>
-          <a:p>
-            <a:pPr algn="ctr"/>
-            <a:endParaRPr lang="ko-KR" altLang="en-US"/>
-          </a:p>
-        </p:txBody>
-      </p:sp>
-      <p:sp>
-        <p:nvSpPr>
-          <p:cNvPr id="9" name="Right Arrow 8"/>
-          <p:cNvSpPr/>
-          <p:nvPr/>
-        </p:nvSpPr>
-        <p:spPr>
-          <a:xfrm rot="1060536" flipH="1">
-            <a:off x="5940812" y="3404876"/>
-            <a:ext cx="1383499" cy="1058306"/>
-          </a:xfrm>
-          <a:prstGeom prst="rightArrow">
-            <a:avLst/>
-          </a:prstGeom>
-          <a:solidFill>
-            <a:schemeClr val="bg1"/>
-          </a:solidFill>
-          <a:ln>
-            <a:noFill/>
-          </a:ln>
-        </p:spPr>
-        <p:style>
-          <a:lnRef idx="2">
-            <a:schemeClr val="accent1">
-              <a:shade val="50000"/>
-            </a:schemeClr>
-          </a:lnRef>
-          <a:fillRef idx="1">
-            <a:schemeClr val="accent1"/>
-          </a:fillRef>
-          <a:effectRef idx="0">
-            <a:schemeClr val="accent1"/>
-          </a:effectRef>
-          <a:fontRef idx="minor">
-            <a:schemeClr val="lt1"/>
-          </a:fontRef>
-        </p:style>
-        <p:txBody>
-          <a:bodyPr rtlCol="0" anchor="ctr"/>
-          <a:lstStyle/>
-          <a:p>
-            <a:pPr algn="ctr"/>
-            <a:endParaRPr lang="ko-KR" altLang="en-US"/>
-          </a:p>
-        </p:txBody>
-      </p:sp>
-      <p:sp>
-        <p:nvSpPr>
-          <p:cNvPr id="13" name="Right Arrow 12"/>
-          <p:cNvSpPr/>
-          <p:nvPr/>
-        </p:nvSpPr>
-        <p:spPr>
-          <a:xfrm rot="1060536" flipH="1">
-            <a:off x="5964349" y="164516"/>
-            <a:ext cx="1383499" cy="1058306"/>
-          </a:xfrm>
-          <a:prstGeom prst="rightArrow">
-            <a:avLst/>
-          </a:prstGeom>
-          <a:solidFill>
-            <a:schemeClr val="bg1"/>
-          </a:solidFill>
-          <a:ln>
-            <a:noFill/>
-          </a:ln>
-        </p:spPr>
-        <p:style>
-          <a:lnRef idx="2">
-            <a:schemeClr val="accent1">
-              <a:shade val="50000"/>
-            </a:schemeClr>
-          </a:lnRef>
-          <a:fillRef idx="1">
-            <a:schemeClr val="accent1"/>
-          </a:fillRef>
-          <a:effectRef idx="0">
-            <a:schemeClr val="accent1"/>
-          </a:effectRef>
-          <a:fontRef idx="minor">
-            <a:schemeClr val="lt1"/>
-          </a:fontRef>
-        </p:style>
-        <p:txBody>
-          <a:bodyPr rtlCol="0" anchor="ctr"/>
-          <a:lstStyle/>
-          <a:p>
-            <a:pPr algn="ctr"/>
-            <a:endParaRPr lang="ko-KR" altLang="en-US"/>
-          </a:p>
-        </p:txBody>
-      </p:sp>
-      <p:sp>
-        <p:nvSpPr>
-          <p:cNvPr id="14" name="Right Arrow 5"/>
-          <p:cNvSpPr/>
-          <p:nvPr/>
-        </p:nvSpPr>
-        <p:spPr>
-          <a:xfrm rot="20539464">
-            <a:off x="7117193" y="3973445"/>
-            <a:ext cx="1334134" cy="1058306"/>
-          </a:xfrm>
-          <a:custGeom>
-            <a:avLst/>
-            <a:gdLst/>
-            <a:ahLst/>
-            <a:cxnLst/>
-            <a:rect l="l" t="t" r="r" b="b"/>
-            <a:pathLst>
-              <a:path w="1334134" h="1058306">
-                <a:moveTo>
-                  <a:pt x="804981" y="0"/>
-                </a:moveTo>
-                <a:lnTo>
-                  <a:pt x="1334134" y="529153"/>
-                </a:lnTo>
-                <a:lnTo>
-                  <a:pt x="804981" y="1058306"/>
-                </a:lnTo>
-                <a:lnTo>
-                  <a:pt x="804981" y="793730"/>
-                </a:lnTo>
-                <a:lnTo>
-                  <a:pt x="0" y="793730"/>
-                </a:lnTo>
-                <a:lnTo>
-                  <a:pt x="168626" y="264577"/>
-                </a:lnTo>
-                <a:lnTo>
-                  <a:pt x="804981" y="264577"/>
-                </a:lnTo>
-                <a:close/>
-              </a:path>
-            </a:pathLst>
-          </a:custGeom>
-          <a:solidFill>
-            <a:schemeClr val="accent2"/>
-          </a:solidFill>
-          <a:ln>
-            <a:noFill/>
-          </a:ln>
-        </p:spPr>
-        <p:style>
-          <a:lnRef idx="2">
-            <a:schemeClr val="accent1">
-              <a:shade val="50000"/>
-            </a:schemeClr>
-          </a:lnRef>
-          <a:fillRef idx="1">
-            <a:schemeClr val="accent1"/>
-          </a:fillRef>
-          <a:effectRef idx="0">
-            <a:schemeClr val="accent1"/>
-          </a:effectRef>
-          <a:fontRef idx="minor">
-            <a:schemeClr val="lt1"/>
-          </a:fontRef>
-        </p:style>
-        <p:txBody>
-          <a:bodyPr rtlCol="0" anchor="ctr"/>
-          <a:lstStyle/>
-          <a:p>
-            <a:pPr algn="ctr"/>
-            <a:endParaRPr lang="ko-KR" altLang="en-US"/>
-          </a:p>
-        </p:txBody>
-      </p:sp>
-      <p:sp>
-        <p:nvSpPr>
-          <p:cNvPr id="15" name="Right Arrow 3"/>
-          <p:cNvSpPr/>
-          <p:nvPr/>
-        </p:nvSpPr>
-        <p:spPr>
-          <a:xfrm rot="20539464">
-            <a:off x="7157361" y="-133975"/>
-            <a:ext cx="1334133" cy="793729"/>
-          </a:xfrm>
-          <a:custGeom>
-            <a:avLst/>
-            <a:gdLst/>
-            <a:ahLst/>
-            <a:cxnLst/>
-            <a:rect l="l" t="t" r="r" b="b"/>
-            <a:pathLst>
-              <a:path w="1334133" h="793729">
-                <a:moveTo>
-                  <a:pt x="788394" y="0"/>
-                </a:moveTo>
-                <a:lnTo>
-                  <a:pt x="1201063" y="131506"/>
-                </a:lnTo>
-                <a:lnTo>
-                  <a:pt x="1334133" y="264576"/>
-                </a:lnTo>
-                <a:lnTo>
-                  <a:pt x="804981" y="793729"/>
-                </a:lnTo>
-                <a:lnTo>
-                  <a:pt x="804981" y="529153"/>
-                </a:lnTo>
-                <a:lnTo>
-                  <a:pt x="0" y="529153"/>
-                </a:lnTo>
-                <a:lnTo>
-                  <a:pt x="168626" y="0"/>
-                </a:lnTo>
-                <a:close/>
-              </a:path>
-            </a:pathLst>
-          </a:custGeom>
-          <a:solidFill>
-            <a:schemeClr val="accent2"/>
-          </a:solidFill>
-          <a:ln>
-            <a:noFill/>
-          </a:ln>
-        </p:spPr>
-        <p:style>
-          <a:lnRef idx="2">
-            <a:schemeClr val="accent1">
-              <a:shade val="50000"/>
-            </a:schemeClr>
-          </a:lnRef>
-          <a:fillRef idx="1">
-            <a:schemeClr val="accent1"/>
-          </a:fillRef>
-          <a:effectRef idx="0">
-            <a:schemeClr val="accent1"/>
-          </a:effectRef>
-          <a:fontRef idx="minor">
-            <a:schemeClr val="lt1"/>
-          </a:fontRef>
-        </p:style>
-        <p:txBody>
-          <a:bodyPr rtlCol="0" anchor="ctr"/>
-          <a:lstStyle/>
-          <a:p>
-            <a:pPr algn="ctr"/>
-            <a:endParaRPr lang="ko-KR" altLang="en-US"/>
-          </a:p>
-        </p:txBody>
-      </p:sp>
-      <p:sp>
-        <p:nvSpPr>
-          <p:cNvPr id="19" name="TextBox 18"/>
-          <p:cNvSpPr txBox="1"/>
-          <p:nvPr/>
-        </p:nvSpPr>
-        <p:spPr>
-          <a:xfrm>
-            <a:off x="6137614" y="378555"/>
-            <a:ext cx="554143" cy="461665"/>
-          </a:xfrm>
-          <a:prstGeom prst="rect">
-            <a:avLst/>
-          </a:prstGeom>
-          <a:noFill/>
-        </p:spPr>
-        <p:txBody>
-          <a:bodyPr wrap="square" rtlCol="0">
-            <a:spAutoFit/>
-          </a:bodyPr>
-          <a:lstStyle/>
-          <a:p>
-            <a:pPr algn="ctr"/>
-            <a:r>
-              <a:rPr lang="en-US" altLang="ko-KR" sz="2400" b="1" dirty="0">
-                <a:solidFill>
-                  <a:schemeClr val="accent2"/>
-                </a:solidFill>
-                <a:cs typeface="Arial" pitchFamily="34" charset="0"/>
-              </a:rPr>
-              <a:t>01</a:t>
-            </a:r>
-            <a:endParaRPr lang="ko-KR" altLang="en-US" sz="2400" b="1" dirty="0">
-              <a:solidFill>
-                <a:schemeClr val="accent2"/>
-              </a:solidFill>
-              <a:cs typeface="Arial" pitchFamily="34" charset="0"/>
-            </a:endParaRPr>
-          </a:p>
-        </p:txBody>
-      </p:sp>
-      <p:sp>
-        <p:nvSpPr>
-          <p:cNvPr id="20" name="TextBox 19"/>
-          <p:cNvSpPr txBox="1"/>
-          <p:nvPr/>
-        </p:nvSpPr>
-        <p:spPr>
-          <a:xfrm>
-            <a:off x="6106089" y="1462013"/>
-            <a:ext cx="554143" cy="461665"/>
-          </a:xfrm>
-          <a:prstGeom prst="rect">
-            <a:avLst/>
-          </a:prstGeom>
-          <a:noFill/>
-        </p:spPr>
-        <p:txBody>
-          <a:bodyPr wrap="square" rtlCol="0">
-            <a:spAutoFit/>
-          </a:bodyPr>
-          <a:lstStyle/>
-          <a:p>
-            <a:pPr algn="ctr"/>
-            <a:r>
-              <a:rPr lang="en-US" altLang="ko-KR" sz="2400" b="1" dirty="0">
-                <a:solidFill>
-                  <a:schemeClr val="accent2"/>
-                </a:solidFill>
-                <a:cs typeface="Arial" pitchFamily="34" charset="0"/>
-              </a:rPr>
-              <a:t>02</a:t>
-            </a:r>
-            <a:endParaRPr lang="ko-KR" altLang="en-US" sz="2400" b="1" dirty="0">
-              <a:solidFill>
-                <a:schemeClr val="accent2"/>
-              </a:solidFill>
-              <a:cs typeface="Arial" pitchFamily="34" charset="0"/>
-            </a:endParaRPr>
-          </a:p>
-        </p:txBody>
-      </p:sp>
-      <p:sp>
-        <p:nvSpPr>
-          <p:cNvPr id="21" name="TextBox 20"/>
-          <p:cNvSpPr txBox="1"/>
-          <p:nvPr/>
-        </p:nvSpPr>
-        <p:spPr>
-          <a:xfrm>
-            <a:off x="6137614" y="2560901"/>
-            <a:ext cx="554143" cy="461665"/>
-          </a:xfrm>
-          <a:prstGeom prst="rect">
-            <a:avLst/>
-          </a:prstGeom>
-          <a:noFill/>
-        </p:spPr>
-        <p:txBody>
-          <a:bodyPr wrap="square" rtlCol="0">
-            <a:spAutoFit/>
-          </a:bodyPr>
-          <a:lstStyle/>
-          <a:p>
-            <a:pPr algn="ctr"/>
-            <a:r>
-              <a:rPr lang="en-US" altLang="ko-KR" sz="2400" b="1" dirty="0">
-                <a:solidFill>
-                  <a:schemeClr val="accent2"/>
-                </a:solidFill>
-                <a:cs typeface="Arial" pitchFamily="34" charset="0"/>
-              </a:rPr>
-              <a:t>03</a:t>
-            </a:r>
-            <a:endParaRPr lang="ko-KR" altLang="en-US" sz="2400" b="1" dirty="0">
-              <a:solidFill>
-                <a:schemeClr val="accent2"/>
-              </a:solidFill>
-              <a:cs typeface="Arial" pitchFamily="34" charset="0"/>
-            </a:endParaRPr>
-          </a:p>
-        </p:txBody>
-      </p:sp>
-      <p:sp>
-        <p:nvSpPr>
-          <p:cNvPr id="22" name="TextBox 21"/>
-          <p:cNvSpPr txBox="1"/>
-          <p:nvPr/>
-        </p:nvSpPr>
-        <p:spPr>
-          <a:xfrm>
-            <a:off x="6012160" y="4681835"/>
-            <a:ext cx="554143" cy="461665"/>
-          </a:xfrm>
-          <a:prstGeom prst="rect">
-            <a:avLst/>
-          </a:prstGeom>
-          <a:noFill/>
-        </p:spPr>
-        <p:txBody>
-          <a:bodyPr wrap="square" rtlCol="0">
-            <a:spAutoFit/>
-          </a:bodyPr>
-          <a:lstStyle/>
-          <a:p>
-            <a:pPr algn="ctr"/>
-            <a:r>
-              <a:rPr lang="en-US" altLang="ko-KR" sz="2400" b="1" dirty="0" smtClean="0">
-                <a:solidFill>
-                  <a:schemeClr val="accent2"/>
-                </a:solidFill>
-                <a:cs typeface="Arial" pitchFamily="34" charset="0"/>
-              </a:rPr>
-              <a:t>05</a:t>
-            </a:r>
-            <a:endParaRPr lang="ko-KR" altLang="en-US" sz="2400" b="1" dirty="0">
-              <a:solidFill>
-                <a:schemeClr val="accent2"/>
-              </a:solidFill>
-              <a:cs typeface="Arial" pitchFamily="34" charset="0"/>
-            </a:endParaRPr>
-          </a:p>
-        </p:txBody>
-      </p:sp>
-      <p:sp>
-        <p:nvSpPr>
-          <p:cNvPr id="24" name="TextBox 10"/>
-          <p:cNvSpPr txBox="1"/>
-          <p:nvPr/>
-        </p:nvSpPr>
-        <p:spPr bwMode="auto">
-          <a:xfrm>
-            <a:off x="2555776" y="267494"/>
-            <a:ext cx="3272009" cy="523220"/>
-          </a:xfrm>
-          <a:prstGeom prst="rect">
-            <a:avLst/>
-          </a:prstGeom>
-          <a:noFill/>
-          <a:effectLst/>
-        </p:spPr>
-        <p:txBody>
-          <a:bodyPr wrap="square">
-            <a:spAutoFit/>
-          </a:bodyPr>
-          <a:lstStyle>
-            <a:defPPr>
-              <a:defRPr lang="ko-KR"/>
-            </a:defPPr>
-            <a:lvl1pPr marL="0" algn="l" defTabSz="914400" rtl="0" eaLnBrk="1" latinLnBrk="1" hangingPunct="1">
-              <a:defRPr sz="1800" kern="1200">
-                <a:solidFill>
-                  <a:schemeClr val="tx1"/>
-                </a:solidFill>
-                <a:latin typeface="+mn-lt"/>
-                <a:ea typeface="+mn-ea"/>
-                <a:cs typeface="+mn-cs"/>
-              </a:defRPr>
-            </a:lvl1pPr>
-            <a:lvl2pPr marL="457200" algn="l" defTabSz="914400" rtl="0" eaLnBrk="1" latinLnBrk="1" hangingPunct="1">
-              <a:defRPr sz="1800" kern="1200">
-                <a:solidFill>
-                  <a:schemeClr val="tx1"/>
-                </a:solidFill>
-                <a:latin typeface="+mn-lt"/>
-                <a:ea typeface="+mn-ea"/>
-                <a:cs typeface="+mn-cs"/>
-              </a:defRPr>
-            </a:lvl2pPr>
-            <a:lvl3pPr marL="914400" algn="l" defTabSz="914400" rtl="0" eaLnBrk="1" latinLnBrk="1" hangingPunct="1">
-              <a:defRPr sz="1800" kern="1200">
-                <a:solidFill>
-                  <a:schemeClr val="tx1"/>
-                </a:solidFill>
-                <a:latin typeface="+mn-lt"/>
-                <a:ea typeface="+mn-ea"/>
-                <a:cs typeface="+mn-cs"/>
-              </a:defRPr>
-            </a:lvl3pPr>
-            <a:lvl4pPr marL="1371600" algn="l" defTabSz="914400" rtl="0" eaLnBrk="1" latinLnBrk="1" hangingPunct="1">
-              <a:defRPr sz="1800" kern="1200">
-                <a:solidFill>
-                  <a:schemeClr val="tx1"/>
-                </a:solidFill>
-                <a:latin typeface="+mn-lt"/>
-                <a:ea typeface="+mn-ea"/>
-                <a:cs typeface="+mn-cs"/>
-              </a:defRPr>
-            </a:lvl4pPr>
-            <a:lvl5pPr marL="1828800" algn="l" defTabSz="914400" rtl="0" eaLnBrk="1" latinLnBrk="1" hangingPunct="1">
-              <a:defRPr sz="1800" kern="1200">
-                <a:solidFill>
-                  <a:schemeClr val="tx1"/>
-                </a:solidFill>
-                <a:latin typeface="+mn-lt"/>
-                <a:ea typeface="+mn-ea"/>
-                <a:cs typeface="+mn-cs"/>
-              </a:defRPr>
-            </a:lvl5pPr>
-            <a:lvl6pPr marL="2286000" algn="l" defTabSz="914400" rtl="0" eaLnBrk="1" latinLnBrk="1" hangingPunct="1">
-              <a:defRPr sz="1800" kern="1200">
-                <a:solidFill>
-                  <a:schemeClr val="tx1"/>
-                </a:solidFill>
-                <a:latin typeface="+mn-lt"/>
-                <a:ea typeface="+mn-ea"/>
-                <a:cs typeface="+mn-cs"/>
-              </a:defRPr>
-            </a:lvl6pPr>
-            <a:lvl7pPr marL="2743200" algn="l" defTabSz="914400" rtl="0" eaLnBrk="1" latinLnBrk="1" hangingPunct="1">
-              <a:defRPr sz="1800" kern="1200">
-                <a:solidFill>
-                  <a:schemeClr val="tx1"/>
-                </a:solidFill>
-                <a:latin typeface="+mn-lt"/>
-                <a:ea typeface="+mn-ea"/>
-                <a:cs typeface="+mn-cs"/>
-              </a:defRPr>
-            </a:lvl7pPr>
-            <a:lvl8pPr marL="3200400" algn="l" defTabSz="914400" rtl="0" eaLnBrk="1" latinLnBrk="1" hangingPunct="1">
-              <a:defRPr sz="1800" kern="1200">
-                <a:solidFill>
-                  <a:schemeClr val="tx1"/>
-                </a:solidFill>
-                <a:latin typeface="+mn-lt"/>
-                <a:ea typeface="+mn-ea"/>
-                <a:cs typeface="+mn-cs"/>
-              </a:defRPr>
-            </a:lvl8pPr>
-            <a:lvl9pPr marL="3657600" algn="l" defTabSz="914400" rtl="0" eaLnBrk="1" latinLnBrk="1" hangingPunct="1">
-              <a:defRPr sz="1800" kern="1200">
-                <a:solidFill>
-                  <a:schemeClr val="tx1"/>
-                </a:solidFill>
-                <a:latin typeface="+mn-lt"/>
-                <a:ea typeface="+mn-ea"/>
-                <a:cs typeface="+mn-cs"/>
-              </a:defRPr>
-            </a:lvl9pPr>
-          </a:lstStyle>
-          <a:p>
-            <a:pPr algn="r">
-              <a:defRPr/>
-            </a:pPr>
-            <a:r>
-              <a:rPr lang="ko-KR" altLang="en-US" sz="2800" b="1" dirty="0" smtClean="0">
-                <a:solidFill>
-                  <a:schemeClr val="accent6">
-                    <a:lumMod val="50000"/>
-                  </a:schemeClr>
-                </a:solidFill>
-                <a:cs typeface="Arial" pitchFamily="34" charset="0"/>
-              </a:rPr>
-              <a:t>개발동기</a:t>
-            </a:r>
-            <a:r>
-              <a:rPr lang="en-US" altLang="ko-KR" sz="2800" b="1" dirty="0" smtClean="0">
-                <a:solidFill>
-                  <a:schemeClr val="accent6">
-                    <a:lumMod val="50000"/>
-                  </a:schemeClr>
-                </a:solidFill>
-                <a:cs typeface="Arial" pitchFamily="34" charset="0"/>
-              </a:rPr>
-              <a:t>, </a:t>
-            </a:r>
-            <a:r>
-              <a:rPr lang="ko-KR" altLang="en-US" sz="2800" b="1" dirty="0" smtClean="0">
-                <a:solidFill>
-                  <a:schemeClr val="accent6">
-                    <a:lumMod val="50000"/>
-                  </a:schemeClr>
-                </a:solidFill>
-                <a:cs typeface="Arial" pitchFamily="34" charset="0"/>
-              </a:rPr>
-              <a:t>언어</a:t>
-            </a:r>
-            <a:endParaRPr lang="en-US" altLang="ko-KR" sz="2800" b="1" dirty="0">
-              <a:solidFill>
-                <a:schemeClr val="accent6">
-                  <a:lumMod val="50000"/>
-                </a:schemeClr>
-              </a:solidFill>
-              <a:cs typeface="Arial" pitchFamily="34" charset="0"/>
-            </a:endParaRPr>
-          </a:p>
-        </p:txBody>
-      </p:sp>
-      <p:sp>
-        <p:nvSpPr>
-          <p:cNvPr id="27" name="TextBox 10"/>
-          <p:cNvSpPr txBox="1"/>
-          <p:nvPr/>
-        </p:nvSpPr>
-        <p:spPr bwMode="auto">
-          <a:xfrm>
-            <a:off x="2555776" y="1347614"/>
-            <a:ext cx="3272009" cy="523220"/>
-          </a:xfrm>
-          <a:prstGeom prst="rect">
-            <a:avLst/>
-          </a:prstGeom>
-          <a:noFill/>
-          <a:effectLst/>
-        </p:spPr>
-        <p:txBody>
-          <a:bodyPr wrap="square">
-            <a:spAutoFit/>
-          </a:bodyPr>
-          <a:lstStyle>
-            <a:defPPr>
-              <a:defRPr lang="ko-KR"/>
-            </a:defPPr>
-            <a:lvl1pPr marL="0" algn="l" defTabSz="914400" rtl="0" eaLnBrk="1" latinLnBrk="1" hangingPunct="1">
-              <a:defRPr sz="1800" kern="1200">
-                <a:solidFill>
-                  <a:schemeClr val="tx1"/>
-                </a:solidFill>
-                <a:latin typeface="+mn-lt"/>
-                <a:ea typeface="+mn-ea"/>
-                <a:cs typeface="+mn-cs"/>
-              </a:defRPr>
-            </a:lvl1pPr>
-            <a:lvl2pPr marL="457200" algn="l" defTabSz="914400" rtl="0" eaLnBrk="1" latinLnBrk="1" hangingPunct="1">
-              <a:defRPr sz="1800" kern="1200">
-                <a:solidFill>
-                  <a:schemeClr val="tx1"/>
-                </a:solidFill>
-                <a:latin typeface="+mn-lt"/>
-                <a:ea typeface="+mn-ea"/>
-                <a:cs typeface="+mn-cs"/>
-              </a:defRPr>
-            </a:lvl2pPr>
-            <a:lvl3pPr marL="914400" algn="l" defTabSz="914400" rtl="0" eaLnBrk="1" latinLnBrk="1" hangingPunct="1">
-              <a:defRPr sz="1800" kern="1200">
-                <a:solidFill>
-                  <a:schemeClr val="tx1"/>
-                </a:solidFill>
-                <a:latin typeface="+mn-lt"/>
-                <a:ea typeface="+mn-ea"/>
-                <a:cs typeface="+mn-cs"/>
-              </a:defRPr>
-            </a:lvl3pPr>
-            <a:lvl4pPr marL="1371600" algn="l" defTabSz="914400" rtl="0" eaLnBrk="1" latinLnBrk="1" hangingPunct="1">
-              <a:defRPr sz="1800" kern="1200">
-                <a:solidFill>
-                  <a:schemeClr val="tx1"/>
-                </a:solidFill>
-                <a:latin typeface="+mn-lt"/>
-                <a:ea typeface="+mn-ea"/>
-                <a:cs typeface="+mn-cs"/>
-              </a:defRPr>
-            </a:lvl4pPr>
-            <a:lvl5pPr marL="1828800" algn="l" defTabSz="914400" rtl="0" eaLnBrk="1" latinLnBrk="1" hangingPunct="1">
-              <a:defRPr sz="1800" kern="1200">
-                <a:solidFill>
-                  <a:schemeClr val="tx1"/>
-                </a:solidFill>
-                <a:latin typeface="+mn-lt"/>
-                <a:ea typeface="+mn-ea"/>
-                <a:cs typeface="+mn-cs"/>
-              </a:defRPr>
-            </a:lvl5pPr>
-            <a:lvl6pPr marL="2286000" algn="l" defTabSz="914400" rtl="0" eaLnBrk="1" latinLnBrk="1" hangingPunct="1">
-              <a:defRPr sz="1800" kern="1200">
-                <a:solidFill>
-                  <a:schemeClr val="tx1"/>
-                </a:solidFill>
-                <a:latin typeface="+mn-lt"/>
-                <a:ea typeface="+mn-ea"/>
-                <a:cs typeface="+mn-cs"/>
-              </a:defRPr>
-            </a:lvl6pPr>
-            <a:lvl7pPr marL="2743200" algn="l" defTabSz="914400" rtl="0" eaLnBrk="1" latinLnBrk="1" hangingPunct="1">
-              <a:defRPr sz="1800" kern="1200">
-                <a:solidFill>
-                  <a:schemeClr val="tx1"/>
-                </a:solidFill>
-                <a:latin typeface="+mn-lt"/>
-                <a:ea typeface="+mn-ea"/>
-                <a:cs typeface="+mn-cs"/>
-              </a:defRPr>
-            </a:lvl7pPr>
-            <a:lvl8pPr marL="3200400" algn="l" defTabSz="914400" rtl="0" eaLnBrk="1" latinLnBrk="1" hangingPunct="1">
-              <a:defRPr sz="1800" kern="1200">
-                <a:solidFill>
-                  <a:schemeClr val="tx1"/>
-                </a:solidFill>
-                <a:latin typeface="+mn-lt"/>
-                <a:ea typeface="+mn-ea"/>
-                <a:cs typeface="+mn-cs"/>
-              </a:defRPr>
-            </a:lvl8pPr>
-            <a:lvl9pPr marL="3657600" algn="l" defTabSz="914400" rtl="0" eaLnBrk="1" latinLnBrk="1" hangingPunct="1">
-              <a:defRPr sz="1800" kern="1200">
-                <a:solidFill>
-                  <a:schemeClr val="tx1"/>
-                </a:solidFill>
-                <a:latin typeface="+mn-lt"/>
-                <a:ea typeface="+mn-ea"/>
-                <a:cs typeface="+mn-cs"/>
-              </a:defRPr>
-            </a:lvl9pPr>
-          </a:lstStyle>
-          <a:p>
-            <a:pPr algn="r">
-              <a:defRPr/>
-            </a:pPr>
-            <a:r>
-              <a:rPr lang="ko-KR" altLang="en-US" sz="2800" b="1" dirty="0" smtClean="0">
-                <a:solidFill>
-                  <a:schemeClr val="accent6">
-                    <a:lumMod val="50000"/>
-                  </a:schemeClr>
-                </a:solidFill>
-                <a:cs typeface="Arial" pitchFamily="34" charset="0"/>
-              </a:rPr>
-              <a:t>코드 설명</a:t>
-            </a:r>
-            <a:endParaRPr lang="en-US" altLang="ko-KR" sz="2800" b="1" dirty="0">
-              <a:solidFill>
-                <a:schemeClr val="accent6">
-                  <a:lumMod val="50000"/>
-                </a:schemeClr>
-              </a:solidFill>
-              <a:cs typeface="Arial" pitchFamily="34" charset="0"/>
-            </a:endParaRPr>
-          </a:p>
-        </p:txBody>
-      </p:sp>
-      <p:sp>
-        <p:nvSpPr>
-          <p:cNvPr id="30" name="TextBox 10"/>
-          <p:cNvSpPr txBox="1"/>
-          <p:nvPr/>
-        </p:nvSpPr>
-        <p:spPr bwMode="auto">
-          <a:xfrm>
-            <a:off x="2555776" y="2427734"/>
-            <a:ext cx="3272009" cy="523220"/>
-          </a:xfrm>
-          <a:prstGeom prst="rect">
-            <a:avLst/>
-          </a:prstGeom>
-          <a:noFill/>
-          <a:effectLst/>
-        </p:spPr>
-        <p:txBody>
-          <a:bodyPr wrap="square">
-            <a:spAutoFit/>
-          </a:bodyPr>
-          <a:lstStyle>
-            <a:defPPr>
-              <a:defRPr lang="ko-KR"/>
-            </a:defPPr>
-            <a:lvl1pPr marL="0" algn="l" defTabSz="914400" rtl="0" eaLnBrk="1" latinLnBrk="1" hangingPunct="1">
-              <a:defRPr sz="1800" kern="1200">
-                <a:solidFill>
-                  <a:schemeClr val="tx1"/>
-                </a:solidFill>
-                <a:latin typeface="+mn-lt"/>
-                <a:ea typeface="+mn-ea"/>
-                <a:cs typeface="+mn-cs"/>
-              </a:defRPr>
-            </a:lvl1pPr>
-            <a:lvl2pPr marL="457200" algn="l" defTabSz="914400" rtl="0" eaLnBrk="1" latinLnBrk="1" hangingPunct="1">
-              <a:defRPr sz="1800" kern="1200">
-                <a:solidFill>
-                  <a:schemeClr val="tx1"/>
-                </a:solidFill>
-                <a:latin typeface="+mn-lt"/>
-                <a:ea typeface="+mn-ea"/>
-                <a:cs typeface="+mn-cs"/>
-              </a:defRPr>
-            </a:lvl2pPr>
-            <a:lvl3pPr marL="914400" algn="l" defTabSz="914400" rtl="0" eaLnBrk="1" latinLnBrk="1" hangingPunct="1">
-              <a:defRPr sz="1800" kern="1200">
-                <a:solidFill>
-                  <a:schemeClr val="tx1"/>
-                </a:solidFill>
-                <a:latin typeface="+mn-lt"/>
-                <a:ea typeface="+mn-ea"/>
-                <a:cs typeface="+mn-cs"/>
-              </a:defRPr>
-            </a:lvl3pPr>
-            <a:lvl4pPr marL="1371600" algn="l" defTabSz="914400" rtl="0" eaLnBrk="1" latinLnBrk="1" hangingPunct="1">
-              <a:defRPr sz="1800" kern="1200">
-                <a:solidFill>
-                  <a:schemeClr val="tx1"/>
-                </a:solidFill>
-                <a:latin typeface="+mn-lt"/>
-                <a:ea typeface="+mn-ea"/>
-                <a:cs typeface="+mn-cs"/>
-              </a:defRPr>
-            </a:lvl4pPr>
-            <a:lvl5pPr marL="1828800" algn="l" defTabSz="914400" rtl="0" eaLnBrk="1" latinLnBrk="1" hangingPunct="1">
-              <a:defRPr sz="1800" kern="1200">
-                <a:solidFill>
-                  <a:schemeClr val="tx1"/>
-                </a:solidFill>
-                <a:latin typeface="+mn-lt"/>
-                <a:ea typeface="+mn-ea"/>
-                <a:cs typeface="+mn-cs"/>
-              </a:defRPr>
-            </a:lvl5pPr>
-            <a:lvl6pPr marL="2286000" algn="l" defTabSz="914400" rtl="0" eaLnBrk="1" latinLnBrk="1" hangingPunct="1">
-              <a:defRPr sz="1800" kern="1200">
-                <a:solidFill>
-                  <a:schemeClr val="tx1"/>
-                </a:solidFill>
-                <a:latin typeface="+mn-lt"/>
-                <a:ea typeface="+mn-ea"/>
-                <a:cs typeface="+mn-cs"/>
-              </a:defRPr>
-            </a:lvl6pPr>
-            <a:lvl7pPr marL="2743200" algn="l" defTabSz="914400" rtl="0" eaLnBrk="1" latinLnBrk="1" hangingPunct="1">
-              <a:defRPr sz="1800" kern="1200">
-                <a:solidFill>
-                  <a:schemeClr val="tx1"/>
-                </a:solidFill>
-                <a:latin typeface="+mn-lt"/>
-                <a:ea typeface="+mn-ea"/>
-                <a:cs typeface="+mn-cs"/>
-              </a:defRPr>
-            </a:lvl7pPr>
-            <a:lvl8pPr marL="3200400" algn="l" defTabSz="914400" rtl="0" eaLnBrk="1" latinLnBrk="1" hangingPunct="1">
-              <a:defRPr sz="1800" kern="1200">
-                <a:solidFill>
-                  <a:schemeClr val="tx1"/>
-                </a:solidFill>
-                <a:latin typeface="+mn-lt"/>
-                <a:ea typeface="+mn-ea"/>
-                <a:cs typeface="+mn-cs"/>
-              </a:defRPr>
-            </a:lvl8pPr>
-            <a:lvl9pPr marL="3657600" algn="l" defTabSz="914400" rtl="0" eaLnBrk="1" latinLnBrk="1" hangingPunct="1">
-              <a:defRPr sz="1800" kern="1200">
-                <a:solidFill>
-                  <a:schemeClr val="tx1"/>
-                </a:solidFill>
-                <a:latin typeface="+mn-lt"/>
-                <a:ea typeface="+mn-ea"/>
-                <a:cs typeface="+mn-cs"/>
-              </a:defRPr>
-            </a:lvl9pPr>
-          </a:lstStyle>
-          <a:p>
-            <a:pPr algn="r">
-              <a:defRPr/>
-            </a:pPr>
-            <a:r>
-              <a:rPr lang="ko-KR" altLang="en-US" sz="2800" b="1" dirty="0" smtClean="0">
-                <a:solidFill>
-                  <a:schemeClr val="accent6">
-                    <a:lumMod val="50000"/>
-                  </a:schemeClr>
-                </a:solidFill>
-                <a:cs typeface="Arial" pitchFamily="34" charset="0"/>
-              </a:rPr>
-              <a:t>시연 영상</a:t>
-            </a:r>
-            <a:endParaRPr lang="en-US" altLang="ko-KR" sz="2800" b="1" dirty="0">
-              <a:solidFill>
-                <a:schemeClr val="accent6">
-                  <a:lumMod val="50000"/>
-                </a:schemeClr>
-              </a:solidFill>
-              <a:cs typeface="Arial" pitchFamily="34" charset="0"/>
-            </a:endParaRPr>
-          </a:p>
-        </p:txBody>
-      </p:sp>
-      <p:sp>
-        <p:nvSpPr>
-          <p:cNvPr id="33" name="TextBox 10"/>
-          <p:cNvSpPr txBox="1"/>
-          <p:nvPr/>
-        </p:nvSpPr>
-        <p:spPr bwMode="auto">
-          <a:xfrm>
-            <a:off x="2051720" y="3507854"/>
-            <a:ext cx="3848073" cy="523220"/>
-          </a:xfrm>
-          <a:prstGeom prst="rect">
-            <a:avLst/>
-          </a:prstGeom>
-          <a:noFill/>
-          <a:effectLst/>
-        </p:spPr>
-        <p:txBody>
-          <a:bodyPr wrap="square">
-            <a:spAutoFit/>
-          </a:bodyPr>
-          <a:lstStyle>
-            <a:defPPr>
-              <a:defRPr lang="ko-KR"/>
-            </a:defPPr>
-            <a:lvl1pPr marL="0" algn="l" defTabSz="914400" rtl="0" eaLnBrk="1" latinLnBrk="1" hangingPunct="1">
-              <a:defRPr sz="1800" kern="1200">
-                <a:solidFill>
-                  <a:schemeClr val="tx1"/>
-                </a:solidFill>
-                <a:latin typeface="+mn-lt"/>
-                <a:ea typeface="+mn-ea"/>
-                <a:cs typeface="+mn-cs"/>
-              </a:defRPr>
-            </a:lvl1pPr>
-            <a:lvl2pPr marL="457200" algn="l" defTabSz="914400" rtl="0" eaLnBrk="1" latinLnBrk="1" hangingPunct="1">
-              <a:defRPr sz="1800" kern="1200">
-                <a:solidFill>
-                  <a:schemeClr val="tx1"/>
-                </a:solidFill>
-                <a:latin typeface="+mn-lt"/>
-                <a:ea typeface="+mn-ea"/>
-                <a:cs typeface="+mn-cs"/>
-              </a:defRPr>
-            </a:lvl2pPr>
-            <a:lvl3pPr marL="914400" algn="l" defTabSz="914400" rtl="0" eaLnBrk="1" latinLnBrk="1" hangingPunct="1">
-              <a:defRPr sz="1800" kern="1200">
-                <a:solidFill>
-                  <a:schemeClr val="tx1"/>
-                </a:solidFill>
-                <a:latin typeface="+mn-lt"/>
-                <a:ea typeface="+mn-ea"/>
-                <a:cs typeface="+mn-cs"/>
-              </a:defRPr>
-            </a:lvl3pPr>
-            <a:lvl4pPr marL="1371600" algn="l" defTabSz="914400" rtl="0" eaLnBrk="1" latinLnBrk="1" hangingPunct="1">
-              <a:defRPr sz="1800" kern="1200">
-                <a:solidFill>
-                  <a:schemeClr val="tx1"/>
-                </a:solidFill>
-                <a:latin typeface="+mn-lt"/>
-                <a:ea typeface="+mn-ea"/>
-                <a:cs typeface="+mn-cs"/>
-              </a:defRPr>
-            </a:lvl4pPr>
-            <a:lvl5pPr marL="1828800" algn="l" defTabSz="914400" rtl="0" eaLnBrk="1" latinLnBrk="1" hangingPunct="1">
-              <a:defRPr sz="1800" kern="1200">
-                <a:solidFill>
-                  <a:schemeClr val="tx1"/>
-                </a:solidFill>
-                <a:latin typeface="+mn-lt"/>
-                <a:ea typeface="+mn-ea"/>
-                <a:cs typeface="+mn-cs"/>
-              </a:defRPr>
-            </a:lvl5pPr>
-            <a:lvl6pPr marL="2286000" algn="l" defTabSz="914400" rtl="0" eaLnBrk="1" latinLnBrk="1" hangingPunct="1">
-              <a:defRPr sz="1800" kern="1200">
-                <a:solidFill>
-                  <a:schemeClr val="tx1"/>
-                </a:solidFill>
-                <a:latin typeface="+mn-lt"/>
-                <a:ea typeface="+mn-ea"/>
-                <a:cs typeface="+mn-cs"/>
-              </a:defRPr>
-            </a:lvl6pPr>
-            <a:lvl7pPr marL="2743200" algn="l" defTabSz="914400" rtl="0" eaLnBrk="1" latinLnBrk="1" hangingPunct="1">
-              <a:defRPr sz="1800" kern="1200">
-                <a:solidFill>
-                  <a:schemeClr val="tx1"/>
-                </a:solidFill>
-                <a:latin typeface="+mn-lt"/>
-                <a:ea typeface="+mn-ea"/>
-                <a:cs typeface="+mn-cs"/>
-              </a:defRPr>
-            </a:lvl7pPr>
-            <a:lvl8pPr marL="3200400" algn="l" defTabSz="914400" rtl="0" eaLnBrk="1" latinLnBrk="1" hangingPunct="1">
-              <a:defRPr sz="1800" kern="1200">
-                <a:solidFill>
-                  <a:schemeClr val="tx1"/>
-                </a:solidFill>
-                <a:latin typeface="+mn-lt"/>
-                <a:ea typeface="+mn-ea"/>
-                <a:cs typeface="+mn-cs"/>
-              </a:defRPr>
-            </a:lvl8pPr>
-            <a:lvl9pPr marL="3657600" algn="l" defTabSz="914400" rtl="0" eaLnBrk="1" latinLnBrk="1" hangingPunct="1">
-              <a:defRPr sz="1800" kern="1200">
-                <a:solidFill>
-                  <a:schemeClr val="tx1"/>
-                </a:solidFill>
-                <a:latin typeface="+mn-lt"/>
-                <a:ea typeface="+mn-ea"/>
-                <a:cs typeface="+mn-cs"/>
-              </a:defRPr>
-            </a:lvl9pPr>
-          </a:lstStyle>
-          <a:p>
-            <a:pPr algn="r">
-              <a:defRPr/>
-            </a:pPr>
-            <a:r>
-              <a:rPr lang="ko-KR" altLang="en-US" sz="2800" b="1" smtClean="0">
-                <a:solidFill>
-                  <a:schemeClr val="accent6">
-                    <a:lumMod val="50000"/>
-                  </a:schemeClr>
-                </a:solidFill>
-                <a:cs typeface="Arial" pitchFamily="34" charset="0"/>
-              </a:rPr>
-              <a:t>개선 사항 및 향후 과제</a:t>
-            </a:r>
-            <a:endParaRPr lang="en-US" altLang="ko-KR" sz="2800" b="1" dirty="0">
-              <a:solidFill>
-                <a:schemeClr val="accent6">
-                  <a:lumMod val="50000"/>
-                </a:schemeClr>
-              </a:solidFill>
-              <a:cs typeface="Arial" pitchFamily="34" charset="0"/>
-            </a:endParaRPr>
-          </a:p>
-        </p:txBody>
-      </p:sp>
-      <p:sp>
-        <p:nvSpPr>
-          <p:cNvPr id="25" name="TextBox 10"/>
-          <p:cNvSpPr txBox="1"/>
-          <p:nvPr/>
-        </p:nvSpPr>
-        <p:spPr bwMode="auto">
-          <a:xfrm>
-            <a:off x="2555776" y="4515966"/>
-            <a:ext cx="3272009" cy="523220"/>
-          </a:xfrm>
-          <a:prstGeom prst="rect">
-            <a:avLst/>
-          </a:prstGeom>
-          <a:noFill/>
-          <a:effectLst/>
-        </p:spPr>
-        <p:txBody>
-          <a:bodyPr wrap="square">
-            <a:spAutoFit/>
-          </a:bodyPr>
-          <a:lstStyle>
-            <a:defPPr>
-              <a:defRPr lang="ko-KR"/>
-            </a:defPPr>
-            <a:lvl1pPr marL="0" algn="l" defTabSz="914400" rtl="0" eaLnBrk="1" latinLnBrk="1" hangingPunct="1">
-              <a:defRPr sz="1800" kern="1200">
-                <a:solidFill>
-                  <a:schemeClr val="tx1"/>
-                </a:solidFill>
-                <a:latin typeface="+mn-lt"/>
-                <a:ea typeface="+mn-ea"/>
-                <a:cs typeface="+mn-cs"/>
-              </a:defRPr>
-            </a:lvl1pPr>
-            <a:lvl2pPr marL="457200" algn="l" defTabSz="914400" rtl="0" eaLnBrk="1" latinLnBrk="1" hangingPunct="1">
-              <a:defRPr sz="1800" kern="1200">
-                <a:solidFill>
-                  <a:schemeClr val="tx1"/>
-                </a:solidFill>
-                <a:latin typeface="+mn-lt"/>
-                <a:ea typeface="+mn-ea"/>
-                <a:cs typeface="+mn-cs"/>
-              </a:defRPr>
-            </a:lvl2pPr>
-            <a:lvl3pPr marL="914400" algn="l" defTabSz="914400" rtl="0" eaLnBrk="1" latinLnBrk="1" hangingPunct="1">
-              <a:defRPr sz="1800" kern="1200">
-                <a:solidFill>
-                  <a:schemeClr val="tx1"/>
-                </a:solidFill>
-                <a:latin typeface="+mn-lt"/>
-                <a:ea typeface="+mn-ea"/>
-                <a:cs typeface="+mn-cs"/>
-              </a:defRPr>
-            </a:lvl3pPr>
-            <a:lvl4pPr marL="1371600" algn="l" defTabSz="914400" rtl="0" eaLnBrk="1" latinLnBrk="1" hangingPunct="1">
-              <a:defRPr sz="1800" kern="1200">
-                <a:solidFill>
-                  <a:schemeClr val="tx1"/>
-                </a:solidFill>
-                <a:latin typeface="+mn-lt"/>
-                <a:ea typeface="+mn-ea"/>
-                <a:cs typeface="+mn-cs"/>
-              </a:defRPr>
-            </a:lvl4pPr>
-            <a:lvl5pPr marL="1828800" algn="l" defTabSz="914400" rtl="0" eaLnBrk="1" latinLnBrk="1" hangingPunct="1">
-              <a:defRPr sz="1800" kern="1200">
-                <a:solidFill>
-                  <a:schemeClr val="tx1"/>
-                </a:solidFill>
-                <a:latin typeface="+mn-lt"/>
-                <a:ea typeface="+mn-ea"/>
-                <a:cs typeface="+mn-cs"/>
-              </a:defRPr>
-            </a:lvl5pPr>
-            <a:lvl6pPr marL="2286000" algn="l" defTabSz="914400" rtl="0" eaLnBrk="1" latinLnBrk="1" hangingPunct="1">
-              <a:defRPr sz="1800" kern="1200">
-                <a:solidFill>
-                  <a:schemeClr val="tx1"/>
-                </a:solidFill>
-                <a:latin typeface="+mn-lt"/>
-                <a:ea typeface="+mn-ea"/>
-                <a:cs typeface="+mn-cs"/>
-              </a:defRPr>
-            </a:lvl6pPr>
-            <a:lvl7pPr marL="2743200" algn="l" defTabSz="914400" rtl="0" eaLnBrk="1" latinLnBrk="1" hangingPunct="1">
-              <a:defRPr sz="1800" kern="1200">
-                <a:solidFill>
-                  <a:schemeClr val="tx1"/>
-                </a:solidFill>
-                <a:latin typeface="+mn-lt"/>
-                <a:ea typeface="+mn-ea"/>
-                <a:cs typeface="+mn-cs"/>
-              </a:defRPr>
-            </a:lvl7pPr>
-            <a:lvl8pPr marL="3200400" algn="l" defTabSz="914400" rtl="0" eaLnBrk="1" latinLnBrk="1" hangingPunct="1">
-              <a:defRPr sz="1800" kern="1200">
-                <a:solidFill>
-                  <a:schemeClr val="tx1"/>
-                </a:solidFill>
-                <a:latin typeface="+mn-lt"/>
-                <a:ea typeface="+mn-ea"/>
-                <a:cs typeface="+mn-cs"/>
-              </a:defRPr>
-            </a:lvl8pPr>
-            <a:lvl9pPr marL="3657600" algn="l" defTabSz="914400" rtl="0" eaLnBrk="1" latinLnBrk="1" hangingPunct="1">
-              <a:defRPr sz="1800" kern="1200">
-                <a:solidFill>
-                  <a:schemeClr val="tx1"/>
-                </a:solidFill>
-                <a:latin typeface="+mn-lt"/>
-                <a:ea typeface="+mn-ea"/>
-                <a:cs typeface="+mn-cs"/>
-              </a:defRPr>
-            </a:lvl9pPr>
-          </a:lstStyle>
-          <a:p>
-            <a:pPr algn="r">
-              <a:defRPr/>
-            </a:pPr>
-            <a:r>
-              <a:rPr lang="en-US" altLang="ko-KR" sz="2800" b="1" dirty="0" smtClean="0">
-                <a:solidFill>
-                  <a:schemeClr val="accent6">
-                    <a:lumMod val="50000"/>
-                  </a:schemeClr>
-                </a:solidFill>
-                <a:cs typeface="Arial" pitchFamily="34" charset="0"/>
-              </a:rPr>
-              <a:t>Q&amp;A</a:t>
-            </a:r>
-            <a:endParaRPr lang="en-US" altLang="ko-KR" sz="2800" b="1" dirty="0">
-              <a:solidFill>
-                <a:schemeClr val="accent6">
-                  <a:lumMod val="50000"/>
-                </a:schemeClr>
-              </a:solidFill>
-              <a:cs typeface="Arial" pitchFamily="34" charset="0"/>
-            </a:endParaRPr>
-          </a:p>
-        </p:txBody>
-      </p:sp>
-      <p:sp>
-        <p:nvSpPr>
-          <p:cNvPr id="26" name="TextBox 25"/>
-          <p:cNvSpPr txBox="1"/>
-          <p:nvPr/>
-        </p:nvSpPr>
-        <p:spPr>
-          <a:xfrm>
-            <a:off x="6084168" y="3651870"/>
-            <a:ext cx="554143" cy="461665"/>
-          </a:xfrm>
-          <a:prstGeom prst="rect">
-            <a:avLst/>
-          </a:prstGeom>
-          <a:noFill/>
-        </p:spPr>
-        <p:txBody>
-          <a:bodyPr wrap="square" rtlCol="0">
-            <a:spAutoFit/>
-          </a:bodyPr>
-          <a:lstStyle/>
-          <a:p>
-            <a:pPr algn="ctr"/>
-            <a:r>
-              <a:rPr lang="en-US" altLang="ko-KR" sz="2400" b="1" dirty="0">
-                <a:solidFill>
-                  <a:schemeClr val="accent2"/>
-                </a:solidFill>
-                <a:cs typeface="Arial" pitchFamily="34" charset="0"/>
-              </a:rPr>
-              <a:t>04</a:t>
-            </a:r>
-            <a:endParaRPr lang="ko-KR" altLang="en-US" sz="2400" b="1" dirty="0">
-              <a:solidFill>
-                <a:schemeClr val="accent2"/>
-              </a:solidFill>
-              <a:cs typeface="Arial" pitchFamily="34" charset="0"/>
-            </a:endParaRPr>
-          </a:p>
-        </p:txBody>
-      </p:sp>
-    </p:spTree>
-    <p:extLst>
-      <p:ext uri="{BB962C8B-B14F-4D97-AF65-F5344CB8AC3E}">
-        <p14:creationId xmlns:p14="http://schemas.microsoft.com/office/powerpoint/2010/main" xmlns="" val="1095055991"/>
-      </p:ext>
-    </p:extLst>
-  </p:cSld>
-  <p:clrMapOvr>
-    <a:masterClrMapping/>
-  </p:clrMapOvr>
-  <p:transition/>
-  <p:timing>
-    <p:tnLst>
-      <p:par>
-        <p:cTn id="1" dur="indefinite" restart="never" nodeType="tmRoot"/>
-      </p:par>
-    </p:tnLst>
-  </p:timing>
-</p:sld>
-</file>
-
-<file path=ppt/slides/slide20.xml><?xml version="1.0" encoding="utf-8"?>
-<p:sld xmlns:a="http://schemas.openxmlformats.org/drawingml/2006/main" xmlns:r="http://schemas.openxmlformats.org/officeDocument/2006/relationships" xmlns:p="http://schemas.openxmlformats.org/presentationml/2006/main">
-  <p:cSld>
-    <p:spTree>
-      <p:nvGrpSpPr>
-        <p:cNvPr id="1" name=""/>
-        <p:cNvGrpSpPr/>
-        <p:nvPr/>
-      </p:nvGrpSpPr>
-      <p:grpSpPr>
-        <a:xfrm>
-          <a:off x="0" y="0"/>
-          <a:ext cx="0" cy="0"/>
-          <a:chOff x="0" y="0"/>
-          <a:chExt cx="0" cy="0"/>
-        </a:xfrm>
-      </p:grpSpPr>
-      <p:sp>
-        <p:nvSpPr>
-          <p:cNvPr id="2" name="Text Placeholder 1"/>
-          <p:cNvSpPr>
-            <a:spLocks noGrp="1"/>
-          </p:cNvSpPr>
-          <p:nvPr>
-            <p:ph type="body" sz="quarter" idx="10"/>
-          </p:nvPr>
-        </p:nvSpPr>
-        <p:spPr/>
-        <p:txBody>
-          <a:bodyPr/>
-          <a:lstStyle/>
-          <a:p>
-            <a:r>
-              <a:rPr lang="en-US" altLang="ko-KR" dirty="0" smtClean="0"/>
-              <a:t>05. Q&amp;A</a:t>
-            </a:r>
-            <a:endParaRPr lang="ko-KR" altLang="en-US" dirty="0"/>
-          </a:p>
-        </p:txBody>
-      </p:sp>
-      <p:sp>
-        <p:nvSpPr>
-          <p:cNvPr id="3" name="TextBox 2"/>
-          <p:cNvSpPr txBox="1"/>
-          <p:nvPr/>
-        </p:nvSpPr>
-        <p:spPr>
-          <a:xfrm>
-            <a:off x="7236296" y="4752634"/>
-            <a:ext cx="1080120" cy="400110"/>
-          </a:xfrm>
-          <a:prstGeom prst="rect">
-            <a:avLst/>
-          </a:prstGeom>
-          <a:noFill/>
-        </p:spPr>
-        <p:txBody>
-          <a:bodyPr wrap="square" rtlCol="0">
-            <a:spAutoFit/>
-          </a:bodyPr>
-          <a:lstStyle/>
-          <a:p>
-            <a:pPr algn="just"/>
-            <a:r>
-              <a:rPr lang="en-US" altLang="ko-KR" sz="2000" b="1" dirty="0" err="1" smtClean="0">
-                <a:solidFill>
-                  <a:srgbClr val="FF0000"/>
-                </a:solidFill>
-                <a:cs typeface="Arial" pitchFamily="34" charset="0"/>
-              </a:rPr>
-              <a:t>Github</a:t>
-            </a:r>
-            <a:r>
-              <a:rPr lang="en-US" altLang="ko-KR" sz="2000" b="1" dirty="0" smtClean="0">
-                <a:solidFill>
-                  <a:srgbClr val="FF0000"/>
-                </a:solidFill>
-                <a:cs typeface="Arial" pitchFamily="34" charset="0"/>
-              </a:rPr>
-              <a:t>: </a:t>
-            </a:r>
-            <a:endParaRPr lang="ko-KR" altLang="en-US" sz="2000" b="1" dirty="0">
-              <a:solidFill>
-                <a:srgbClr val="FF0000"/>
-              </a:solidFill>
-              <a:cs typeface="Arial" pitchFamily="34" charset="0"/>
-            </a:endParaRPr>
-          </a:p>
-        </p:txBody>
-      </p:sp>
-      <p:pic>
-        <p:nvPicPr>
-          <p:cNvPr id="4" name="Picture 3" descr="C:\Users\lesh0\Desktop\project\img\github.png"/>
-          <p:cNvPicPr>
-            <a:picLocks noChangeAspect="1" noChangeArrowheads="1"/>
-          </p:cNvPicPr>
-          <p:nvPr/>
-        </p:nvPicPr>
-        <p:blipFill>
-          <a:blip r:embed="rId2" cstate="print"/>
-          <a:srcRect/>
-          <a:stretch>
-            <a:fillRect/>
-          </a:stretch>
-        </p:blipFill>
-        <p:spPr bwMode="auto">
-          <a:xfrm>
-            <a:off x="8316416" y="4302507"/>
-            <a:ext cx="827584" cy="840993"/>
-          </a:xfrm>
-          <a:prstGeom prst="rect">
-            <a:avLst/>
-          </a:prstGeom>
-          <a:noFill/>
-        </p:spPr>
-      </p:pic>
-    </p:spTree>
-    <p:extLst>
-      <p:ext uri="{BB962C8B-B14F-4D97-AF65-F5344CB8AC3E}">
-        <p14:creationId xmlns:p14="http://schemas.microsoft.com/office/powerpoint/2010/main" xmlns="" val="3101234267"/>
-      </p:ext>
-    </p:extLst>
-  </p:cSld>
-  <p:clrMapOvr>
-    <a:masterClrMapping/>
-  </p:clrMapOvr>
-  <p:transition/>
-  <p:timing>
-    <p:tnLst>
-      <p:par>
-        <p:cTn id="1" dur="indefinite" restart="never" nodeType="tmRoot"/>
-      </p:par>
-    </p:tnLst>
-  </p:timing>
-</p:sld>
-</file>
-
-<file path=ppt/slides/slide21.xml><?xml version="1.0" encoding="utf-8"?>
+<file path=ppt/slides/slide14.xml><?xml version="1.0" encoding="utf-8"?>
 <p:sld xmlns:a="http://schemas.openxmlformats.org/drawingml/2006/main" xmlns:r="http://schemas.openxmlformats.org/officeDocument/2006/relationships" xmlns:p="http://schemas.openxmlformats.org/presentationml/2006/main">
   <p:cSld>
     <p:spTree>
@@ -14963,7 +9376,7 @@
     </p:spTree>
     <p:extLst>
       <p:ext uri="{BB962C8B-B14F-4D97-AF65-F5344CB8AC3E}">
-        <p14:creationId xmlns:p14="http://schemas.microsoft.com/office/powerpoint/2010/main" xmlns="" val="61455909"/>
+        <p14:creationId xmlns:p14="http://schemas.microsoft.com/office/powerpoint/2010/main" val="61455909"/>
       </p:ext>
     </p:extLst>
   </p:cSld>
@@ -14981,7 +9394,7 @@
 </p:sld>
 </file>
 
-<file path=ppt/slides/slide3.xml><?xml version="1.0" encoding="utf-8"?>
+<file path=ppt/slides/slide2.xml><?xml version="1.0" encoding="utf-8"?>
 <p:sld xmlns:a="http://schemas.openxmlformats.org/drawingml/2006/main" xmlns:r="http://schemas.openxmlformats.org/officeDocument/2006/relationships" xmlns:p="http://schemas.openxmlformats.org/presentationml/2006/main">
   <p:cSld>
     <p:spTree>
@@ -15018,10 +9431,6 @@
               <a:t>01. </a:t>
             </a:r>
             <a:r>
-              <a:rPr lang="ko-KR" altLang="en-US" dirty="0" smtClean="0"/>
-              <a:t>개발동기 및 </a:t>
-            </a:r>
-            <a:r>
               <a:rPr lang="en-US" altLang="ko-KR" dirty="0" smtClean="0"/>
               <a:t>Tool</a:t>
             </a:r>
@@ -15032,7 +9441,7 @@
     </p:spTree>
     <p:extLst>
       <p:ext uri="{BB962C8B-B14F-4D97-AF65-F5344CB8AC3E}">
-        <p14:creationId xmlns:p14="http://schemas.microsoft.com/office/powerpoint/2010/main" xmlns="" val="3101234267"/>
+        <p14:creationId xmlns:p14="http://schemas.microsoft.com/office/powerpoint/2010/main" val="3101234267"/>
       </p:ext>
     </p:extLst>
   </p:cSld>
@@ -15050,808 +9459,7 @@
 </p:sld>
 </file>
 
-<file path=ppt/slides/slide4.xml><?xml version="1.0" encoding="utf-8"?>
-<p:sld xmlns:a="http://schemas.openxmlformats.org/drawingml/2006/main" xmlns:r="http://schemas.openxmlformats.org/officeDocument/2006/relationships" xmlns:p="http://schemas.openxmlformats.org/presentationml/2006/main">
-  <p:cSld>
-    <p:spTree>
-      <p:nvGrpSpPr>
-        <p:cNvPr id="1" name=""/>
-        <p:cNvGrpSpPr/>
-        <p:nvPr/>
-      </p:nvGrpSpPr>
-      <p:grpSpPr>
-        <a:xfrm>
-          <a:off x="0" y="0"/>
-          <a:ext cx="0" cy="0"/>
-          <a:chOff x="0" y="0"/>
-          <a:chExt cx="0" cy="0"/>
-        </a:xfrm>
-      </p:grpSpPr>
-      <p:sp>
-        <p:nvSpPr>
-          <p:cNvPr id="2" name="Rectangle 1"/>
-          <p:cNvSpPr/>
-          <p:nvPr/>
-        </p:nvSpPr>
-        <p:spPr>
-          <a:xfrm>
-            <a:off x="7236296" y="0"/>
-            <a:ext cx="1907704" cy="5143500"/>
-          </a:xfrm>
-          <a:prstGeom prst="rect">
-            <a:avLst/>
-          </a:prstGeom>
-          <a:solidFill>
-            <a:schemeClr val="bg1"/>
-          </a:solidFill>
-          <a:ln>
-            <a:noFill/>
-          </a:ln>
-        </p:spPr>
-        <p:style>
-          <a:lnRef idx="2">
-            <a:schemeClr val="accent1">
-              <a:shade val="50000"/>
-            </a:schemeClr>
-          </a:lnRef>
-          <a:fillRef idx="1">
-            <a:schemeClr val="accent1"/>
-          </a:fillRef>
-          <a:effectRef idx="0">
-            <a:schemeClr val="accent1"/>
-          </a:effectRef>
-          <a:fontRef idx="minor">
-            <a:schemeClr val="lt1"/>
-          </a:fontRef>
-        </p:style>
-        <p:txBody>
-          <a:bodyPr rtlCol="0" anchor="ctr"/>
-          <a:lstStyle/>
-          <a:p>
-            <a:pPr algn="ctr"/>
-            <a:endParaRPr lang="ko-KR" altLang="en-US"/>
-          </a:p>
-        </p:txBody>
-      </p:sp>
-      <p:sp>
-        <p:nvSpPr>
-          <p:cNvPr id="4" name="Right Arrow 3"/>
-          <p:cNvSpPr/>
-          <p:nvPr/>
-        </p:nvSpPr>
-        <p:spPr>
-          <a:xfrm rot="20539464">
-            <a:off x="7124472" y="872359"/>
-            <a:ext cx="1334134" cy="1058306"/>
-          </a:xfrm>
-          <a:custGeom>
-            <a:avLst/>
-            <a:gdLst/>
-            <a:ahLst/>
-            <a:cxnLst/>
-            <a:rect l="l" t="t" r="r" b="b"/>
-            <a:pathLst>
-              <a:path w="1334134" h="1058306">
-                <a:moveTo>
-                  <a:pt x="804981" y="0"/>
-                </a:moveTo>
-                <a:lnTo>
-                  <a:pt x="1334134" y="529153"/>
-                </a:lnTo>
-                <a:lnTo>
-                  <a:pt x="804981" y="1058306"/>
-                </a:lnTo>
-                <a:lnTo>
-                  <a:pt x="804981" y="793730"/>
-                </a:lnTo>
-                <a:lnTo>
-                  <a:pt x="0" y="793730"/>
-                </a:lnTo>
-                <a:lnTo>
-                  <a:pt x="168626" y="264577"/>
-                </a:lnTo>
-                <a:lnTo>
-                  <a:pt x="804981" y="264577"/>
-                </a:lnTo>
-                <a:close/>
-              </a:path>
-            </a:pathLst>
-          </a:custGeom>
-          <a:solidFill>
-            <a:schemeClr val="accent2"/>
-          </a:solidFill>
-          <a:ln>
-            <a:noFill/>
-          </a:ln>
-        </p:spPr>
-        <p:style>
-          <a:lnRef idx="2">
-            <a:schemeClr val="accent1">
-              <a:shade val="50000"/>
-            </a:schemeClr>
-          </a:lnRef>
-          <a:fillRef idx="1">
-            <a:schemeClr val="accent1"/>
-          </a:fillRef>
-          <a:effectRef idx="0">
-            <a:schemeClr val="accent1"/>
-          </a:effectRef>
-          <a:fontRef idx="minor">
-            <a:schemeClr val="lt1"/>
-          </a:fontRef>
-        </p:style>
-        <p:txBody>
-          <a:bodyPr rtlCol="0" anchor="ctr"/>
-          <a:lstStyle/>
-          <a:p>
-            <a:pPr algn="ctr"/>
-            <a:endParaRPr lang="ko-KR" altLang="en-US"/>
-          </a:p>
-        </p:txBody>
-      </p:sp>
-      <p:sp>
-        <p:nvSpPr>
-          <p:cNvPr id="13" name="Right Arrow 12"/>
-          <p:cNvSpPr/>
-          <p:nvPr/>
-        </p:nvSpPr>
-        <p:spPr>
-          <a:xfrm rot="1060536" flipH="1">
-            <a:off x="5964349" y="314404"/>
-            <a:ext cx="1383499" cy="1058306"/>
-          </a:xfrm>
-          <a:prstGeom prst="rightArrow">
-            <a:avLst/>
-          </a:prstGeom>
-          <a:solidFill>
-            <a:schemeClr val="bg1"/>
-          </a:solidFill>
-          <a:ln>
-            <a:noFill/>
-          </a:ln>
-        </p:spPr>
-        <p:style>
-          <a:lnRef idx="2">
-            <a:schemeClr val="accent1">
-              <a:shade val="50000"/>
-            </a:schemeClr>
-          </a:lnRef>
-          <a:fillRef idx="1">
-            <a:schemeClr val="accent1"/>
-          </a:fillRef>
-          <a:effectRef idx="0">
-            <a:schemeClr val="accent1"/>
-          </a:effectRef>
-          <a:fontRef idx="minor">
-            <a:schemeClr val="lt1"/>
-          </a:fontRef>
-        </p:style>
-        <p:txBody>
-          <a:bodyPr rtlCol="0" anchor="ctr"/>
-          <a:lstStyle/>
-          <a:p>
-            <a:pPr algn="ctr"/>
-            <a:endParaRPr lang="ko-KR" altLang="en-US"/>
-          </a:p>
-        </p:txBody>
-      </p:sp>
-      <p:sp>
-        <p:nvSpPr>
-          <p:cNvPr id="15" name="Right Arrow 3"/>
-          <p:cNvSpPr/>
-          <p:nvPr/>
-        </p:nvSpPr>
-        <p:spPr>
-          <a:xfrm rot="20539464">
-            <a:off x="7157361" y="12575"/>
-            <a:ext cx="1334133" cy="793729"/>
-          </a:xfrm>
-          <a:custGeom>
-            <a:avLst/>
-            <a:gdLst/>
-            <a:ahLst/>
-            <a:cxnLst/>
-            <a:rect l="l" t="t" r="r" b="b"/>
-            <a:pathLst>
-              <a:path w="1334133" h="793729">
-                <a:moveTo>
-                  <a:pt x="788394" y="0"/>
-                </a:moveTo>
-                <a:lnTo>
-                  <a:pt x="1201063" y="131506"/>
-                </a:lnTo>
-                <a:lnTo>
-                  <a:pt x="1334133" y="264576"/>
-                </a:lnTo>
-                <a:lnTo>
-                  <a:pt x="804981" y="793729"/>
-                </a:lnTo>
-                <a:lnTo>
-                  <a:pt x="804981" y="529153"/>
-                </a:lnTo>
-                <a:lnTo>
-                  <a:pt x="0" y="529153"/>
-                </a:lnTo>
-                <a:lnTo>
-                  <a:pt x="168626" y="0"/>
-                </a:lnTo>
-                <a:close/>
-              </a:path>
-            </a:pathLst>
-          </a:custGeom>
-          <a:solidFill>
-            <a:schemeClr val="accent2"/>
-          </a:solidFill>
-          <a:ln>
-            <a:noFill/>
-          </a:ln>
-        </p:spPr>
-        <p:style>
-          <a:lnRef idx="2">
-            <a:schemeClr val="accent1">
-              <a:shade val="50000"/>
-            </a:schemeClr>
-          </a:lnRef>
-          <a:fillRef idx="1">
-            <a:schemeClr val="accent1"/>
-          </a:fillRef>
-          <a:effectRef idx="0">
-            <a:schemeClr val="accent1"/>
-          </a:effectRef>
-          <a:fontRef idx="minor">
-            <a:schemeClr val="lt1"/>
-          </a:fontRef>
-        </p:style>
-        <p:txBody>
-          <a:bodyPr rtlCol="0" anchor="ctr"/>
-          <a:lstStyle/>
-          <a:p>
-            <a:pPr algn="ctr"/>
-            <a:endParaRPr lang="ko-KR" altLang="en-US"/>
-          </a:p>
-        </p:txBody>
-      </p:sp>
-      <p:sp>
-        <p:nvSpPr>
-          <p:cNvPr id="19" name="TextBox 18"/>
-          <p:cNvSpPr txBox="1"/>
-          <p:nvPr/>
-        </p:nvSpPr>
-        <p:spPr>
-          <a:xfrm>
-            <a:off x="6137614" y="528443"/>
-            <a:ext cx="554143" cy="461665"/>
-          </a:xfrm>
-          <a:prstGeom prst="rect">
-            <a:avLst/>
-          </a:prstGeom>
-          <a:noFill/>
-        </p:spPr>
-        <p:txBody>
-          <a:bodyPr wrap="square" rtlCol="0">
-            <a:spAutoFit/>
-          </a:bodyPr>
-          <a:lstStyle/>
-          <a:p>
-            <a:pPr algn="ctr"/>
-            <a:r>
-              <a:rPr lang="en-US" altLang="ko-KR" sz="2400" b="1" dirty="0">
-                <a:solidFill>
-                  <a:schemeClr val="accent2"/>
-                </a:solidFill>
-                <a:cs typeface="Arial" pitchFamily="34" charset="0"/>
-              </a:rPr>
-              <a:t>01</a:t>
-            </a:r>
-            <a:endParaRPr lang="ko-KR" altLang="en-US" sz="2400" b="1" dirty="0">
-              <a:solidFill>
-                <a:schemeClr val="accent2"/>
-              </a:solidFill>
-              <a:cs typeface="Arial" pitchFamily="34" charset="0"/>
-            </a:endParaRPr>
-          </a:p>
-        </p:txBody>
-      </p:sp>
-      <p:grpSp>
-        <p:nvGrpSpPr>
-          <p:cNvPr id="10" name="Group 22"/>
-          <p:cNvGrpSpPr/>
-          <p:nvPr/>
-        </p:nvGrpSpPr>
-        <p:grpSpPr>
-          <a:xfrm>
-            <a:off x="1907704" y="843558"/>
-            <a:ext cx="3272009" cy="861774"/>
-            <a:chOff x="2175371" y="1762964"/>
-            <a:chExt cx="5040560" cy="861774"/>
-          </a:xfrm>
-        </p:grpSpPr>
-        <p:sp>
-          <p:nvSpPr>
-            <p:cNvPr id="24" name="TextBox 10"/>
-            <p:cNvSpPr txBox="1"/>
-            <p:nvPr/>
-          </p:nvSpPr>
-          <p:spPr bwMode="auto">
-            <a:xfrm>
-              <a:off x="2175371" y="1762964"/>
-              <a:ext cx="5040560" cy="861774"/>
-            </a:xfrm>
-            <a:prstGeom prst="rect">
-              <a:avLst/>
-            </a:prstGeom>
-            <a:noFill/>
-            <a:effectLst/>
-          </p:spPr>
-          <p:txBody>
-            <a:bodyPr wrap="square">
-              <a:spAutoFit/>
-            </a:bodyPr>
-            <a:lstStyle>
-              <a:defPPr>
-                <a:defRPr lang="ko-KR"/>
-              </a:defPPr>
-              <a:lvl1pPr marL="0" algn="l" defTabSz="914400" rtl="0" eaLnBrk="1" latinLnBrk="1" hangingPunct="1">
-                <a:defRPr sz="1800" kern="1200">
-                  <a:solidFill>
-                    <a:schemeClr val="tx1"/>
-                  </a:solidFill>
-                  <a:latin typeface="+mn-lt"/>
-                  <a:ea typeface="+mn-ea"/>
-                  <a:cs typeface="+mn-cs"/>
-                </a:defRPr>
-              </a:lvl1pPr>
-              <a:lvl2pPr marL="457200" algn="l" defTabSz="914400" rtl="0" eaLnBrk="1" latinLnBrk="1" hangingPunct="1">
-                <a:defRPr sz="1800" kern="1200">
-                  <a:solidFill>
-                    <a:schemeClr val="tx1"/>
-                  </a:solidFill>
-                  <a:latin typeface="+mn-lt"/>
-                  <a:ea typeface="+mn-ea"/>
-                  <a:cs typeface="+mn-cs"/>
-                </a:defRPr>
-              </a:lvl2pPr>
-              <a:lvl3pPr marL="914400" algn="l" defTabSz="914400" rtl="0" eaLnBrk="1" latinLnBrk="1" hangingPunct="1">
-                <a:defRPr sz="1800" kern="1200">
-                  <a:solidFill>
-                    <a:schemeClr val="tx1"/>
-                  </a:solidFill>
-                  <a:latin typeface="+mn-lt"/>
-                  <a:ea typeface="+mn-ea"/>
-                  <a:cs typeface="+mn-cs"/>
-                </a:defRPr>
-              </a:lvl3pPr>
-              <a:lvl4pPr marL="1371600" algn="l" defTabSz="914400" rtl="0" eaLnBrk="1" latinLnBrk="1" hangingPunct="1">
-                <a:defRPr sz="1800" kern="1200">
-                  <a:solidFill>
-                    <a:schemeClr val="tx1"/>
-                  </a:solidFill>
-                  <a:latin typeface="+mn-lt"/>
-                  <a:ea typeface="+mn-ea"/>
-                  <a:cs typeface="+mn-cs"/>
-                </a:defRPr>
-              </a:lvl4pPr>
-              <a:lvl5pPr marL="1828800" algn="l" defTabSz="914400" rtl="0" eaLnBrk="1" latinLnBrk="1" hangingPunct="1">
-                <a:defRPr sz="1800" kern="1200">
-                  <a:solidFill>
-                    <a:schemeClr val="tx1"/>
-                  </a:solidFill>
-                  <a:latin typeface="+mn-lt"/>
-                  <a:ea typeface="+mn-ea"/>
-                  <a:cs typeface="+mn-cs"/>
-                </a:defRPr>
-              </a:lvl5pPr>
-              <a:lvl6pPr marL="2286000" algn="l" defTabSz="914400" rtl="0" eaLnBrk="1" latinLnBrk="1" hangingPunct="1">
-                <a:defRPr sz="1800" kern="1200">
-                  <a:solidFill>
-                    <a:schemeClr val="tx1"/>
-                  </a:solidFill>
-                  <a:latin typeface="+mn-lt"/>
-                  <a:ea typeface="+mn-ea"/>
-                  <a:cs typeface="+mn-cs"/>
-                </a:defRPr>
-              </a:lvl6pPr>
-              <a:lvl7pPr marL="2743200" algn="l" defTabSz="914400" rtl="0" eaLnBrk="1" latinLnBrk="1" hangingPunct="1">
-                <a:defRPr sz="1800" kern="1200">
-                  <a:solidFill>
-                    <a:schemeClr val="tx1"/>
-                  </a:solidFill>
-                  <a:latin typeface="+mn-lt"/>
-                  <a:ea typeface="+mn-ea"/>
-                  <a:cs typeface="+mn-cs"/>
-                </a:defRPr>
-              </a:lvl7pPr>
-              <a:lvl8pPr marL="3200400" algn="l" defTabSz="914400" rtl="0" eaLnBrk="1" latinLnBrk="1" hangingPunct="1">
-                <a:defRPr sz="1800" kern="1200">
-                  <a:solidFill>
-                    <a:schemeClr val="tx1"/>
-                  </a:solidFill>
-                  <a:latin typeface="+mn-lt"/>
-                  <a:ea typeface="+mn-ea"/>
-                  <a:cs typeface="+mn-cs"/>
-                </a:defRPr>
-              </a:lvl8pPr>
-              <a:lvl9pPr marL="3657600" algn="l" defTabSz="914400" rtl="0" eaLnBrk="1" latinLnBrk="1" hangingPunct="1">
-                <a:defRPr sz="1800" kern="1200">
-                  <a:solidFill>
-                    <a:schemeClr val="tx1"/>
-                  </a:solidFill>
-                  <a:latin typeface="+mn-lt"/>
-                  <a:ea typeface="+mn-ea"/>
-                  <a:cs typeface="+mn-cs"/>
-                </a:defRPr>
-              </a:lvl9pPr>
-            </a:lstStyle>
-            <a:p>
-              <a:pPr>
-                <a:defRPr/>
-              </a:pPr>
-              <a:r>
-                <a:rPr lang="ko-KR" altLang="en-US" sz="5000" b="1" dirty="0" smtClean="0">
-                  <a:solidFill>
-                    <a:srgbClr val="FF0000"/>
-                  </a:solidFill>
-                  <a:cs typeface="Arial" pitchFamily="34" charset="0"/>
-                </a:rPr>
-                <a:t>개발동기</a:t>
-              </a:r>
-              <a:endParaRPr lang="en-US" altLang="ko-KR" sz="5000" b="1" dirty="0">
-                <a:solidFill>
-                  <a:srgbClr val="FF0000"/>
-                </a:solidFill>
-                <a:cs typeface="Arial" pitchFamily="34" charset="0"/>
-              </a:endParaRPr>
-            </a:p>
-          </p:txBody>
-        </p:sp>
-        <p:sp>
-          <p:nvSpPr>
-            <p:cNvPr id="25" name="TextBox 24"/>
-            <p:cNvSpPr txBox="1"/>
-            <p:nvPr/>
-          </p:nvSpPr>
-          <p:spPr bwMode="auto">
-            <a:xfrm>
-              <a:off x="2175371" y="2032239"/>
-              <a:ext cx="5040560" cy="276999"/>
-            </a:xfrm>
-            <a:prstGeom prst="rect">
-              <a:avLst/>
-            </a:prstGeom>
-            <a:noFill/>
-            <a:effectLst/>
-          </p:spPr>
-          <p:txBody>
-            <a:bodyPr wrap="square">
-              <a:spAutoFit/>
-            </a:bodyPr>
-            <a:lstStyle>
-              <a:defPPr>
-                <a:defRPr lang="ko-KR"/>
-              </a:defPPr>
-              <a:lvl1pPr marL="0" algn="l" defTabSz="914400" rtl="0" eaLnBrk="1" latinLnBrk="1" hangingPunct="1">
-                <a:defRPr sz="1800" kern="1200">
-                  <a:solidFill>
-                    <a:schemeClr val="tx1"/>
-                  </a:solidFill>
-                  <a:latin typeface="+mn-lt"/>
-                  <a:ea typeface="+mn-ea"/>
-                  <a:cs typeface="+mn-cs"/>
-                </a:defRPr>
-              </a:lvl1pPr>
-              <a:lvl2pPr marL="457200" algn="l" defTabSz="914400" rtl="0" eaLnBrk="1" latinLnBrk="1" hangingPunct="1">
-                <a:defRPr sz="1800" kern="1200">
-                  <a:solidFill>
-                    <a:schemeClr val="tx1"/>
-                  </a:solidFill>
-                  <a:latin typeface="+mn-lt"/>
-                  <a:ea typeface="+mn-ea"/>
-                  <a:cs typeface="+mn-cs"/>
-                </a:defRPr>
-              </a:lvl2pPr>
-              <a:lvl3pPr marL="914400" algn="l" defTabSz="914400" rtl="0" eaLnBrk="1" latinLnBrk="1" hangingPunct="1">
-                <a:defRPr sz="1800" kern="1200">
-                  <a:solidFill>
-                    <a:schemeClr val="tx1"/>
-                  </a:solidFill>
-                  <a:latin typeface="+mn-lt"/>
-                  <a:ea typeface="+mn-ea"/>
-                  <a:cs typeface="+mn-cs"/>
-                </a:defRPr>
-              </a:lvl3pPr>
-              <a:lvl4pPr marL="1371600" algn="l" defTabSz="914400" rtl="0" eaLnBrk="1" latinLnBrk="1" hangingPunct="1">
-                <a:defRPr sz="1800" kern="1200">
-                  <a:solidFill>
-                    <a:schemeClr val="tx1"/>
-                  </a:solidFill>
-                  <a:latin typeface="+mn-lt"/>
-                  <a:ea typeface="+mn-ea"/>
-                  <a:cs typeface="+mn-cs"/>
-                </a:defRPr>
-              </a:lvl4pPr>
-              <a:lvl5pPr marL="1828800" algn="l" defTabSz="914400" rtl="0" eaLnBrk="1" latinLnBrk="1" hangingPunct="1">
-                <a:defRPr sz="1800" kern="1200">
-                  <a:solidFill>
-                    <a:schemeClr val="tx1"/>
-                  </a:solidFill>
-                  <a:latin typeface="+mn-lt"/>
-                  <a:ea typeface="+mn-ea"/>
-                  <a:cs typeface="+mn-cs"/>
-                </a:defRPr>
-              </a:lvl5pPr>
-              <a:lvl6pPr marL="2286000" algn="l" defTabSz="914400" rtl="0" eaLnBrk="1" latinLnBrk="1" hangingPunct="1">
-                <a:defRPr sz="1800" kern="1200">
-                  <a:solidFill>
-                    <a:schemeClr val="tx1"/>
-                  </a:solidFill>
-                  <a:latin typeface="+mn-lt"/>
-                  <a:ea typeface="+mn-ea"/>
-                  <a:cs typeface="+mn-cs"/>
-                </a:defRPr>
-              </a:lvl6pPr>
-              <a:lvl7pPr marL="2743200" algn="l" defTabSz="914400" rtl="0" eaLnBrk="1" latinLnBrk="1" hangingPunct="1">
-                <a:defRPr sz="1800" kern="1200">
-                  <a:solidFill>
-                    <a:schemeClr val="tx1"/>
-                  </a:solidFill>
-                  <a:latin typeface="+mn-lt"/>
-                  <a:ea typeface="+mn-ea"/>
-                  <a:cs typeface="+mn-cs"/>
-                </a:defRPr>
-              </a:lvl7pPr>
-              <a:lvl8pPr marL="3200400" algn="l" defTabSz="914400" rtl="0" eaLnBrk="1" latinLnBrk="1" hangingPunct="1">
-                <a:defRPr sz="1800" kern="1200">
-                  <a:solidFill>
-                    <a:schemeClr val="tx1"/>
-                  </a:solidFill>
-                  <a:latin typeface="+mn-lt"/>
-                  <a:ea typeface="+mn-ea"/>
-                  <a:cs typeface="+mn-cs"/>
-                </a:defRPr>
-              </a:lvl8pPr>
-              <a:lvl9pPr marL="3657600" algn="l" defTabSz="914400" rtl="0" eaLnBrk="1" latinLnBrk="1" hangingPunct="1">
-                <a:defRPr sz="1800" kern="1200">
-                  <a:solidFill>
-                    <a:schemeClr val="tx1"/>
-                  </a:solidFill>
-                  <a:latin typeface="+mn-lt"/>
-                  <a:ea typeface="+mn-ea"/>
-                  <a:cs typeface="+mn-cs"/>
-                </a:defRPr>
-              </a:lvl9pPr>
-            </a:lstStyle>
-            <a:p>
-              <a:pPr>
-                <a:defRPr/>
-              </a:pPr>
-              <a:endParaRPr lang="ko-KR" altLang="en-US" sz="1200" b="1" dirty="0">
-                <a:solidFill>
-                  <a:srgbClr val="FF0000"/>
-                </a:solidFill>
-                <a:cs typeface="Arial" pitchFamily="34" charset="0"/>
-              </a:endParaRPr>
-            </a:p>
-          </p:txBody>
-        </p:sp>
-      </p:grpSp>
-      <p:sp>
-        <p:nvSpPr>
-          <p:cNvPr id="27" name="TextBox 10"/>
-          <p:cNvSpPr txBox="1"/>
-          <p:nvPr/>
-        </p:nvSpPr>
-        <p:spPr bwMode="auto">
-          <a:xfrm>
-            <a:off x="107504" y="1851670"/>
-            <a:ext cx="6408712" cy="2246769"/>
-          </a:xfrm>
-          <a:prstGeom prst="rect">
-            <a:avLst/>
-          </a:prstGeom>
-          <a:noFill/>
-          <a:effectLst/>
-        </p:spPr>
-        <p:txBody>
-          <a:bodyPr wrap="square">
-            <a:spAutoFit/>
-          </a:bodyPr>
-          <a:lstStyle>
-            <a:defPPr>
-              <a:defRPr lang="ko-KR"/>
-            </a:defPPr>
-            <a:lvl1pPr marL="0" algn="l" defTabSz="914400" rtl="0" eaLnBrk="1" latinLnBrk="1" hangingPunct="1">
-              <a:defRPr sz="1800" kern="1200">
-                <a:solidFill>
-                  <a:schemeClr val="tx1"/>
-                </a:solidFill>
-                <a:latin typeface="+mn-lt"/>
-                <a:ea typeface="+mn-ea"/>
-                <a:cs typeface="+mn-cs"/>
-              </a:defRPr>
-            </a:lvl1pPr>
-            <a:lvl2pPr marL="457200" algn="l" defTabSz="914400" rtl="0" eaLnBrk="1" latinLnBrk="1" hangingPunct="1">
-              <a:defRPr sz="1800" kern="1200">
-                <a:solidFill>
-                  <a:schemeClr val="tx1"/>
-                </a:solidFill>
-                <a:latin typeface="+mn-lt"/>
-                <a:ea typeface="+mn-ea"/>
-                <a:cs typeface="+mn-cs"/>
-              </a:defRPr>
-            </a:lvl2pPr>
-            <a:lvl3pPr marL="914400" algn="l" defTabSz="914400" rtl="0" eaLnBrk="1" latinLnBrk="1" hangingPunct="1">
-              <a:defRPr sz="1800" kern="1200">
-                <a:solidFill>
-                  <a:schemeClr val="tx1"/>
-                </a:solidFill>
-                <a:latin typeface="+mn-lt"/>
-                <a:ea typeface="+mn-ea"/>
-                <a:cs typeface="+mn-cs"/>
-              </a:defRPr>
-            </a:lvl3pPr>
-            <a:lvl4pPr marL="1371600" algn="l" defTabSz="914400" rtl="0" eaLnBrk="1" latinLnBrk="1" hangingPunct="1">
-              <a:defRPr sz="1800" kern="1200">
-                <a:solidFill>
-                  <a:schemeClr val="tx1"/>
-                </a:solidFill>
-                <a:latin typeface="+mn-lt"/>
-                <a:ea typeface="+mn-ea"/>
-                <a:cs typeface="+mn-cs"/>
-              </a:defRPr>
-            </a:lvl4pPr>
-            <a:lvl5pPr marL="1828800" algn="l" defTabSz="914400" rtl="0" eaLnBrk="1" latinLnBrk="1" hangingPunct="1">
-              <a:defRPr sz="1800" kern="1200">
-                <a:solidFill>
-                  <a:schemeClr val="tx1"/>
-                </a:solidFill>
-                <a:latin typeface="+mn-lt"/>
-                <a:ea typeface="+mn-ea"/>
-                <a:cs typeface="+mn-cs"/>
-              </a:defRPr>
-            </a:lvl5pPr>
-            <a:lvl6pPr marL="2286000" algn="l" defTabSz="914400" rtl="0" eaLnBrk="1" latinLnBrk="1" hangingPunct="1">
-              <a:defRPr sz="1800" kern="1200">
-                <a:solidFill>
-                  <a:schemeClr val="tx1"/>
-                </a:solidFill>
-                <a:latin typeface="+mn-lt"/>
-                <a:ea typeface="+mn-ea"/>
-                <a:cs typeface="+mn-cs"/>
-              </a:defRPr>
-            </a:lvl6pPr>
-            <a:lvl7pPr marL="2743200" algn="l" defTabSz="914400" rtl="0" eaLnBrk="1" latinLnBrk="1" hangingPunct="1">
-              <a:defRPr sz="1800" kern="1200">
-                <a:solidFill>
-                  <a:schemeClr val="tx1"/>
-                </a:solidFill>
-                <a:latin typeface="+mn-lt"/>
-                <a:ea typeface="+mn-ea"/>
-                <a:cs typeface="+mn-cs"/>
-              </a:defRPr>
-            </a:lvl7pPr>
-            <a:lvl8pPr marL="3200400" algn="l" defTabSz="914400" rtl="0" eaLnBrk="1" latinLnBrk="1" hangingPunct="1">
-              <a:defRPr sz="1800" kern="1200">
-                <a:solidFill>
-                  <a:schemeClr val="tx1"/>
-                </a:solidFill>
-                <a:latin typeface="+mn-lt"/>
-                <a:ea typeface="+mn-ea"/>
-                <a:cs typeface="+mn-cs"/>
-              </a:defRPr>
-            </a:lvl8pPr>
-            <a:lvl9pPr marL="3657600" algn="l" defTabSz="914400" rtl="0" eaLnBrk="1" latinLnBrk="1" hangingPunct="1">
-              <a:defRPr sz="1800" kern="1200">
-                <a:solidFill>
-                  <a:schemeClr val="tx1"/>
-                </a:solidFill>
-                <a:latin typeface="+mn-lt"/>
-                <a:ea typeface="+mn-ea"/>
-                <a:cs typeface="+mn-cs"/>
-              </a:defRPr>
-            </a:lvl9pPr>
-          </a:lstStyle>
-          <a:p>
-            <a:pPr algn="ctr">
-              <a:defRPr/>
-            </a:pPr>
-            <a:r>
-              <a:rPr lang="ko-KR" altLang="en-US" sz="2800" b="1" dirty="0" smtClean="0">
-                <a:solidFill>
-                  <a:srgbClr val="FF0000"/>
-                </a:solidFill>
-                <a:cs typeface="Arial" pitchFamily="34" charset="0"/>
-              </a:rPr>
-              <a:t>일반적으로 사용하는 언어보다 </a:t>
-            </a:r>
-            <a:endParaRPr lang="en-US" altLang="ko-KR" sz="2800" b="1" dirty="0" smtClean="0">
-              <a:solidFill>
-                <a:srgbClr val="FF0000"/>
-              </a:solidFill>
-              <a:cs typeface="Arial" pitchFamily="34" charset="0"/>
-            </a:endParaRPr>
-          </a:p>
-          <a:p>
-            <a:pPr algn="ctr">
-              <a:defRPr/>
-            </a:pPr>
-            <a:r>
-              <a:rPr lang="ko-KR" altLang="en-US" sz="2800" b="1" dirty="0" smtClean="0">
-                <a:solidFill>
-                  <a:srgbClr val="FF0000"/>
-                </a:solidFill>
-                <a:cs typeface="Arial" pitchFamily="34" charset="0"/>
-              </a:rPr>
-              <a:t>향후 </a:t>
-            </a:r>
-            <a:r>
-              <a:rPr lang="ko-KR" altLang="en-US" sz="2800" b="1" dirty="0" err="1" smtClean="0">
-                <a:solidFill>
-                  <a:srgbClr val="FF0000"/>
-                </a:solidFill>
-                <a:cs typeface="Arial" pitchFamily="34" charset="0"/>
-              </a:rPr>
-              <a:t>메리트가</a:t>
-            </a:r>
-            <a:r>
-              <a:rPr lang="ko-KR" altLang="en-US" sz="2800" b="1" dirty="0" smtClean="0">
-                <a:solidFill>
-                  <a:srgbClr val="FF0000"/>
-                </a:solidFill>
-                <a:cs typeface="Arial" pitchFamily="34" charset="0"/>
-              </a:rPr>
-              <a:t> 있는 프로그래밍 언어로 홈페이지 제작에 관해 알아보던 중 </a:t>
-            </a:r>
-            <a:endParaRPr lang="en-US" altLang="ko-KR" sz="2800" b="1" dirty="0" smtClean="0">
-              <a:solidFill>
-                <a:srgbClr val="FF0000"/>
-              </a:solidFill>
-              <a:cs typeface="Arial" pitchFamily="34" charset="0"/>
-            </a:endParaRPr>
-          </a:p>
-          <a:p>
-            <a:pPr algn="ctr">
-              <a:defRPr/>
-            </a:pPr>
-            <a:r>
-              <a:rPr lang="ko-KR" altLang="en-US" sz="2800" b="1" dirty="0" smtClean="0">
-                <a:solidFill>
-                  <a:srgbClr val="FF0000"/>
-                </a:solidFill>
-                <a:cs typeface="Arial" pitchFamily="34" charset="0"/>
-              </a:rPr>
-              <a:t>국외 회사와 프로젝트를 할 기회를 얻게 되어 작품을 개발하게 됨</a:t>
-            </a:r>
-            <a:endParaRPr lang="en-US" altLang="ko-KR" sz="2800" b="1" dirty="0">
-              <a:solidFill>
-                <a:srgbClr val="FF0000"/>
-              </a:solidFill>
-              <a:cs typeface="Arial" pitchFamily="34" charset="0"/>
-            </a:endParaRPr>
-          </a:p>
-        </p:txBody>
-      </p:sp>
-    </p:spTree>
-    <p:extLst>
-      <p:ext uri="{BB962C8B-B14F-4D97-AF65-F5344CB8AC3E}">
-        <p14:creationId xmlns:p14="http://schemas.microsoft.com/office/powerpoint/2010/main" xmlns="" val="1095055991"/>
-      </p:ext>
-    </p:extLst>
-  </p:cSld>
-  <p:clrMapOvr>
-    <a:masterClrMapping/>
-  </p:clrMapOvr>
-  <p:transition/>
-  <p:timing>
-    <p:tnLst>
-      <p:par>
-        <p:cTn id="1" dur="indefinite" restart="never" nodeType="tmRoot"/>
-      </p:par>
-    </p:tnLst>
-  </p:timing>
-</p:sld>
-</file>
-
-<file path=ppt/slides/slide5.xml><?xml version="1.0" encoding="utf-8"?>
+<file path=ppt/slides/slide3.xml><?xml version="1.0" encoding="utf-8"?>
 <p:sld xmlns:a="http://schemas.openxmlformats.org/drawingml/2006/main" xmlns:r="http://schemas.openxmlformats.org/officeDocument/2006/relationships" xmlns:p="http://schemas.openxmlformats.org/presentationml/2006/main">
   <p:cSld>
     <p:spTree>
@@ -16866,7 +10474,7 @@
     </p:spTree>
     <p:extLst>
       <p:ext uri="{BB962C8B-B14F-4D97-AF65-F5344CB8AC3E}">
-        <p14:creationId xmlns:p14="http://schemas.microsoft.com/office/powerpoint/2010/main" xmlns="" val="4034651252"/>
+        <p14:creationId xmlns:p14="http://schemas.microsoft.com/office/powerpoint/2010/main" val="4034651252"/>
       </p:ext>
     </p:extLst>
   </p:cSld>
@@ -16884,7 +10492,7 @@
 </p:sld>
 </file>
 
-<file path=ppt/slides/slide6.xml><?xml version="1.0" encoding="utf-8"?>
+<file path=ppt/slides/slide4.xml><?xml version="1.0" encoding="utf-8"?>
 <p:sld xmlns:a="http://schemas.openxmlformats.org/drawingml/2006/main" xmlns:r="http://schemas.openxmlformats.org/officeDocument/2006/relationships" xmlns:p="http://schemas.openxmlformats.org/presentationml/2006/main">
   <p:cSld>
     <p:spTree>
@@ -16955,7 +10563,7 @@
     </p:spTree>
     <p:extLst>
       <p:ext uri="{BB962C8B-B14F-4D97-AF65-F5344CB8AC3E}">
-        <p14:creationId xmlns:p14="http://schemas.microsoft.com/office/powerpoint/2010/main" xmlns="" val="3101234267"/>
+        <p14:creationId xmlns:p14="http://schemas.microsoft.com/office/powerpoint/2010/main" val="3101234267"/>
       </p:ext>
     </p:extLst>
   </p:cSld>
@@ -16973,7 +10581,7 @@
 </p:sld>
 </file>
 
-<file path=ppt/slides/slide7.xml><?xml version="1.0" encoding="utf-8"?>
+<file path=ppt/slides/slide5.xml><?xml version="1.0" encoding="utf-8"?>
 <p:sld xmlns:a="http://schemas.openxmlformats.org/drawingml/2006/main" xmlns:r="http://schemas.openxmlformats.org/officeDocument/2006/relationships" xmlns:p="http://schemas.openxmlformats.org/presentationml/2006/main">
   <p:cSld>
     <p:spTree>
@@ -17713,7 +11321,7 @@
     </p:spTree>
     <p:extLst>
       <p:ext uri="{BB962C8B-B14F-4D97-AF65-F5344CB8AC3E}">
-        <p14:creationId xmlns="" xmlns:p14="http://schemas.microsoft.com/office/powerpoint/2010/main" val="2392108212"/>
+        <p14:creationId xmlns:p14="http://schemas.microsoft.com/office/powerpoint/2010/main" val="2392108212"/>
       </p:ext>
     </p:extLst>
   </p:cSld>
@@ -17799,7 +11407,7 @@
 </p:sld>
 </file>
 
-<file path=ppt/slides/slide8.xml><?xml version="1.0" encoding="utf-8"?>
+<file path=ppt/slides/slide6.xml><?xml version="1.0" encoding="utf-8"?>
 <p:sld xmlns:a="http://schemas.openxmlformats.org/drawingml/2006/main" xmlns:r="http://schemas.openxmlformats.org/officeDocument/2006/relationships" xmlns:p="http://schemas.openxmlformats.org/presentationml/2006/main">
   <p:cSld>
     <p:spTree>
@@ -18441,7 +12049,833 @@
     </p:spTree>
     <p:extLst>
       <p:ext uri="{BB962C8B-B14F-4D97-AF65-F5344CB8AC3E}">
-        <p14:creationId xmlns:p14="http://schemas.microsoft.com/office/powerpoint/2010/main" xmlns="" val="1079078949"/>
+        <p14:creationId xmlns:p14="http://schemas.microsoft.com/office/powerpoint/2010/main" val="1079078949"/>
+      </p:ext>
+    </p:extLst>
+  </p:cSld>
+  <p:clrMapOvr>
+    <a:masterClrMapping/>
+  </p:clrMapOvr>
+  <p:transition/>
+  <p:timing>
+    <p:tnLst>
+      <p:par>
+        <p:cTn id="1" dur="indefinite" restart="never" nodeType="tmRoot"/>
+      </p:par>
+    </p:tnLst>
+  </p:timing>
+</p:sld>
+</file>
+
+<file path=ppt/slides/slide7.xml><?xml version="1.0" encoding="utf-8"?>
+<p:sld xmlns:a="http://schemas.openxmlformats.org/drawingml/2006/main" xmlns:r="http://schemas.openxmlformats.org/officeDocument/2006/relationships" xmlns:p="http://schemas.openxmlformats.org/presentationml/2006/main">
+  <p:cSld>
+    <p:spTree>
+      <p:nvGrpSpPr>
+        <p:cNvPr id="1" name=""/>
+        <p:cNvGrpSpPr/>
+        <p:nvPr/>
+      </p:nvGrpSpPr>
+      <p:grpSpPr>
+        <a:xfrm>
+          <a:off x="0" y="0"/>
+          <a:ext cx="0" cy="0"/>
+          <a:chOff x="0" y="0"/>
+          <a:chExt cx="0" cy="0"/>
+        </a:xfrm>
+      </p:grpSpPr>
+      <p:sp>
+        <p:nvSpPr>
+          <p:cNvPr id="3" name="Title 2"/>
+          <p:cNvSpPr txBox="1">
+            <a:spLocks/>
+          </p:cNvSpPr>
+          <p:nvPr/>
+        </p:nvSpPr>
+        <p:spPr>
+          <a:xfrm>
+            <a:off x="0" y="483518"/>
+            <a:ext cx="9144000" cy="576064"/>
+          </a:xfrm>
+          <a:prstGeom prst="rect">
+            <a:avLst/>
+          </a:prstGeom>
+        </p:spPr>
+        <p:txBody>
+          <a:bodyPr anchor="ctr"/>
+          <a:lstStyle>
+            <a:lvl1pPr algn="ctr" defTabSz="914400" rtl="0" eaLnBrk="1" latinLnBrk="1" hangingPunct="1">
+              <a:spcBef>
+                <a:spcPct val="0"/>
+              </a:spcBef>
+              <a:buNone/>
+              <a:defRPr sz="4400" kern="1200">
+                <a:solidFill>
+                  <a:schemeClr val="tx1"/>
+                </a:solidFill>
+                <a:latin typeface="+mj-lt"/>
+                <a:ea typeface="+mj-ea"/>
+                <a:cs typeface="+mj-cs"/>
+              </a:defRPr>
+            </a:lvl1pPr>
+          </a:lstStyle>
+          <a:p>
+            <a:r>
+              <a:rPr lang="en-US" sz="3600" dirty="0">
+                <a:solidFill>
+                  <a:schemeClr val="bg1"/>
+                </a:solidFill>
+                <a:latin typeface="Arial" pitchFamily="34" charset="0"/>
+                <a:cs typeface="Arial" pitchFamily="34" charset="0"/>
+              </a:rPr>
+              <a:t>Agenda Style</a:t>
+            </a:r>
+          </a:p>
+        </p:txBody>
+      </p:sp>
+      <p:sp>
+        <p:nvSpPr>
+          <p:cNvPr id="5" name="Text Placeholder 1"/>
+          <p:cNvSpPr txBox="1">
+            <a:spLocks/>
+          </p:cNvSpPr>
+          <p:nvPr/>
+        </p:nvSpPr>
+        <p:spPr>
+          <a:xfrm rot="16200000">
+            <a:off x="-1822186" y="2109390"/>
+            <a:ext cx="5143501" cy="924722"/>
+          </a:xfrm>
+          <a:prstGeom prst="rect">
+            <a:avLst/>
+          </a:prstGeom>
+        </p:spPr>
+        <p:txBody>
+          <a:bodyPr anchor="ctr"/>
+          <a:lstStyle>
+            <a:lvl1pPr marL="342900" indent="-342900" algn="l" defTabSz="914400" rtl="0" eaLnBrk="1" latinLnBrk="1" hangingPunct="1">
+              <a:spcBef>
+                <a:spcPct val="20000"/>
+              </a:spcBef>
+              <a:buFont typeface="Arial" pitchFamily="34" charset="0"/>
+              <a:buChar char="•"/>
+              <a:defRPr sz="3200" kern="1200">
+                <a:solidFill>
+                  <a:schemeClr val="tx1"/>
+                </a:solidFill>
+                <a:latin typeface="+mn-lt"/>
+                <a:ea typeface="+mn-ea"/>
+                <a:cs typeface="+mn-cs"/>
+              </a:defRPr>
+            </a:lvl1pPr>
+            <a:lvl2pPr marL="742950" indent="-285750" algn="l" defTabSz="914400" rtl="0" eaLnBrk="1" latinLnBrk="1" hangingPunct="1">
+              <a:spcBef>
+                <a:spcPct val="20000"/>
+              </a:spcBef>
+              <a:buFont typeface="Arial" pitchFamily="34" charset="0"/>
+              <a:buChar char="–"/>
+              <a:defRPr sz="2800" kern="1200">
+                <a:solidFill>
+                  <a:schemeClr val="tx1"/>
+                </a:solidFill>
+                <a:latin typeface="+mn-lt"/>
+                <a:ea typeface="+mn-ea"/>
+                <a:cs typeface="+mn-cs"/>
+              </a:defRPr>
+            </a:lvl2pPr>
+            <a:lvl3pPr marL="1143000" indent="-228600" algn="l" defTabSz="914400" rtl="0" eaLnBrk="1" latinLnBrk="1" hangingPunct="1">
+              <a:spcBef>
+                <a:spcPct val="20000"/>
+              </a:spcBef>
+              <a:buFont typeface="Arial" pitchFamily="34" charset="0"/>
+              <a:buChar char="•"/>
+              <a:defRPr sz="2400" kern="1200">
+                <a:solidFill>
+                  <a:schemeClr val="tx1"/>
+                </a:solidFill>
+                <a:latin typeface="+mn-lt"/>
+                <a:ea typeface="+mn-ea"/>
+                <a:cs typeface="+mn-cs"/>
+              </a:defRPr>
+            </a:lvl3pPr>
+            <a:lvl4pPr marL="1600200" indent="-228600" algn="l" defTabSz="914400" rtl="0" eaLnBrk="1" latinLnBrk="1" hangingPunct="1">
+              <a:spcBef>
+                <a:spcPct val="20000"/>
+              </a:spcBef>
+              <a:buFont typeface="Arial" pitchFamily="34" charset="0"/>
+              <a:buChar char="–"/>
+              <a:defRPr sz="2000" kern="1200">
+                <a:solidFill>
+                  <a:schemeClr val="tx1"/>
+                </a:solidFill>
+                <a:latin typeface="+mn-lt"/>
+                <a:ea typeface="+mn-ea"/>
+                <a:cs typeface="+mn-cs"/>
+              </a:defRPr>
+            </a:lvl4pPr>
+            <a:lvl5pPr marL="2057400" indent="-228600" algn="l" defTabSz="914400" rtl="0" eaLnBrk="1" latinLnBrk="1" hangingPunct="1">
+              <a:spcBef>
+                <a:spcPct val="20000"/>
+              </a:spcBef>
+              <a:buFont typeface="Arial" pitchFamily="34" charset="0"/>
+              <a:buChar char="»"/>
+              <a:defRPr sz="2000" kern="1200">
+                <a:solidFill>
+                  <a:schemeClr val="tx1"/>
+                </a:solidFill>
+                <a:latin typeface="+mn-lt"/>
+                <a:ea typeface="+mn-ea"/>
+                <a:cs typeface="+mn-cs"/>
+              </a:defRPr>
+            </a:lvl5pPr>
+            <a:lvl6pPr marL="2514600" indent="-228600" algn="l" defTabSz="914400" rtl="0" eaLnBrk="1" latinLnBrk="1" hangingPunct="1">
+              <a:spcBef>
+                <a:spcPct val="20000"/>
+              </a:spcBef>
+              <a:buFont typeface="Arial" pitchFamily="34" charset="0"/>
+              <a:buChar char="•"/>
+              <a:defRPr sz="2000" kern="1200">
+                <a:solidFill>
+                  <a:schemeClr val="tx1"/>
+                </a:solidFill>
+                <a:latin typeface="+mn-lt"/>
+                <a:ea typeface="+mn-ea"/>
+                <a:cs typeface="+mn-cs"/>
+              </a:defRPr>
+            </a:lvl6pPr>
+            <a:lvl7pPr marL="2971800" indent="-228600" algn="l" defTabSz="914400" rtl="0" eaLnBrk="1" latinLnBrk="1" hangingPunct="1">
+              <a:spcBef>
+                <a:spcPct val="20000"/>
+              </a:spcBef>
+              <a:buFont typeface="Arial" pitchFamily="34" charset="0"/>
+              <a:buChar char="•"/>
+              <a:defRPr sz="2000" kern="1200">
+                <a:solidFill>
+                  <a:schemeClr val="tx1"/>
+                </a:solidFill>
+                <a:latin typeface="+mn-lt"/>
+                <a:ea typeface="+mn-ea"/>
+                <a:cs typeface="+mn-cs"/>
+              </a:defRPr>
+            </a:lvl7pPr>
+            <a:lvl8pPr marL="3429000" indent="-228600" algn="l" defTabSz="914400" rtl="0" eaLnBrk="1" latinLnBrk="1" hangingPunct="1">
+              <a:spcBef>
+                <a:spcPct val="20000"/>
+              </a:spcBef>
+              <a:buFont typeface="Arial" pitchFamily="34" charset="0"/>
+              <a:buChar char="•"/>
+              <a:defRPr sz="2000" kern="1200">
+                <a:solidFill>
+                  <a:schemeClr val="tx1"/>
+                </a:solidFill>
+                <a:latin typeface="+mn-lt"/>
+                <a:ea typeface="+mn-ea"/>
+                <a:cs typeface="+mn-cs"/>
+              </a:defRPr>
+            </a:lvl8pPr>
+            <a:lvl9pPr marL="3886200" indent="-228600" algn="l" defTabSz="914400" rtl="0" eaLnBrk="1" latinLnBrk="1" hangingPunct="1">
+              <a:spcBef>
+                <a:spcPct val="20000"/>
+              </a:spcBef>
+              <a:buFont typeface="Arial" pitchFamily="34" charset="0"/>
+              <a:buChar char="•"/>
+              <a:defRPr sz="2000" kern="1200">
+                <a:solidFill>
+                  <a:schemeClr val="tx1"/>
+                </a:solidFill>
+                <a:latin typeface="+mn-lt"/>
+                <a:ea typeface="+mn-ea"/>
+                <a:cs typeface="+mn-cs"/>
+              </a:defRPr>
+            </a:lvl9pPr>
+          </a:lstStyle>
+          <a:p>
+            <a:pPr marL="0" indent="0" algn="ctr">
+              <a:buNone/>
+            </a:pPr>
+            <a:r>
+              <a:rPr lang="en-US" altLang="ko-KR" sz="4400" b="1" dirty="0" smtClean="0">
+                <a:solidFill>
+                  <a:schemeClr val="bg1"/>
+                </a:solidFill>
+                <a:cs typeface="Arial" pitchFamily="34" charset="0"/>
+              </a:rPr>
+              <a:t>Web </a:t>
+            </a:r>
+            <a:r>
+              <a:rPr lang="en-US" altLang="ko-KR" sz="4400" b="1" dirty="0" err="1" smtClean="0">
+                <a:solidFill>
+                  <a:schemeClr val="bg1"/>
+                </a:solidFill>
+                <a:cs typeface="Arial" pitchFamily="34" charset="0"/>
+              </a:rPr>
+              <a:t>Programing</a:t>
+            </a:r>
+            <a:endParaRPr lang="ko-KR" altLang="en-US" sz="4400" b="1" dirty="0">
+              <a:solidFill>
+                <a:schemeClr val="bg1"/>
+              </a:solidFill>
+              <a:cs typeface="Arial" pitchFamily="34" charset="0"/>
+            </a:endParaRPr>
+          </a:p>
+        </p:txBody>
+      </p:sp>
+      <p:grpSp>
+        <p:nvGrpSpPr>
+          <p:cNvPr id="2" name="Group 7"/>
+          <p:cNvGrpSpPr/>
+          <p:nvPr/>
+        </p:nvGrpSpPr>
+        <p:grpSpPr>
+          <a:xfrm>
+            <a:off x="1907704" y="483518"/>
+            <a:ext cx="6652377" cy="867490"/>
+            <a:chOff x="3687661" y="1203598"/>
+            <a:chExt cx="2252491" cy="867490"/>
+          </a:xfrm>
+        </p:grpSpPr>
+        <p:sp>
+          <p:nvSpPr>
+            <p:cNvPr id="10" name="TextBox 9"/>
+            <p:cNvSpPr txBox="1"/>
+            <p:nvPr/>
+          </p:nvSpPr>
+          <p:spPr>
+            <a:xfrm>
+              <a:off x="3687661" y="1203598"/>
+              <a:ext cx="2252491" cy="461665"/>
+            </a:xfrm>
+            <a:prstGeom prst="rect">
+              <a:avLst/>
+            </a:prstGeom>
+            <a:noFill/>
+          </p:spPr>
+          <p:txBody>
+            <a:bodyPr wrap="square" rtlCol="0">
+              <a:spAutoFit/>
+            </a:bodyPr>
+            <a:lstStyle/>
+            <a:p>
+              <a:r>
+                <a:rPr lang="ko-KR" altLang="en-US" sz="2400" b="1" dirty="0" smtClean="0">
+                  <a:solidFill>
+                    <a:schemeClr val="accent3"/>
+                  </a:solidFill>
+                  <a:cs typeface="Arial" pitchFamily="34" charset="0"/>
+                </a:rPr>
+                <a:t>코드 설명</a:t>
+              </a:r>
+              <a:r>
+                <a:rPr lang="en-US" altLang="ko-KR" sz="2400" b="1" dirty="0" smtClean="0">
+                  <a:solidFill>
+                    <a:schemeClr val="accent3"/>
+                  </a:solidFill>
+                  <a:cs typeface="Arial" pitchFamily="34" charset="0"/>
+                </a:rPr>
+                <a:t> (Python)</a:t>
+              </a:r>
+              <a:endParaRPr lang="ko-KR" altLang="en-US" sz="2400" b="1" dirty="0">
+                <a:solidFill>
+                  <a:schemeClr val="accent3"/>
+                </a:solidFill>
+                <a:cs typeface="Arial" pitchFamily="34" charset="0"/>
+              </a:endParaRPr>
+            </a:p>
+          </p:txBody>
+        </p:sp>
+        <p:sp>
+          <p:nvSpPr>
+            <p:cNvPr id="14" name="TextBox 13"/>
+            <p:cNvSpPr txBox="1"/>
+            <p:nvPr/>
+          </p:nvSpPr>
+          <p:spPr>
+            <a:xfrm>
+              <a:off x="3687661" y="1763311"/>
+              <a:ext cx="2252491" cy="307777"/>
+            </a:xfrm>
+            <a:prstGeom prst="rect">
+              <a:avLst/>
+            </a:prstGeom>
+            <a:noFill/>
+          </p:spPr>
+          <p:txBody>
+            <a:bodyPr wrap="square" rtlCol="0">
+              <a:spAutoFit/>
+            </a:bodyPr>
+            <a:lstStyle/>
+            <a:p>
+              <a:r>
+                <a:rPr lang="en-US" altLang="ko-KR" sz="1400" b="1" dirty="0" smtClean="0">
+                  <a:solidFill>
+                    <a:schemeClr val="accent3"/>
+                  </a:solidFill>
+                  <a:cs typeface="Arial" pitchFamily="34" charset="0"/>
+                </a:rPr>
+                <a:t>Register</a:t>
+              </a:r>
+              <a:endParaRPr lang="ko-KR" altLang="en-US" sz="1400" b="1" dirty="0">
+                <a:solidFill>
+                  <a:schemeClr val="accent3"/>
+                </a:solidFill>
+                <a:cs typeface="Arial" pitchFamily="34" charset="0"/>
+              </a:endParaRPr>
+            </a:p>
+          </p:txBody>
+        </p:sp>
+      </p:grpSp>
+      <p:sp>
+        <p:nvSpPr>
+          <p:cNvPr id="11" name="Rectangle 10"/>
+          <p:cNvSpPr/>
+          <p:nvPr/>
+        </p:nvSpPr>
+        <p:spPr>
+          <a:xfrm>
+            <a:off x="1972081" y="945182"/>
+            <a:ext cx="2052000" cy="72000"/>
+          </a:xfrm>
+          <a:prstGeom prst="rect">
+            <a:avLst/>
+          </a:prstGeom>
+          <a:solidFill>
+            <a:schemeClr val="accent2"/>
+          </a:solidFill>
+          <a:ln>
+            <a:noFill/>
+          </a:ln>
+        </p:spPr>
+        <p:style>
+          <a:lnRef idx="2">
+            <a:schemeClr val="accent1">
+              <a:shade val="50000"/>
+            </a:schemeClr>
+          </a:lnRef>
+          <a:fillRef idx="1">
+            <a:schemeClr val="accent1"/>
+          </a:fillRef>
+          <a:effectRef idx="0">
+            <a:schemeClr val="accent1"/>
+          </a:effectRef>
+          <a:fontRef idx="minor">
+            <a:schemeClr val="lt1"/>
+          </a:fontRef>
+        </p:style>
+        <p:txBody>
+          <a:bodyPr rot="0" spcFirstLastPara="0" vertOverflow="overflow" horzOverflow="overflow" vert="horz" wrap="square" lIns="91440" tIns="45720" rIns="91440" bIns="45720" numCol="1" spcCol="0" rtlCol="0" fromWordArt="0" anchor="ctr" anchorCtr="0" forceAA="0" compatLnSpc="1">
+            <a:prstTxWarp prst="textNoShape">
+              <a:avLst/>
+            </a:prstTxWarp>
+            <a:noAutofit/>
+          </a:bodyPr>
+          <a:lstStyle/>
+          <a:p>
+            <a:pPr algn="ctr"/>
+            <a:endParaRPr lang="ko-KR" altLang="en-US"/>
+          </a:p>
+        </p:txBody>
+      </p:sp>
+      <p:sp>
+        <p:nvSpPr>
+          <p:cNvPr id="13" name="Rectangle 12"/>
+          <p:cNvSpPr/>
+          <p:nvPr/>
+        </p:nvSpPr>
+        <p:spPr>
+          <a:xfrm>
+            <a:off x="4024081" y="945183"/>
+            <a:ext cx="4536000" cy="72000"/>
+          </a:xfrm>
+          <a:prstGeom prst="rect">
+            <a:avLst/>
+          </a:prstGeom>
+          <a:solidFill>
+            <a:schemeClr val="accent2">
+              <a:alpha val="30000"/>
+            </a:schemeClr>
+          </a:solidFill>
+          <a:ln>
+            <a:noFill/>
+          </a:ln>
+        </p:spPr>
+        <p:style>
+          <a:lnRef idx="2">
+            <a:schemeClr val="accent1">
+              <a:shade val="50000"/>
+            </a:schemeClr>
+          </a:lnRef>
+          <a:fillRef idx="1">
+            <a:schemeClr val="accent1"/>
+          </a:fillRef>
+          <a:effectRef idx="0">
+            <a:schemeClr val="accent1"/>
+          </a:effectRef>
+          <a:fontRef idx="minor">
+            <a:schemeClr val="lt1"/>
+          </a:fontRef>
+        </p:style>
+        <p:txBody>
+          <a:bodyPr rot="0" spcFirstLastPara="0" vertOverflow="overflow" horzOverflow="overflow" vert="horz" wrap="square" lIns="91440" tIns="45720" rIns="91440" bIns="45720" numCol="1" spcCol="0" rtlCol="0" fromWordArt="0" anchor="ctr" anchorCtr="0" forceAA="0" compatLnSpc="1">
+            <a:prstTxWarp prst="textNoShape">
+              <a:avLst/>
+            </a:prstTxWarp>
+            <a:noAutofit/>
+          </a:bodyPr>
+          <a:lstStyle/>
+          <a:p>
+            <a:pPr algn="ctr"/>
+            <a:endParaRPr lang="ko-KR" altLang="en-US"/>
+          </a:p>
+        </p:txBody>
+      </p:sp>
+      <p:sp>
+        <p:nvSpPr>
+          <p:cNvPr id="12" name="TextBox 11"/>
+          <p:cNvSpPr txBox="1"/>
+          <p:nvPr/>
+        </p:nvSpPr>
+        <p:spPr>
+          <a:xfrm>
+            <a:off x="5580112" y="1043231"/>
+            <a:ext cx="2979969" cy="307777"/>
+          </a:xfrm>
+          <a:prstGeom prst="rect">
+            <a:avLst/>
+          </a:prstGeom>
+          <a:noFill/>
+        </p:spPr>
+        <p:txBody>
+          <a:bodyPr wrap="square" rtlCol="0">
+            <a:spAutoFit/>
+          </a:bodyPr>
+          <a:lstStyle/>
+          <a:p>
+            <a:pPr algn="r"/>
+            <a:r>
+              <a:rPr lang="en-US" altLang="ko-KR" sz="1400" b="1" dirty="0" smtClean="0">
+                <a:solidFill>
+                  <a:schemeClr val="accent3"/>
+                </a:solidFill>
+                <a:cs typeface="Arial" pitchFamily="34" charset="0"/>
+              </a:rPr>
+              <a:t>20151543 </a:t>
+            </a:r>
+            <a:r>
+              <a:rPr lang="ko-KR" altLang="en-US" sz="1400" b="1" dirty="0" smtClean="0">
+                <a:solidFill>
+                  <a:schemeClr val="accent3"/>
+                </a:solidFill>
+                <a:cs typeface="Arial" pitchFamily="34" charset="0"/>
+              </a:rPr>
+              <a:t>이승협</a:t>
+            </a:r>
+            <a:endParaRPr lang="ko-KR" altLang="en-US" sz="1400" b="1" dirty="0">
+              <a:solidFill>
+                <a:schemeClr val="accent3"/>
+              </a:solidFill>
+              <a:cs typeface="Arial" pitchFamily="34" charset="0"/>
+            </a:endParaRPr>
+          </a:p>
+        </p:txBody>
+      </p:sp>
+      <p:pic>
+        <p:nvPicPr>
+          <p:cNvPr id="4099" name="Picture 3" descr="C:\Users\lesh0\Desktop\project\img\register.png"/>
+          <p:cNvPicPr>
+            <a:picLocks noChangeAspect="1" noChangeArrowheads="1"/>
+          </p:cNvPicPr>
+          <p:nvPr/>
+        </p:nvPicPr>
+        <p:blipFill>
+          <a:blip r:embed="rId2" cstate="print"/>
+          <a:srcRect/>
+          <a:stretch>
+            <a:fillRect/>
+          </a:stretch>
+        </p:blipFill>
+        <p:spPr bwMode="auto">
+          <a:xfrm>
+            <a:off x="1534371" y="1419622"/>
+            <a:ext cx="7609629" cy="3483290"/>
+          </a:xfrm>
+          <a:prstGeom prst="rect">
+            <a:avLst/>
+          </a:prstGeom>
+          <a:noFill/>
+        </p:spPr>
+      </p:pic>
+      <p:sp>
+        <p:nvSpPr>
+          <p:cNvPr id="15" name="TextBox 14"/>
+          <p:cNvSpPr txBox="1"/>
+          <p:nvPr/>
+        </p:nvSpPr>
+        <p:spPr>
+          <a:xfrm>
+            <a:off x="7164288" y="627534"/>
+            <a:ext cx="792088" cy="307777"/>
+          </a:xfrm>
+          <a:prstGeom prst="rect">
+            <a:avLst/>
+          </a:prstGeom>
+          <a:noFill/>
+        </p:spPr>
+        <p:txBody>
+          <a:bodyPr wrap="square" rtlCol="0">
+            <a:spAutoFit/>
+          </a:bodyPr>
+          <a:lstStyle/>
+          <a:p>
+            <a:pPr algn="just"/>
+            <a:r>
+              <a:rPr lang="en-US" altLang="ko-KR" sz="1400" b="1" dirty="0" err="1" smtClean="0">
+                <a:solidFill>
+                  <a:schemeClr val="accent3"/>
+                </a:solidFill>
+                <a:cs typeface="Arial" pitchFamily="34" charset="0"/>
+              </a:rPr>
+              <a:t>Github</a:t>
+            </a:r>
+            <a:r>
+              <a:rPr lang="en-US" altLang="ko-KR" sz="1400" b="1" dirty="0" smtClean="0">
+                <a:solidFill>
+                  <a:schemeClr val="accent3"/>
+                </a:solidFill>
+                <a:cs typeface="Arial" pitchFamily="34" charset="0"/>
+              </a:rPr>
+              <a:t>: </a:t>
+            </a:r>
+            <a:endParaRPr lang="ko-KR" altLang="en-US" sz="1400" b="1" dirty="0">
+              <a:solidFill>
+                <a:schemeClr val="accent3"/>
+              </a:solidFill>
+              <a:cs typeface="Arial" pitchFamily="34" charset="0"/>
+            </a:endParaRPr>
+          </a:p>
+        </p:txBody>
+      </p:sp>
+      <p:pic>
+        <p:nvPicPr>
+          <p:cNvPr id="16" name="Picture 3" descr="C:\Users\lesh0\Desktop\project\img\github.png"/>
+          <p:cNvPicPr>
+            <a:picLocks noChangeAspect="1" noChangeArrowheads="1"/>
+          </p:cNvPicPr>
+          <p:nvPr/>
+        </p:nvPicPr>
+        <p:blipFill>
+          <a:blip r:embed="rId3" cstate="print"/>
+          <a:srcRect/>
+          <a:stretch>
+            <a:fillRect/>
+          </a:stretch>
+        </p:blipFill>
+        <p:spPr bwMode="auto">
+          <a:xfrm>
+            <a:off x="7956376" y="267494"/>
+            <a:ext cx="648072" cy="658573"/>
+          </a:xfrm>
+          <a:prstGeom prst="rect">
+            <a:avLst/>
+          </a:prstGeom>
+          <a:noFill/>
+        </p:spPr>
+      </p:pic>
+      <p:pic>
+        <p:nvPicPr>
+          <p:cNvPr id="2050" name="Picture 2"/>
+          <p:cNvPicPr>
+            <a:picLocks noChangeAspect="1" noChangeArrowheads="1"/>
+          </p:cNvPicPr>
+          <p:nvPr/>
+        </p:nvPicPr>
+        <p:blipFill>
+          <a:blip r:embed="rId4" cstate="print"/>
+          <a:srcRect/>
+          <a:stretch>
+            <a:fillRect/>
+          </a:stretch>
+        </p:blipFill>
+        <p:spPr bwMode="auto">
+          <a:xfrm>
+            <a:off x="5940152" y="1923678"/>
+            <a:ext cx="1724025" cy="295275"/>
+          </a:xfrm>
+          <a:prstGeom prst="rect">
+            <a:avLst/>
+          </a:prstGeom>
+          <a:noFill/>
+          <a:ln w="9525">
+            <a:noFill/>
+            <a:miter lim="800000"/>
+            <a:headEnd/>
+            <a:tailEnd/>
+          </a:ln>
+        </p:spPr>
+      </p:pic>
+      <p:pic>
+        <p:nvPicPr>
+          <p:cNvPr id="2051" name="Picture 3"/>
+          <p:cNvPicPr>
+            <a:picLocks noChangeAspect="1" noChangeArrowheads="1"/>
+          </p:cNvPicPr>
+          <p:nvPr/>
+        </p:nvPicPr>
+        <p:blipFill>
+          <a:blip r:embed="rId5" cstate="print"/>
+          <a:srcRect/>
+          <a:stretch>
+            <a:fillRect/>
+          </a:stretch>
+        </p:blipFill>
+        <p:spPr bwMode="auto">
+          <a:xfrm>
+            <a:off x="5915025" y="2283718"/>
+            <a:ext cx="3228975" cy="323850"/>
+          </a:xfrm>
+          <a:prstGeom prst="rect">
+            <a:avLst/>
+          </a:prstGeom>
+          <a:noFill/>
+          <a:ln w="9525">
+            <a:noFill/>
+            <a:miter lim="800000"/>
+            <a:headEnd/>
+            <a:tailEnd/>
+          </a:ln>
+        </p:spPr>
+      </p:pic>
+      <p:pic>
+        <p:nvPicPr>
+          <p:cNvPr id="4" name="Picture 4"/>
+          <p:cNvPicPr>
+            <a:picLocks noChangeAspect="1" noChangeArrowheads="1"/>
+          </p:cNvPicPr>
+          <p:nvPr/>
+        </p:nvPicPr>
+        <p:blipFill>
+          <a:blip r:embed="rId6" cstate="print"/>
+          <a:srcRect/>
+          <a:stretch>
+            <a:fillRect/>
+          </a:stretch>
+        </p:blipFill>
+        <p:spPr bwMode="auto">
+          <a:xfrm>
+            <a:off x="5940152" y="2643758"/>
+            <a:ext cx="1876425" cy="295275"/>
+          </a:xfrm>
+          <a:prstGeom prst="rect">
+            <a:avLst/>
+          </a:prstGeom>
+          <a:noFill/>
+          <a:ln w="9525">
+            <a:noFill/>
+            <a:miter lim="800000"/>
+            <a:headEnd/>
+            <a:tailEnd/>
+          </a:ln>
+        </p:spPr>
+      </p:pic>
+      <p:pic>
+        <p:nvPicPr>
+          <p:cNvPr id="2054" name="Picture 6"/>
+          <p:cNvPicPr>
+            <a:picLocks noChangeAspect="1" noChangeArrowheads="1"/>
+          </p:cNvPicPr>
+          <p:nvPr/>
+        </p:nvPicPr>
+        <p:blipFill>
+          <a:blip r:embed="rId7" cstate="print"/>
+          <a:srcRect/>
+          <a:stretch>
+            <a:fillRect/>
+          </a:stretch>
+        </p:blipFill>
+        <p:spPr bwMode="auto">
+          <a:xfrm>
+            <a:off x="5940152" y="3003798"/>
+            <a:ext cx="2867025" cy="190500"/>
+          </a:xfrm>
+          <a:prstGeom prst="rect">
+            <a:avLst/>
+          </a:prstGeom>
+          <a:noFill/>
+          <a:ln w="9525">
+            <a:noFill/>
+            <a:miter lim="800000"/>
+            <a:headEnd/>
+            <a:tailEnd/>
+          </a:ln>
+        </p:spPr>
+      </p:pic>
+      <p:pic>
+        <p:nvPicPr>
+          <p:cNvPr id="2055" name="Picture 7"/>
+          <p:cNvPicPr>
+            <a:picLocks noChangeAspect="1" noChangeArrowheads="1"/>
+          </p:cNvPicPr>
+          <p:nvPr/>
+        </p:nvPicPr>
+        <p:blipFill>
+          <a:blip r:embed="rId8" cstate="print"/>
+          <a:srcRect/>
+          <a:stretch>
+            <a:fillRect/>
+          </a:stretch>
+        </p:blipFill>
+        <p:spPr bwMode="auto">
+          <a:xfrm>
+            <a:off x="5940152" y="3219822"/>
+            <a:ext cx="1695450" cy="295275"/>
+          </a:xfrm>
+          <a:prstGeom prst="rect">
+            <a:avLst/>
+          </a:prstGeom>
+          <a:noFill/>
+          <a:ln w="9525">
+            <a:noFill/>
+            <a:miter lim="800000"/>
+            <a:headEnd/>
+            <a:tailEnd/>
+          </a:ln>
+        </p:spPr>
+      </p:pic>
+      <p:pic>
+        <p:nvPicPr>
+          <p:cNvPr id="20" name="Picture 4"/>
+          <p:cNvPicPr>
+            <a:picLocks noChangeAspect="1" noChangeArrowheads="1"/>
+          </p:cNvPicPr>
+          <p:nvPr/>
+        </p:nvPicPr>
+        <p:blipFill>
+          <a:blip r:embed="rId9" cstate="print"/>
+          <a:srcRect/>
+          <a:stretch>
+            <a:fillRect/>
+          </a:stretch>
+        </p:blipFill>
+        <p:spPr bwMode="auto">
+          <a:xfrm>
+            <a:off x="5148064" y="1059582"/>
+            <a:ext cx="3838575" cy="3371850"/>
+          </a:xfrm>
+          <a:prstGeom prst="rect">
+            <a:avLst/>
+          </a:prstGeom>
+          <a:noFill/>
+          <a:ln w="9525">
+            <a:noFill/>
+            <a:miter lim="800000"/>
+            <a:headEnd/>
+            <a:tailEnd/>
+          </a:ln>
+        </p:spPr>
+      </p:pic>
+    </p:spTree>
+    <p:extLst>
+      <p:ext uri="{BB962C8B-B14F-4D97-AF65-F5344CB8AC3E}">
+        <p14:creationId xmlns:p14="http://schemas.microsoft.com/office/powerpoint/2010/main" val="1079078949"/>
       </p:ext>
     </p:extLst>
   </p:cSld>
@@ -18483,34 +12917,7 @@
                                           </p:stCondLst>
                                         </p:cTn>
                                         <p:tgtEl>
-                                          <p:spTgt spid="1027"/>
-                                        </p:tgtEl>
-                                        <p:attrNameLst>
-                                          <p:attrName>style.visibility</p:attrName>
-                                        </p:attrNameLst>
-                                      </p:cBhvr>
-                                      <p:to>
-                                        <p:strVal val="visible"/>
-                                      </p:to>
-                                    </p:set>
-                                  </p:childTnLst>
-                                </p:cTn>
-                              </p:par>
-                              <p:par>
-                                <p:cTn id="7" presetID="1" presetClass="entr" presetSubtype="0" fill="hold" nodeType="withEffect">
-                                  <p:stCondLst>
-                                    <p:cond delay="0"/>
-                                  </p:stCondLst>
-                                  <p:childTnLst>
-                                    <p:set>
-                                      <p:cBhvr>
-                                        <p:cTn id="8" dur="1" fill="hold">
-                                          <p:stCondLst>
-                                            <p:cond delay="0"/>
-                                          </p:stCondLst>
-                                        </p:cTn>
-                                        <p:tgtEl>
-                                          <p:spTgt spid="1029"/>
+                                          <p:spTgt spid="20"/>
                                         </p:tgtEl>
                                         <p:attrNameLst>
                                           <p:attrName>style.visibility</p:attrName>
@@ -18554,7 +12961,7 @@
 </p:sld>
 </file>
 
-<file path=ppt/slides/slide9.xml><?xml version="1.0" encoding="utf-8"?>
+<file path=ppt/slides/slide8.xml><?xml version="1.0" encoding="utf-8"?>
 <p:sld xmlns:a="http://schemas.openxmlformats.org/drawingml/2006/main" xmlns:r="http://schemas.openxmlformats.org/officeDocument/2006/relationships" xmlns:p="http://schemas.openxmlformats.org/presentationml/2006/main">
   <p:cSld>
     <p:spTree>
@@ -18899,7 +13306,7 @@
                   </a:solidFill>
                   <a:cs typeface="Arial" pitchFamily="34" charset="0"/>
                 </a:rPr>
-                <a:t>Register</a:t>
+                <a:t>Login</a:t>
               </a:r>
               <a:endParaRPr lang="ko-KR" altLang="en-US" sz="1400" b="1" dirty="0">
                 <a:solidFill>
@@ -19067,7 +13474,7 @@
       </p:sp>
       <p:pic>
         <p:nvPicPr>
-          <p:cNvPr id="4099" name="Picture 3" descr="C:\Users\lesh0\Desktop\project\img\register.png"/>
+          <p:cNvPr id="5125" name="Picture 5" descr="C:\Users\lesh0\Desktop\project\img\login.png"/>
           <p:cNvPicPr>
             <a:picLocks noChangeAspect="1" noChangeArrowheads="1"/>
           </p:cNvPicPr>
@@ -19082,8 +13489,8 @@
         </p:blipFill>
         <p:spPr bwMode="auto">
           <a:xfrm>
-            <a:off x="1534371" y="1419622"/>
-            <a:ext cx="7609629" cy="3483290"/>
+            <a:off x="1547664" y="1491630"/>
+            <a:ext cx="7596336" cy="3528392"/>
           </a:xfrm>
           <a:prstGeom prst="rect">
             <a:avLst/>
@@ -19169,7 +13576,7 @@
       </p:pic>
       <p:pic>
         <p:nvPicPr>
-          <p:cNvPr id="2050" name="Picture 2"/>
+          <p:cNvPr id="3074" name="Picture 2"/>
           <p:cNvPicPr>
             <a:picLocks noChangeAspect="1" noChangeArrowheads="1"/>
           </p:cNvPicPr>
@@ -19184,8 +13591,8 @@
         </p:blipFill>
         <p:spPr bwMode="auto">
           <a:xfrm>
-            <a:off x="5940152" y="1923678"/>
-            <a:ext cx="1724025" cy="295275"/>
+            <a:off x="6156176" y="3219822"/>
+            <a:ext cx="1981200" cy="219075"/>
           </a:xfrm>
           <a:prstGeom prst="rect">
             <a:avLst/>
@@ -19201,7 +13608,7 @@
       </p:pic>
       <p:pic>
         <p:nvPicPr>
-          <p:cNvPr id="2051" name="Picture 3"/>
+          <p:cNvPr id="3075" name="Picture 3"/>
           <p:cNvPicPr>
             <a:picLocks noChangeAspect="1" noChangeArrowheads="1"/>
           </p:cNvPicPr>
@@ -19216,8 +13623,8 @@
         </p:blipFill>
         <p:spPr bwMode="auto">
           <a:xfrm>
-            <a:off x="5915025" y="2283718"/>
-            <a:ext cx="3228975" cy="323850"/>
+            <a:off x="6156176" y="4011910"/>
+            <a:ext cx="2124075" cy="190500"/>
           </a:xfrm>
           <a:prstGeom prst="rect">
             <a:avLst/>
@@ -19231,16 +13638,607 @@
           </a:ln>
         </p:spPr>
       </p:pic>
+    </p:spTree>
+    <p:extLst>
+      <p:ext uri="{BB962C8B-B14F-4D97-AF65-F5344CB8AC3E}">
+        <p14:creationId xmlns:p14="http://schemas.microsoft.com/office/powerpoint/2010/main" val="1079078949"/>
+      </p:ext>
+    </p:extLst>
+  </p:cSld>
+  <p:clrMapOvr>
+    <a:masterClrMapping/>
+  </p:clrMapOvr>
+  <p:transition/>
+  <p:timing>
+    <p:tnLst>
+      <p:par>
+        <p:cTn id="1" dur="indefinite" restart="never" nodeType="tmRoot"/>
+      </p:par>
+    </p:tnLst>
+  </p:timing>
+</p:sld>
+</file>
+
+<file path=ppt/slides/slide9.xml><?xml version="1.0" encoding="utf-8"?>
+<p:sld xmlns:a="http://schemas.openxmlformats.org/drawingml/2006/main" xmlns:r="http://schemas.openxmlformats.org/officeDocument/2006/relationships" xmlns:p="http://schemas.openxmlformats.org/presentationml/2006/main">
+  <p:cSld>
+    <p:spTree>
+      <p:nvGrpSpPr>
+        <p:cNvPr id="1" name=""/>
+        <p:cNvGrpSpPr/>
+        <p:nvPr/>
+      </p:nvGrpSpPr>
+      <p:grpSpPr>
+        <a:xfrm>
+          <a:off x="0" y="0"/>
+          <a:ext cx="0" cy="0"/>
+          <a:chOff x="0" y="0"/>
+          <a:chExt cx="0" cy="0"/>
+        </a:xfrm>
+      </p:grpSpPr>
+      <p:sp>
+        <p:nvSpPr>
+          <p:cNvPr id="3" name="Title 2"/>
+          <p:cNvSpPr txBox="1">
+            <a:spLocks/>
+          </p:cNvSpPr>
+          <p:nvPr/>
+        </p:nvSpPr>
+        <p:spPr>
+          <a:xfrm>
+            <a:off x="0" y="483518"/>
+            <a:ext cx="9144000" cy="576064"/>
+          </a:xfrm>
+          <a:prstGeom prst="rect">
+            <a:avLst/>
+          </a:prstGeom>
+        </p:spPr>
+        <p:txBody>
+          <a:bodyPr anchor="ctr"/>
+          <a:lstStyle>
+            <a:lvl1pPr algn="ctr" defTabSz="914400" rtl="0" eaLnBrk="1" latinLnBrk="1" hangingPunct="1">
+              <a:spcBef>
+                <a:spcPct val="0"/>
+              </a:spcBef>
+              <a:buNone/>
+              <a:defRPr sz="4400" kern="1200">
+                <a:solidFill>
+                  <a:schemeClr val="tx1"/>
+                </a:solidFill>
+                <a:latin typeface="+mj-lt"/>
+                <a:ea typeface="+mj-ea"/>
+                <a:cs typeface="+mj-cs"/>
+              </a:defRPr>
+            </a:lvl1pPr>
+          </a:lstStyle>
+          <a:p>
+            <a:r>
+              <a:rPr lang="en-US" sz="3600" dirty="0">
+                <a:solidFill>
+                  <a:schemeClr val="bg1"/>
+                </a:solidFill>
+                <a:latin typeface="Arial" pitchFamily="34" charset="0"/>
+                <a:cs typeface="Arial" pitchFamily="34" charset="0"/>
+              </a:rPr>
+              <a:t>Agenda Style</a:t>
+            </a:r>
+          </a:p>
+        </p:txBody>
+      </p:sp>
+      <p:sp>
+        <p:nvSpPr>
+          <p:cNvPr id="5" name="Text Placeholder 1"/>
+          <p:cNvSpPr txBox="1">
+            <a:spLocks/>
+          </p:cNvSpPr>
+          <p:nvPr/>
+        </p:nvSpPr>
+        <p:spPr>
+          <a:xfrm rot="16200000">
+            <a:off x="-1822186" y="2109390"/>
+            <a:ext cx="5143501" cy="924722"/>
+          </a:xfrm>
+          <a:prstGeom prst="rect">
+            <a:avLst/>
+          </a:prstGeom>
+        </p:spPr>
+        <p:txBody>
+          <a:bodyPr anchor="ctr"/>
+          <a:lstStyle>
+            <a:lvl1pPr marL="342900" indent="-342900" algn="l" defTabSz="914400" rtl="0" eaLnBrk="1" latinLnBrk="1" hangingPunct="1">
+              <a:spcBef>
+                <a:spcPct val="20000"/>
+              </a:spcBef>
+              <a:buFont typeface="Arial" pitchFamily="34" charset="0"/>
+              <a:buChar char="•"/>
+              <a:defRPr sz="3200" kern="1200">
+                <a:solidFill>
+                  <a:schemeClr val="tx1"/>
+                </a:solidFill>
+                <a:latin typeface="+mn-lt"/>
+                <a:ea typeface="+mn-ea"/>
+                <a:cs typeface="+mn-cs"/>
+              </a:defRPr>
+            </a:lvl1pPr>
+            <a:lvl2pPr marL="742950" indent="-285750" algn="l" defTabSz="914400" rtl="0" eaLnBrk="1" latinLnBrk="1" hangingPunct="1">
+              <a:spcBef>
+                <a:spcPct val="20000"/>
+              </a:spcBef>
+              <a:buFont typeface="Arial" pitchFamily="34" charset="0"/>
+              <a:buChar char="–"/>
+              <a:defRPr sz="2800" kern="1200">
+                <a:solidFill>
+                  <a:schemeClr val="tx1"/>
+                </a:solidFill>
+                <a:latin typeface="+mn-lt"/>
+                <a:ea typeface="+mn-ea"/>
+                <a:cs typeface="+mn-cs"/>
+              </a:defRPr>
+            </a:lvl2pPr>
+            <a:lvl3pPr marL="1143000" indent="-228600" algn="l" defTabSz="914400" rtl="0" eaLnBrk="1" latinLnBrk="1" hangingPunct="1">
+              <a:spcBef>
+                <a:spcPct val="20000"/>
+              </a:spcBef>
+              <a:buFont typeface="Arial" pitchFamily="34" charset="0"/>
+              <a:buChar char="•"/>
+              <a:defRPr sz="2400" kern="1200">
+                <a:solidFill>
+                  <a:schemeClr val="tx1"/>
+                </a:solidFill>
+                <a:latin typeface="+mn-lt"/>
+                <a:ea typeface="+mn-ea"/>
+                <a:cs typeface="+mn-cs"/>
+              </a:defRPr>
+            </a:lvl3pPr>
+            <a:lvl4pPr marL="1600200" indent="-228600" algn="l" defTabSz="914400" rtl="0" eaLnBrk="1" latinLnBrk="1" hangingPunct="1">
+              <a:spcBef>
+                <a:spcPct val="20000"/>
+              </a:spcBef>
+              <a:buFont typeface="Arial" pitchFamily="34" charset="0"/>
+              <a:buChar char="–"/>
+              <a:defRPr sz="2000" kern="1200">
+                <a:solidFill>
+                  <a:schemeClr val="tx1"/>
+                </a:solidFill>
+                <a:latin typeface="+mn-lt"/>
+                <a:ea typeface="+mn-ea"/>
+                <a:cs typeface="+mn-cs"/>
+              </a:defRPr>
+            </a:lvl4pPr>
+            <a:lvl5pPr marL="2057400" indent="-228600" algn="l" defTabSz="914400" rtl="0" eaLnBrk="1" latinLnBrk="1" hangingPunct="1">
+              <a:spcBef>
+                <a:spcPct val="20000"/>
+              </a:spcBef>
+              <a:buFont typeface="Arial" pitchFamily="34" charset="0"/>
+              <a:buChar char="»"/>
+              <a:defRPr sz="2000" kern="1200">
+                <a:solidFill>
+                  <a:schemeClr val="tx1"/>
+                </a:solidFill>
+                <a:latin typeface="+mn-lt"/>
+                <a:ea typeface="+mn-ea"/>
+                <a:cs typeface="+mn-cs"/>
+              </a:defRPr>
+            </a:lvl5pPr>
+            <a:lvl6pPr marL="2514600" indent="-228600" algn="l" defTabSz="914400" rtl="0" eaLnBrk="1" latinLnBrk="1" hangingPunct="1">
+              <a:spcBef>
+                <a:spcPct val="20000"/>
+              </a:spcBef>
+              <a:buFont typeface="Arial" pitchFamily="34" charset="0"/>
+              <a:buChar char="•"/>
+              <a:defRPr sz="2000" kern="1200">
+                <a:solidFill>
+                  <a:schemeClr val="tx1"/>
+                </a:solidFill>
+                <a:latin typeface="+mn-lt"/>
+                <a:ea typeface="+mn-ea"/>
+                <a:cs typeface="+mn-cs"/>
+              </a:defRPr>
+            </a:lvl6pPr>
+            <a:lvl7pPr marL="2971800" indent="-228600" algn="l" defTabSz="914400" rtl="0" eaLnBrk="1" latinLnBrk="1" hangingPunct="1">
+              <a:spcBef>
+                <a:spcPct val="20000"/>
+              </a:spcBef>
+              <a:buFont typeface="Arial" pitchFamily="34" charset="0"/>
+              <a:buChar char="•"/>
+              <a:defRPr sz="2000" kern="1200">
+                <a:solidFill>
+                  <a:schemeClr val="tx1"/>
+                </a:solidFill>
+                <a:latin typeface="+mn-lt"/>
+                <a:ea typeface="+mn-ea"/>
+                <a:cs typeface="+mn-cs"/>
+              </a:defRPr>
+            </a:lvl7pPr>
+            <a:lvl8pPr marL="3429000" indent="-228600" algn="l" defTabSz="914400" rtl="0" eaLnBrk="1" latinLnBrk="1" hangingPunct="1">
+              <a:spcBef>
+                <a:spcPct val="20000"/>
+              </a:spcBef>
+              <a:buFont typeface="Arial" pitchFamily="34" charset="0"/>
+              <a:buChar char="•"/>
+              <a:defRPr sz="2000" kern="1200">
+                <a:solidFill>
+                  <a:schemeClr val="tx1"/>
+                </a:solidFill>
+                <a:latin typeface="+mn-lt"/>
+                <a:ea typeface="+mn-ea"/>
+                <a:cs typeface="+mn-cs"/>
+              </a:defRPr>
+            </a:lvl8pPr>
+            <a:lvl9pPr marL="3886200" indent="-228600" algn="l" defTabSz="914400" rtl="0" eaLnBrk="1" latinLnBrk="1" hangingPunct="1">
+              <a:spcBef>
+                <a:spcPct val="20000"/>
+              </a:spcBef>
+              <a:buFont typeface="Arial" pitchFamily="34" charset="0"/>
+              <a:buChar char="•"/>
+              <a:defRPr sz="2000" kern="1200">
+                <a:solidFill>
+                  <a:schemeClr val="tx1"/>
+                </a:solidFill>
+                <a:latin typeface="+mn-lt"/>
+                <a:ea typeface="+mn-ea"/>
+                <a:cs typeface="+mn-cs"/>
+              </a:defRPr>
+            </a:lvl9pPr>
+          </a:lstStyle>
+          <a:p>
+            <a:pPr marL="0" indent="0" algn="ctr">
+              <a:buNone/>
+            </a:pPr>
+            <a:r>
+              <a:rPr lang="en-US" altLang="ko-KR" sz="4400" b="1" dirty="0" smtClean="0">
+                <a:solidFill>
+                  <a:schemeClr val="bg1"/>
+                </a:solidFill>
+                <a:cs typeface="Arial" pitchFamily="34" charset="0"/>
+              </a:rPr>
+              <a:t>Web </a:t>
+            </a:r>
+            <a:r>
+              <a:rPr lang="en-US" altLang="ko-KR" sz="4400" b="1" dirty="0" err="1" smtClean="0">
+                <a:solidFill>
+                  <a:schemeClr val="bg1"/>
+                </a:solidFill>
+                <a:cs typeface="Arial" pitchFamily="34" charset="0"/>
+              </a:rPr>
+              <a:t>Programing</a:t>
+            </a:r>
+            <a:endParaRPr lang="ko-KR" altLang="en-US" sz="4400" b="1" dirty="0">
+              <a:solidFill>
+                <a:schemeClr val="bg1"/>
+              </a:solidFill>
+              <a:cs typeface="Arial" pitchFamily="34" charset="0"/>
+            </a:endParaRPr>
+          </a:p>
+        </p:txBody>
+      </p:sp>
+      <p:grpSp>
+        <p:nvGrpSpPr>
+          <p:cNvPr id="2" name="Group 7"/>
+          <p:cNvGrpSpPr/>
+          <p:nvPr/>
+        </p:nvGrpSpPr>
+        <p:grpSpPr>
+          <a:xfrm>
+            <a:off x="1907704" y="483518"/>
+            <a:ext cx="6652377" cy="867490"/>
+            <a:chOff x="3687661" y="1203598"/>
+            <a:chExt cx="2252491" cy="867490"/>
+          </a:xfrm>
+        </p:grpSpPr>
+        <p:sp>
+          <p:nvSpPr>
+            <p:cNvPr id="10" name="TextBox 9"/>
+            <p:cNvSpPr txBox="1"/>
+            <p:nvPr/>
+          </p:nvSpPr>
+          <p:spPr>
+            <a:xfrm>
+              <a:off x="3687661" y="1203598"/>
+              <a:ext cx="2252491" cy="461665"/>
+            </a:xfrm>
+            <a:prstGeom prst="rect">
+              <a:avLst/>
+            </a:prstGeom>
+            <a:noFill/>
+          </p:spPr>
+          <p:txBody>
+            <a:bodyPr wrap="square" rtlCol="0">
+              <a:spAutoFit/>
+            </a:bodyPr>
+            <a:lstStyle/>
+            <a:p>
+              <a:r>
+                <a:rPr lang="ko-KR" altLang="en-US" sz="2400" b="1" dirty="0" smtClean="0">
+                  <a:solidFill>
+                    <a:schemeClr val="accent3"/>
+                  </a:solidFill>
+                  <a:cs typeface="Arial" pitchFamily="34" charset="0"/>
+                </a:rPr>
+                <a:t>코드 설명</a:t>
+              </a:r>
+              <a:r>
+                <a:rPr lang="en-US" altLang="ko-KR" sz="2400" b="1" dirty="0" smtClean="0">
+                  <a:solidFill>
+                    <a:schemeClr val="accent3"/>
+                  </a:solidFill>
+                  <a:cs typeface="Arial" pitchFamily="34" charset="0"/>
+                </a:rPr>
+                <a:t> (Python)</a:t>
+              </a:r>
+              <a:endParaRPr lang="ko-KR" altLang="en-US" sz="2400" b="1" dirty="0">
+                <a:solidFill>
+                  <a:schemeClr val="accent3"/>
+                </a:solidFill>
+                <a:cs typeface="Arial" pitchFamily="34" charset="0"/>
+              </a:endParaRPr>
+            </a:p>
+          </p:txBody>
+        </p:sp>
+        <p:sp>
+          <p:nvSpPr>
+            <p:cNvPr id="14" name="TextBox 13"/>
+            <p:cNvSpPr txBox="1"/>
+            <p:nvPr/>
+          </p:nvSpPr>
+          <p:spPr>
+            <a:xfrm>
+              <a:off x="3687661" y="1763311"/>
+              <a:ext cx="2252491" cy="307777"/>
+            </a:xfrm>
+            <a:prstGeom prst="rect">
+              <a:avLst/>
+            </a:prstGeom>
+            <a:noFill/>
+          </p:spPr>
+          <p:txBody>
+            <a:bodyPr wrap="square" rtlCol="0">
+              <a:spAutoFit/>
+            </a:bodyPr>
+            <a:lstStyle/>
+            <a:p>
+              <a:r>
+                <a:rPr lang="en-US" altLang="ko-KR" sz="1400" b="1" dirty="0" smtClean="0">
+                  <a:solidFill>
+                    <a:schemeClr val="accent3"/>
+                  </a:solidFill>
+                  <a:cs typeface="Arial" pitchFamily="34" charset="0"/>
+                </a:rPr>
+                <a:t>Follow &amp; </a:t>
+              </a:r>
+              <a:r>
+                <a:rPr lang="en-US" altLang="ko-KR" sz="1400" b="1" dirty="0" err="1" smtClean="0">
+                  <a:solidFill>
+                    <a:schemeClr val="accent3"/>
+                  </a:solidFill>
+                  <a:cs typeface="Arial" pitchFamily="34" charset="0"/>
+                </a:rPr>
+                <a:t>unfollow</a:t>
+              </a:r>
+              <a:endParaRPr lang="ko-KR" altLang="en-US" sz="1400" b="1" dirty="0">
+                <a:solidFill>
+                  <a:schemeClr val="accent3"/>
+                </a:solidFill>
+                <a:cs typeface="Arial" pitchFamily="34" charset="0"/>
+              </a:endParaRPr>
+            </a:p>
+          </p:txBody>
+        </p:sp>
+      </p:grpSp>
+      <p:sp>
+        <p:nvSpPr>
+          <p:cNvPr id="11" name="Rectangle 10"/>
+          <p:cNvSpPr/>
+          <p:nvPr/>
+        </p:nvSpPr>
+        <p:spPr>
+          <a:xfrm>
+            <a:off x="1972081" y="945182"/>
+            <a:ext cx="2052000" cy="72000"/>
+          </a:xfrm>
+          <a:prstGeom prst="rect">
+            <a:avLst/>
+          </a:prstGeom>
+          <a:solidFill>
+            <a:schemeClr val="accent2"/>
+          </a:solidFill>
+          <a:ln>
+            <a:noFill/>
+          </a:ln>
+        </p:spPr>
+        <p:style>
+          <a:lnRef idx="2">
+            <a:schemeClr val="accent1">
+              <a:shade val="50000"/>
+            </a:schemeClr>
+          </a:lnRef>
+          <a:fillRef idx="1">
+            <a:schemeClr val="accent1"/>
+          </a:fillRef>
+          <a:effectRef idx="0">
+            <a:schemeClr val="accent1"/>
+          </a:effectRef>
+          <a:fontRef idx="minor">
+            <a:schemeClr val="lt1"/>
+          </a:fontRef>
+        </p:style>
+        <p:txBody>
+          <a:bodyPr rot="0" spcFirstLastPara="0" vertOverflow="overflow" horzOverflow="overflow" vert="horz" wrap="square" lIns="91440" tIns="45720" rIns="91440" bIns="45720" numCol="1" spcCol="0" rtlCol="0" fromWordArt="0" anchor="ctr" anchorCtr="0" forceAA="0" compatLnSpc="1">
+            <a:prstTxWarp prst="textNoShape">
+              <a:avLst/>
+            </a:prstTxWarp>
+            <a:noAutofit/>
+          </a:bodyPr>
+          <a:lstStyle/>
+          <a:p>
+            <a:pPr algn="ctr"/>
+            <a:endParaRPr lang="ko-KR" altLang="en-US"/>
+          </a:p>
+        </p:txBody>
+      </p:sp>
+      <p:sp>
+        <p:nvSpPr>
+          <p:cNvPr id="13" name="Rectangle 12"/>
+          <p:cNvSpPr/>
+          <p:nvPr/>
+        </p:nvSpPr>
+        <p:spPr>
+          <a:xfrm>
+            <a:off x="4024081" y="945183"/>
+            <a:ext cx="4536000" cy="72000"/>
+          </a:xfrm>
+          <a:prstGeom prst="rect">
+            <a:avLst/>
+          </a:prstGeom>
+          <a:solidFill>
+            <a:schemeClr val="accent2">
+              <a:alpha val="30000"/>
+            </a:schemeClr>
+          </a:solidFill>
+          <a:ln>
+            <a:noFill/>
+          </a:ln>
+        </p:spPr>
+        <p:style>
+          <a:lnRef idx="2">
+            <a:schemeClr val="accent1">
+              <a:shade val="50000"/>
+            </a:schemeClr>
+          </a:lnRef>
+          <a:fillRef idx="1">
+            <a:schemeClr val="accent1"/>
+          </a:fillRef>
+          <a:effectRef idx="0">
+            <a:schemeClr val="accent1"/>
+          </a:effectRef>
+          <a:fontRef idx="minor">
+            <a:schemeClr val="lt1"/>
+          </a:fontRef>
+        </p:style>
+        <p:txBody>
+          <a:bodyPr rot="0" spcFirstLastPara="0" vertOverflow="overflow" horzOverflow="overflow" vert="horz" wrap="square" lIns="91440" tIns="45720" rIns="91440" bIns="45720" numCol="1" spcCol="0" rtlCol="0" fromWordArt="0" anchor="ctr" anchorCtr="0" forceAA="0" compatLnSpc="1">
+            <a:prstTxWarp prst="textNoShape">
+              <a:avLst/>
+            </a:prstTxWarp>
+            <a:noAutofit/>
+          </a:bodyPr>
+          <a:lstStyle/>
+          <a:p>
+            <a:pPr algn="ctr"/>
+            <a:endParaRPr lang="ko-KR" altLang="en-US"/>
+          </a:p>
+        </p:txBody>
+      </p:sp>
+      <p:sp>
+        <p:nvSpPr>
+          <p:cNvPr id="12" name="TextBox 11"/>
+          <p:cNvSpPr txBox="1"/>
+          <p:nvPr/>
+        </p:nvSpPr>
+        <p:spPr>
+          <a:xfrm>
+            <a:off x="5580112" y="1043231"/>
+            <a:ext cx="2979969" cy="307777"/>
+          </a:xfrm>
+          <a:prstGeom prst="rect">
+            <a:avLst/>
+          </a:prstGeom>
+          <a:noFill/>
+        </p:spPr>
+        <p:txBody>
+          <a:bodyPr wrap="square" rtlCol="0">
+            <a:spAutoFit/>
+          </a:bodyPr>
+          <a:lstStyle/>
+          <a:p>
+            <a:pPr algn="r"/>
+            <a:r>
+              <a:rPr lang="en-US" altLang="ko-KR" sz="1400" b="1" dirty="0" smtClean="0">
+                <a:solidFill>
+                  <a:schemeClr val="accent3"/>
+                </a:solidFill>
+                <a:cs typeface="Arial" pitchFamily="34" charset="0"/>
+              </a:rPr>
+              <a:t>20151543 </a:t>
+            </a:r>
+            <a:r>
+              <a:rPr lang="ko-KR" altLang="en-US" sz="1400" b="1" dirty="0" smtClean="0">
+                <a:solidFill>
+                  <a:schemeClr val="accent3"/>
+                </a:solidFill>
+                <a:cs typeface="Arial" pitchFamily="34" charset="0"/>
+              </a:rPr>
+              <a:t>이승협</a:t>
+            </a:r>
+            <a:endParaRPr lang="ko-KR" altLang="en-US" sz="1400" b="1" dirty="0">
+              <a:solidFill>
+                <a:schemeClr val="accent3"/>
+              </a:solidFill>
+              <a:cs typeface="Arial" pitchFamily="34" charset="0"/>
+            </a:endParaRPr>
+          </a:p>
+        </p:txBody>
+      </p:sp>
+      <p:sp>
+        <p:nvSpPr>
+          <p:cNvPr id="15" name="TextBox 14"/>
+          <p:cNvSpPr txBox="1"/>
+          <p:nvPr/>
+        </p:nvSpPr>
+        <p:spPr>
+          <a:xfrm>
+            <a:off x="7164288" y="627534"/>
+            <a:ext cx="792088" cy="307777"/>
+          </a:xfrm>
+          <a:prstGeom prst="rect">
+            <a:avLst/>
+          </a:prstGeom>
+          <a:noFill/>
+        </p:spPr>
+        <p:txBody>
+          <a:bodyPr wrap="square" rtlCol="0">
+            <a:spAutoFit/>
+          </a:bodyPr>
+          <a:lstStyle/>
+          <a:p>
+            <a:pPr algn="just"/>
+            <a:r>
+              <a:rPr lang="en-US" altLang="ko-KR" sz="1400" b="1" dirty="0" err="1" smtClean="0">
+                <a:solidFill>
+                  <a:schemeClr val="accent3"/>
+                </a:solidFill>
+                <a:cs typeface="Arial" pitchFamily="34" charset="0"/>
+              </a:rPr>
+              <a:t>Github</a:t>
+            </a:r>
+            <a:r>
+              <a:rPr lang="en-US" altLang="ko-KR" sz="1400" b="1" dirty="0" smtClean="0">
+                <a:solidFill>
+                  <a:schemeClr val="accent3"/>
+                </a:solidFill>
+                <a:cs typeface="Arial" pitchFamily="34" charset="0"/>
+              </a:rPr>
+              <a:t>: </a:t>
+            </a:r>
+            <a:endParaRPr lang="ko-KR" altLang="en-US" sz="1400" b="1" dirty="0">
+              <a:solidFill>
+                <a:schemeClr val="accent3"/>
+              </a:solidFill>
+              <a:cs typeface="Arial" pitchFamily="34" charset="0"/>
+            </a:endParaRPr>
+          </a:p>
+        </p:txBody>
+      </p:sp>
       <p:pic>
         <p:nvPicPr>
-          <p:cNvPr id="4" name="Picture 4"/>
+          <p:cNvPr id="16" name="Picture 3" descr="C:\Users\lesh0\Desktop\project\img\github.png"/>
           <p:cNvPicPr>
             <a:picLocks noChangeAspect="1" noChangeArrowheads="1"/>
           </p:cNvPicPr>
           <p:nvPr/>
         </p:nvPicPr>
         <p:blipFill>
-          <a:blip r:embed="rId6" cstate="print"/>
+          <a:blip r:embed="rId2" cstate="print"/>
           <a:srcRect/>
           <a:stretch>
             <a:fillRect/>
@@ -19248,31 +14246,25 @@
         </p:blipFill>
         <p:spPr bwMode="auto">
           <a:xfrm>
-            <a:off x="5940152" y="2643758"/>
-            <a:ext cx="1876425" cy="295275"/>
+            <a:off x="7956376" y="267494"/>
+            <a:ext cx="648072" cy="658573"/>
           </a:xfrm>
           <a:prstGeom prst="rect">
             <a:avLst/>
           </a:prstGeom>
           <a:noFill/>
-          <a:ln w="9525">
-            <a:noFill/>
-            <a:miter lim="800000"/>
-            <a:headEnd/>
-            <a:tailEnd/>
-          </a:ln>
         </p:spPr>
       </p:pic>
       <p:pic>
         <p:nvPicPr>
-          <p:cNvPr id="2054" name="Picture 6"/>
+          <p:cNvPr id="7170" name="Picture 2" descr="C:\Users\lesh0\Desktop\project\img\follow_unfollow.png"/>
           <p:cNvPicPr>
             <a:picLocks noChangeAspect="1" noChangeArrowheads="1"/>
           </p:cNvPicPr>
           <p:nvPr/>
         </p:nvPicPr>
         <p:blipFill>
-          <a:blip r:embed="rId7" cstate="print"/>
+          <a:blip r:embed="rId3" cstate="print"/>
           <a:srcRect/>
           <a:stretch>
             <a:fillRect/>
@@ -19280,31 +14272,25 @@
         </p:blipFill>
         <p:spPr bwMode="auto">
           <a:xfrm>
-            <a:off x="5940152" y="3003798"/>
-            <a:ext cx="2867025" cy="190500"/>
+            <a:off x="1619672" y="1419622"/>
+            <a:ext cx="4244975" cy="3573463"/>
           </a:xfrm>
           <a:prstGeom prst="rect">
             <a:avLst/>
           </a:prstGeom>
           <a:noFill/>
-          <a:ln w="9525">
-            <a:noFill/>
-            <a:miter lim="800000"/>
-            <a:headEnd/>
-            <a:tailEnd/>
-          </a:ln>
         </p:spPr>
       </p:pic>
       <p:pic>
         <p:nvPicPr>
-          <p:cNvPr id="2055" name="Picture 7"/>
+          <p:cNvPr id="17" name="Picture 2" descr="C:\Users\lesh0\Desktop\project\img\follow_status.png"/>
           <p:cNvPicPr>
             <a:picLocks noChangeAspect="1" noChangeArrowheads="1"/>
           </p:cNvPicPr>
           <p:nvPr/>
         </p:nvPicPr>
         <p:blipFill>
-          <a:blip r:embed="rId8" cstate="print"/>
+          <a:blip r:embed="rId4" cstate="print"/>
           <a:srcRect/>
           <a:stretch>
             <a:fillRect/>
@@ -19312,57 +14298,19 @@
         </p:blipFill>
         <p:spPr bwMode="auto">
           <a:xfrm>
-            <a:off x="5940152" y="3219822"/>
-            <a:ext cx="1695450" cy="295275"/>
+            <a:off x="1547665" y="1347614"/>
+            <a:ext cx="7596335" cy="3600400"/>
           </a:xfrm>
           <a:prstGeom prst="rect">
             <a:avLst/>
           </a:prstGeom>
           <a:noFill/>
-          <a:ln w="9525">
-            <a:noFill/>
-            <a:miter lim="800000"/>
-            <a:headEnd/>
-            <a:tailEnd/>
-          </a:ln>
-        </p:spPr>
-      </p:pic>
-      <p:pic>
-        <p:nvPicPr>
-          <p:cNvPr id="20" name="Picture 4"/>
-          <p:cNvPicPr>
-            <a:picLocks noChangeAspect="1" noChangeArrowheads="1"/>
-          </p:cNvPicPr>
-          <p:nvPr/>
-        </p:nvPicPr>
-        <p:blipFill>
-          <a:blip r:embed="rId9" cstate="print"/>
-          <a:srcRect/>
-          <a:stretch>
-            <a:fillRect/>
-          </a:stretch>
-        </p:blipFill>
-        <p:spPr bwMode="auto">
-          <a:xfrm>
-            <a:off x="5148064" y="1059582"/>
-            <a:ext cx="3838575" cy="3371850"/>
-          </a:xfrm>
-          <a:prstGeom prst="rect">
-            <a:avLst/>
-          </a:prstGeom>
-          <a:noFill/>
-          <a:ln w="9525">
-            <a:noFill/>
-            <a:miter lim="800000"/>
-            <a:headEnd/>
-            <a:tailEnd/>
-          </a:ln>
         </p:spPr>
       </p:pic>
     </p:spTree>
     <p:extLst>
       <p:ext uri="{BB962C8B-B14F-4D97-AF65-F5344CB8AC3E}">
-        <p14:creationId xmlns:p14="http://schemas.microsoft.com/office/powerpoint/2010/main" xmlns="" val="1079078949"/>
+        <p14:creationId xmlns:p14="http://schemas.microsoft.com/office/powerpoint/2010/main" val="1079078949"/>
       </p:ext>
     </p:extLst>
   </p:cSld>
@@ -19404,7 +14352,7 @@
                                           </p:stCondLst>
                                         </p:cTn>
                                         <p:tgtEl>
-                                          <p:spTgt spid="20"/>
+                                          <p:spTgt spid="17"/>
                                         </p:tgtEl>
                                         <p:attrNameLst>
                                           <p:attrName>style.visibility</p:attrName>
@@ -20730,7 +15678,7 @@
   <a:extraClrSchemeLst/>
   <a:extLst>
     <a:ext uri="{05A4C25C-085E-4340-85A3-A5531E510DB2}">
-      <thm15:themeFamily xmlns:thm15="http://schemas.microsoft.com/office/thememl/2012/main" xmlns="" name="Office Theme" id="{62F939B6-93AF-4DB8-9C6B-D6C7DFDC589F}" vid="{4A3C46E8-61CC-4603-A589-7422A47A8E4A}"/>
+      <thm15:themeFamily xmlns:thm15="http://schemas.microsoft.com/office/thememl/2012/main" name="Office Theme" id="{62F939B6-93AF-4DB8-9C6B-D6C7DFDC589F}" vid="{4A3C46E8-61CC-4603-A589-7422A47A8E4A}"/>
     </a:ext>
   </a:extLst>
 </a:theme>
